--- a/最終課題.pptx
+++ b/最終課題.pptx
@@ -5,15 +5,14 @@
     <p:sldMasterId id="2147483804" r:id="rId1"/>
   </p:sldMasterIdLst>
   <p:notesMasterIdLst>
-    <p:notesMasterId r:id="rId8"/>
+    <p:notesMasterId r:id="rId7"/>
   </p:notesMasterIdLst>
   <p:sldIdLst>
     <p:sldId id="256" r:id="rId2"/>
     <p:sldId id="291" r:id="rId3"/>
     <p:sldId id="295" r:id="rId4"/>
     <p:sldId id="293" r:id="rId5"/>
-    <p:sldId id="294" r:id="rId6"/>
-    <p:sldId id="292" r:id="rId7"/>
+    <p:sldId id="292" r:id="rId6"/>
   </p:sldIdLst>
   <p:sldSz cx="12192000" cy="6858000"/>
   <p:notesSz cx="6858000" cy="9144000"/>
@@ -734,7 +733,91 @@
           <a:p>
             <a:fld id="{5015635C-5080-408E-969F-D633DFBBC582}" type="slidenum">
               <a:rPr kumimoji="1" lang="ja-JP" altLang="en-US" smtClean="0"/>
-              <a:t>6</a:t>
+              <a:t>4</a:t>
+            </a:fld>
+            <a:endParaRPr kumimoji="1" lang="ja-JP" altLang="en-US"/>
+          </a:p>
+        </p:txBody>
+      </p:sp>
+    </p:spTree>
+    <p:extLst>
+      <p:ext uri="{BB962C8B-B14F-4D97-AF65-F5344CB8AC3E}">
+        <p14:creationId xmlns:p14="http://schemas.microsoft.com/office/powerpoint/2010/main" val="2582403466"/>
+      </p:ext>
+    </p:extLst>
+  </p:cSld>
+  <p:clrMapOvr>
+    <a:masterClrMapping/>
+  </p:clrMapOvr>
+</p:notes>
+</file>
+
+<file path=ppt/notesSlides/notesSlide4.xml><?xml version="1.0" encoding="utf-8"?>
+<p:notes xmlns:a="http://schemas.openxmlformats.org/drawingml/2006/main" xmlns:r="http://schemas.openxmlformats.org/officeDocument/2006/relationships" xmlns:p="http://schemas.openxmlformats.org/presentationml/2006/main">
+  <p:cSld>
+    <p:spTree>
+      <p:nvGrpSpPr>
+        <p:cNvPr id="1" name=""/>
+        <p:cNvGrpSpPr/>
+        <p:nvPr/>
+      </p:nvGrpSpPr>
+      <p:grpSpPr>
+        <a:xfrm>
+          <a:off x="0" y="0"/>
+          <a:ext cx="0" cy="0"/>
+          <a:chOff x="0" y="0"/>
+          <a:chExt cx="0" cy="0"/>
+        </a:xfrm>
+      </p:grpSpPr>
+      <p:sp>
+        <p:nvSpPr>
+          <p:cNvPr id="2" name="スライド イメージ プレースホルダー 1"/>
+          <p:cNvSpPr>
+            <a:spLocks noGrp="1" noRot="1" noChangeAspect="1"/>
+          </p:cNvSpPr>
+          <p:nvPr>
+            <p:ph type="sldImg"/>
+          </p:nvPr>
+        </p:nvSpPr>
+        <p:spPr/>
+      </p:sp>
+      <p:sp>
+        <p:nvSpPr>
+          <p:cNvPr id="3" name="ノート プレースホルダー 2"/>
+          <p:cNvSpPr>
+            <a:spLocks noGrp="1"/>
+          </p:cNvSpPr>
+          <p:nvPr>
+            <p:ph type="body" idx="1"/>
+          </p:nvPr>
+        </p:nvSpPr>
+        <p:spPr/>
+        <p:txBody>
+          <a:bodyPr/>
+          <a:lstStyle/>
+          <a:p>
+            <a:endParaRPr kumimoji="1" lang="ja-JP" altLang="en-US" dirty="0"/>
+          </a:p>
+        </p:txBody>
+      </p:sp>
+      <p:sp>
+        <p:nvSpPr>
+          <p:cNvPr id="4" name="スライド番号プレースホルダー 3"/>
+          <p:cNvSpPr>
+            <a:spLocks noGrp="1"/>
+          </p:cNvSpPr>
+          <p:nvPr>
+            <p:ph type="sldNum" sz="quarter" idx="5"/>
+          </p:nvPr>
+        </p:nvSpPr>
+        <p:spPr/>
+        <p:txBody>
+          <a:bodyPr/>
+          <a:lstStyle/>
+          <a:p>
+            <a:fld id="{5015635C-5080-408E-969F-D633DFBBC582}" type="slidenum">
+              <a:rPr kumimoji="1" lang="ja-JP" altLang="en-US" smtClean="0"/>
+              <a:t>5</a:t>
             </a:fld>
             <a:endParaRPr kumimoji="1" lang="ja-JP" altLang="en-US"/>
           </a:p>
@@ -4960,16 +5043,18 @@
         </p:nvSpPr>
         <p:spPr>
           <a:xfrm>
-            <a:off x="948193" y="2133969"/>
-            <a:ext cx="1207178" cy="429617"/>
+            <a:off x="906920" y="3030982"/>
+            <a:ext cx="1634892" cy="985847"/>
           </a:xfrm>
         </p:spPr>
         <p:txBody>
-          <a:bodyPr/>
+          <a:bodyPr>
+            <a:normAutofit/>
+          </a:bodyPr>
           <a:lstStyle/>
           <a:p>
             <a:r>
-              <a:rPr kumimoji="1" lang="ja-JP" altLang="en-US" dirty="0"/>
+              <a:rPr kumimoji="1" lang="ja-JP" altLang="en-US" sz="3200" dirty="0"/>
               <a:t>ユーザ</a:t>
             </a:r>
           </a:p>
@@ -4991,7 +5076,7 @@
         </p:nvSpPr>
         <p:spPr>
           <a:xfrm>
-            <a:off x="4252006" y="2133968"/>
+            <a:off x="4249318" y="3030982"/>
             <a:ext cx="2605993" cy="1295032"/>
           </a:xfrm>
           <a:prstGeom prst="rect">
@@ -5250,19 +5335,19 @@
           </a:lstStyle>
           <a:p>
             <a:r>
-              <a:rPr lang="en-US" altLang="ja-JP" dirty="0"/>
+              <a:rPr lang="en-US" altLang="ja-JP" sz="3200" dirty="0"/>
               <a:t>LLM</a:t>
             </a:r>
             <a:r>
-              <a:rPr lang="ja-JP" altLang="en-US" dirty="0"/>
+              <a:rPr lang="ja-JP" altLang="en-US" sz="3200" dirty="0"/>
               <a:t>（</a:t>
             </a:r>
             <a:r>
-              <a:rPr lang="en-US" altLang="ja-JP" dirty="0"/>
+              <a:rPr lang="en-US" altLang="ja-JP" sz="3200" dirty="0"/>
               <a:t>ELYZA</a:t>
             </a:r>
             <a:r>
-              <a:rPr lang="ja-JP" altLang="en-US" dirty="0"/>
+              <a:rPr lang="ja-JP" altLang="en-US" sz="3200" dirty="0"/>
               <a:t>）</a:t>
             </a:r>
           </a:p>
@@ -5284,8 +5369,8 @@
         </p:nvSpPr>
         <p:spPr>
           <a:xfrm>
-            <a:off x="7131277" y="2133968"/>
-            <a:ext cx="2605993" cy="1295032"/>
+            <a:off x="7930517" y="3030982"/>
+            <a:ext cx="3061574" cy="1660945"/>
           </a:xfrm>
           <a:prstGeom prst="rect">
             <a:avLst/>
@@ -5543,14 +5628,940 @@
           </a:lstStyle>
           <a:p>
             <a:r>
+              <a:rPr lang="ja-JP" altLang="en-US" sz="2800" dirty="0"/>
+              <a:t>スケジュール</a:t>
+            </a:r>
+          </a:p>
+        </p:txBody>
+      </p:sp>
+      <p:cxnSp>
+        <p:nvCxnSpPr>
+          <p:cNvPr id="9" name="直線矢印コネクタ 8">
+            <a:extLst>
+              <a:ext uri="{FF2B5EF4-FFF2-40B4-BE49-F238E27FC236}">
+                <a16:creationId xmlns:a16="http://schemas.microsoft.com/office/drawing/2014/main" id="{D892B42D-B1B7-B564-7994-36AC0AA80474}"/>
+              </a:ext>
+            </a:extLst>
+          </p:cNvPr>
+          <p:cNvCxnSpPr/>
+          <p:nvPr/>
+        </p:nvCxnSpPr>
+        <p:spPr>
+          <a:xfrm>
+            <a:off x="2808514" y="3268753"/>
+            <a:ext cx="620486" cy="0"/>
+          </a:xfrm>
+          <a:prstGeom prst="straightConnector1">
+            <a:avLst/>
+          </a:prstGeom>
+          <a:ln w="38100">
+            <a:tailEnd type="triangle"/>
+          </a:ln>
+        </p:spPr>
+        <p:style>
+          <a:lnRef idx="1">
+            <a:schemeClr val="dk1"/>
+          </a:lnRef>
+          <a:fillRef idx="0">
+            <a:schemeClr val="dk1"/>
+          </a:fillRef>
+          <a:effectRef idx="0">
+            <a:schemeClr val="dk1"/>
+          </a:effectRef>
+          <a:fontRef idx="minor">
+            <a:schemeClr val="tx1"/>
+          </a:fontRef>
+        </p:style>
+      </p:cxnSp>
+      <p:cxnSp>
+        <p:nvCxnSpPr>
+          <p:cNvPr id="10" name="直線矢印コネクタ 9">
+            <a:extLst>
+              <a:ext uri="{FF2B5EF4-FFF2-40B4-BE49-F238E27FC236}">
+                <a16:creationId xmlns:a16="http://schemas.microsoft.com/office/drawing/2014/main" id="{4F94515D-E6CC-8EF9-BCDC-857A1499B1A7}"/>
+              </a:ext>
+            </a:extLst>
+          </p:cNvPr>
+          <p:cNvCxnSpPr/>
+          <p:nvPr/>
+        </p:nvCxnSpPr>
+        <p:spPr>
+          <a:xfrm>
+            <a:off x="6855311" y="3268753"/>
+            <a:ext cx="620486" cy="0"/>
+          </a:xfrm>
+          <a:prstGeom prst="straightConnector1">
+            <a:avLst/>
+          </a:prstGeom>
+          <a:ln w="38100">
+            <a:tailEnd type="triangle"/>
+          </a:ln>
+        </p:spPr>
+        <p:style>
+          <a:lnRef idx="1">
+            <a:schemeClr val="dk1"/>
+          </a:lnRef>
+          <a:fillRef idx="0">
+            <a:schemeClr val="dk1"/>
+          </a:fillRef>
+          <a:effectRef idx="0">
+            <a:schemeClr val="dk1"/>
+          </a:effectRef>
+          <a:fontRef idx="minor">
+            <a:schemeClr val="tx1"/>
+          </a:fontRef>
+        </p:style>
+      </p:cxnSp>
+      <p:sp>
+        <p:nvSpPr>
+          <p:cNvPr id="11" name="コンテンツ プレースホルダー 2">
+            <a:extLst>
+              <a:ext uri="{FF2B5EF4-FFF2-40B4-BE49-F238E27FC236}">
+                <a16:creationId xmlns:a16="http://schemas.microsoft.com/office/drawing/2014/main" id="{2E082B21-ACE1-29DD-6113-1CF8A39F4DBF}"/>
+              </a:ext>
+            </a:extLst>
+          </p:cNvPr>
+          <p:cNvSpPr txBox="1">
+            <a:spLocks/>
+          </p:cNvSpPr>
+          <p:nvPr/>
+        </p:nvSpPr>
+        <p:spPr>
+          <a:xfrm>
+            <a:off x="3963568" y="4016829"/>
+            <a:ext cx="3177491" cy="897697"/>
+          </a:xfrm>
+          <a:prstGeom prst="rect">
+            <a:avLst/>
+          </a:prstGeom>
+        </p:spPr>
+        <p:txBody>
+          <a:bodyPr vert="horz" lIns="0" tIns="45720" rIns="0" bIns="45720" rtlCol="0">
+            <a:normAutofit/>
+          </a:bodyPr>
+          <a:lstStyle>
+            <a:lvl1pPr marL="91440" indent="-91440" algn="l" defTabSz="914400" rtl="0" eaLnBrk="1" latinLnBrk="0" hangingPunct="1">
+              <a:lnSpc>
+                <a:spcPct val="90000"/>
+              </a:lnSpc>
+              <a:spcBef>
+                <a:spcPts val="1200"/>
+              </a:spcBef>
+              <a:spcAft>
+                <a:spcPts val="200"/>
+              </a:spcAft>
+              <a:buClr>
+                <a:schemeClr val="accent1"/>
+              </a:buClr>
+              <a:buSzPct val="100000"/>
+              <a:buFont typeface="Calibri" panose="020F0502020204030204" pitchFamily="34" charset="0"/>
+              <a:buChar char=" "/>
+              <a:defRPr kumimoji="1" sz="2000" kern="1200">
+                <a:solidFill>
+                  <a:schemeClr val="tx1">
+                    <a:lumMod val="75000"/>
+                    <a:lumOff val="25000"/>
+                  </a:schemeClr>
+                </a:solidFill>
+                <a:latin typeface="+mn-lt"/>
+                <a:ea typeface="+mn-ea"/>
+                <a:cs typeface="+mn-cs"/>
+              </a:defRPr>
+            </a:lvl1pPr>
+            <a:lvl2pPr marL="384048" indent="-182880" algn="l" defTabSz="914400" rtl="0" eaLnBrk="1" latinLnBrk="0" hangingPunct="1">
+              <a:lnSpc>
+                <a:spcPct val="90000"/>
+              </a:lnSpc>
+              <a:spcBef>
+                <a:spcPts val="200"/>
+              </a:spcBef>
+              <a:spcAft>
+                <a:spcPts val="400"/>
+              </a:spcAft>
+              <a:buClr>
+                <a:schemeClr val="accent1"/>
+              </a:buClr>
+              <a:buFont typeface="Calibri" pitchFamily="34" charset="0"/>
+              <a:buChar char="◦"/>
+              <a:defRPr kumimoji="1" sz="1800" kern="1200">
+                <a:solidFill>
+                  <a:schemeClr val="tx1">
+                    <a:lumMod val="75000"/>
+                    <a:lumOff val="25000"/>
+                  </a:schemeClr>
+                </a:solidFill>
+                <a:latin typeface="+mn-lt"/>
+                <a:ea typeface="+mn-ea"/>
+                <a:cs typeface="+mn-cs"/>
+              </a:defRPr>
+            </a:lvl2pPr>
+            <a:lvl3pPr marL="566928" indent="-182880" algn="l" defTabSz="914400" rtl="0" eaLnBrk="1" latinLnBrk="0" hangingPunct="1">
+              <a:lnSpc>
+                <a:spcPct val="90000"/>
+              </a:lnSpc>
+              <a:spcBef>
+                <a:spcPts val="200"/>
+              </a:spcBef>
+              <a:spcAft>
+                <a:spcPts val="400"/>
+              </a:spcAft>
+              <a:buClr>
+                <a:schemeClr val="accent1"/>
+              </a:buClr>
+              <a:buFont typeface="Calibri" pitchFamily="34" charset="0"/>
+              <a:buChar char="◦"/>
+              <a:defRPr kumimoji="1" sz="1400" kern="1200">
+                <a:solidFill>
+                  <a:schemeClr val="tx1">
+                    <a:lumMod val="75000"/>
+                    <a:lumOff val="25000"/>
+                  </a:schemeClr>
+                </a:solidFill>
+                <a:latin typeface="+mn-lt"/>
+                <a:ea typeface="+mn-ea"/>
+                <a:cs typeface="+mn-cs"/>
+              </a:defRPr>
+            </a:lvl3pPr>
+            <a:lvl4pPr marL="749808" indent="-182880" algn="l" defTabSz="914400" rtl="0" eaLnBrk="1" latinLnBrk="0" hangingPunct="1">
+              <a:lnSpc>
+                <a:spcPct val="90000"/>
+              </a:lnSpc>
+              <a:spcBef>
+                <a:spcPts val="200"/>
+              </a:spcBef>
+              <a:spcAft>
+                <a:spcPts val="400"/>
+              </a:spcAft>
+              <a:buClr>
+                <a:schemeClr val="accent1"/>
+              </a:buClr>
+              <a:buFont typeface="Calibri" pitchFamily="34" charset="0"/>
+              <a:buChar char="◦"/>
+              <a:defRPr kumimoji="1" sz="1400" kern="1200">
+                <a:solidFill>
+                  <a:schemeClr val="tx1">
+                    <a:lumMod val="75000"/>
+                    <a:lumOff val="25000"/>
+                  </a:schemeClr>
+                </a:solidFill>
+                <a:latin typeface="+mn-lt"/>
+                <a:ea typeface="+mn-ea"/>
+                <a:cs typeface="+mn-cs"/>
+              </a:defRPr>
+            </a:lvl4pPr>
+            <a:lvl5pPr marL="932688" indent="-182880" algn="l" defTabSz="914400" rtl="0" eaLnBrk="1" latinLnBrk="0" hangingPunct="1">
+              <a:lnSpc>
+                <a:spcPct val="90000"/>
+              </a:lnSpc>
+              <a:spcBef>
+                <a:spcPts val="200"/>
+              </a:spcBef>
+              <a:spcAft>
+                <a:spcPts val="400"/>
+              </a:spcAft>
+              <a:buClr>
+                <a:schemeClr val="accent1"/>
+              </a:buClr>
+              <a:buFont typeface="Calibri" pitchFamily="34" charset="0"/>
+              <a:buChar char="◦"/>
+              <a:defRPr kumimoji="1" sz="1400" kern="1200">
+                <a:solidFill>
+                  <a:schemeClr val="tx1">
+                    <a:lumMod val="75000"/>
+                    <a:lumOff val="25000"/>
+                  </a:schemeClr>
+                </a:solidFill>
+                <a:latin typeface="+mn-lt"/>
+                <a:ea typeface="+mn-ea"/>
+                <a:cs typeface="+mn-cs"/>
+              </a:defRPr>
+            </a:lvl5pPr>
+            <a:lvl6pPr marL="1100000" indent="-228600" algn="l" defTabSz="914400" rtl="0" eaLnBrk="1" latinLnBrk="0" hangingPunct="1">
+              <a:lnSpc>
+                <a:spcPct val="90000"/>
+              </a:lnSpc>
+              <a:spcBef>
+                <a:spcPts val="200"/>
+              </a:spcBef>
+              <a:spcAft>
+                <a:spcPts val="400"/>
+              </a:spcAft>
+              <a:buClr>
+                <a:schemeClr val="accent1"/>
+              </a:buClr>
+              <a:buFont typeface="Calibri" pitchFamily="34" charset="0"/>
+              <a:buChar char="◦"/>
+              <a:defRPr kumimoji="1" sz="1400" kern="1200">
+                <a:solidFill>
+                  <a:schemeClr val="tx1">
+                    <a:lumMod val="75000"/>
+                    <a:lumOff val="25000"/>
+                  </a:schemeClr>
+                </a:solidFill>
+                <a:latin typeface="+mn-lt"/>
+                <a:ea typeface="+mn-ea"/>
+                <a:cs typeface="+mn-cs"/>
+              </a:defRPr>
+            </a:lvl6pPr>
+            <a:lvl7pPr marL="1300000" indent="-228600" algn="l" defTabSz="914400" rtl="0" eaLnBrk="1" latinLnBrk="0" hangingPunct="1">
+              <a:lnSpc>
+                <a:spcPct val="90000"/>
+              </a:lnSpc>
+              <a:spcBef>
+                <a:spcPts val="200"/>
+              </a:spcBef>
+              <a:spcAft>
+                <a:spcPts val="400"/>
+              </a:spcAft>
+              <a:buClr>
+                <a:schemeClr val="accent1"/>
+              </a:buClr>
+              <a:buFont typeface="Calibri" pitchFamily="34" charset="0"/>
+              <a:buChar char="◦"/>
+              <a:defRPr kumimoji="1" sz="1400" kern="1200">
+                <a:solidFill>
+                  <a:schemeClr val="tx1">
+                    <a:lumMod val="75000"/>
+                    <a:lumOff val="25000"/>
+                  </a:schemeClr>
+                </a:solidFill>
+                <a:latin typeface="+mn-lt"/>
+                <a:ea typeface="+mn-ea"/>
+                <a:cs typeface="+mn-cs"/>
+              </a:defRPr>
+            </a:lvl7pPr>
+            <a:lvl8pPr marL="1500000" indent="-228600" algn="l" defTabSz="914400" rtl="0" eaLnBrk="1" latinLnBrk="0" hangingPunct="1">
+              <a:lnSpc>
+                <a:spcPct val="90000"/>
+              </a:lnSpc>
+              <a:spcBef>
+                <a:spcPts val="200"/>
+              </a:spcBef>
+              <a:spcAft>
+                <a:spcPts val="400"/>
+              </a:spcAft>
+              <a:buClr>
+                <a:schemeClr val="accent1"/>
+              </a:buClr>
+              <a:buFont typeface="Calibri" pitchFamily="34" charset="0"/>
+              <a:buChar char="◦"/>
+              <a:defRPr kumimoji="1" sz="1400" kern="1200">
+                <a:solidFill>
+                  <a:schemeClr val="tx1">
+                    <a:lumMod val="75000"/>
+                    <a:lumOff val="25000"/>
+                  </a:schemeClr>
+                </a:solidFill>
+                <a:latin typeface="+mn-lt"/>
+                <a:ea typeface="+mn-ea"/>
+                <a:cs typeface="+mn-cs"/>
+              </a:defRPr>
+            </a:lvl8pPr>
+            <a:lvl9pPr marL="1700000" indent="-228600" algn="l" defTabSz="914400" rtl="0" eaLnBrk="1" latinLnBrk="0" hangingPunct="1">
+              <a:lnSpc>
+                <a:spcPct val="90000"/>
+              </a:lnSpc>
+              <a:spcBef>
+                <a:spcPts val="200"/>
+              </a:spcBef>
+              <a:spcAft>
+                <a:spcPts val="400"/>
+              </a:spcAft>
+              <a:buClr>
+                <a:schemeClr val="accent1"/>
+              </a:buClr>
+              <a:buFont typeface="Calibri" pitchFamily="34" charset="0"/>
+              <a:buChar char="◦"/>
+              <a:defRPr kumimoji="1" sz="1400" kern="1200">
+                <a:solidFill>
+                  <a:schemeClr val="tx1">
+                    <a:lumMod val="75000"/>
+                    <a:lumOff val="25000"/>
+                  </a:schemeClr>
+                </a:solidFill>
+                <a:latin typeface="+mn-lt"/>
+                <a:ea typeface="+mn-ea"/>
+                <a:cs typeface="+mn-cs"/>
+              </a:defRPr>
+            </a:lvl9pPr>
+          </a:lstStyle>
+          <a:p>
+            <a:r>
+              <a:rPr lang="ja-JP" altLang="en-US" dirty="0"/>
+              <a:t>・必要に応じてスケジュールを参照、更新</a:t>
+            </a:r>
+          </a:p>
+        </p:txBody>
+      </p:sp>
+      <p:sp>
+        <p:nvSpPr>
+          <p:cNvPr id="12" name="コンテンツ プレースホルダー 2">
+            <a:extLst>
+              <a:ext uri="{FF2B5EF4-FFF2-40B4-BE49-F238E27FC236}">
+                <a16:creationId xmlns:a16="http://schemas.microsoft.com/office/drawing/2014/main" id="{D4274BE2-906B-4F04-53C1-A13335A2AAAD}"/>
+              </a:ext>
+            </a:extLst>
+          </p:cNvPr>
+          <p:cNvSpPr txBox="1">
+            <a:spLocks/>
+          </p:cNvSpPr>
+          <p:nvPr/>
+        </p:nvSpPr>
+        <p:spPr>
+          <a:xfrm>
+            <a:off x="7814600" y="3567980"/>
+            <a:ext cx="3177491" cy="897697"/>
+          </a:xfrm>
+          <a:prstGeom prst="rect">
+            <a:avLst/>
+          </a:prstGeom>
+        </p:spPr>
+        <p:txBody>
+          <a:bodyPr vert="horz" lIns="0" tIns="45720" rIns="0" bIns="45720" rtlCol="0">
+            <a:normAutofit/>
+          </a:bodyPr>
+          <a:lstStyle>
+            <a:lvl1pPr marL="91440" indent="-91440" algn="l" defTabSz="914400" rtl="0" eaLnBrk="1" latinLnBrk="0" hangingPunct="1">
+              <a:lnSpc>
+                <a:spcPct val="90000"/>
+              </a:lnSpc>
+              <a:spcBef>
+                <a:spcPts val="1200"/>
+              </a:spcBef>
+              <a:spcAft>
+                <a:spcPts val="200"/>
+              </a:spcAft>
+              <a:buClr>
+                <a:schemeClr val="accent1"/>
+              </a:buClr>
+              <a:buSzPct val="100000"/>
+              <a:buFont typeface="Calibri" panose="020F0502020204030204" pitchFamily="34" charset="0"/>
+              <a:buChar char=" "/>
+              <a:defRPr kumimoji="1" sz="2000" kern="1200">
+                <a:solidFill>
+                  <a:schemeClr val="tx1">
+                    <a:lumMod val="75000"/>
+                    <a:lumOff val="25000"/>
+                  </a:schemeClr>
+                </a:solidFill>
+                <a:latin typeface="+mn-lt"/>
+                <a:ea typeface="+mn-ea"/>
+                <a:cs typeface="+mn-cs"/>
+              </a:defRPr>
+            </a:lvl1pPr>
+            <a:lvl2pPr marL="384048" indent="-182880" algn="l" defTabSz="914400" rtl="0" eaLnBrk="1" latinLnBrk="0" hangingPunct="1">
+              <a:lnSpc>
+                <a:spcPct val="90000"/>
+              </a:lnSpc>
+              <a:spcBef>
+                <a:spcPts val="200"/>
+              </a:spcBef>
+              <a:spcAft>
+                <a:spcPts val="400"/>
+              </a:spcAft>
+              <a:buClr>
+                <a:schemeClr val="accent1"/>
+              </a:buClr>
+              <a:buFont typeface="Calibri" pitchFamily="34" charset="0"/>
+              <a:buChar char="◦"/>
+              <a:defRPr kumimoji="1" sz="1800" kern="1200">
+                <a:solidFill>
+                  <a:schemeClr val="tx1">
+                    <a:lumMod val="75000"/>
+                    <a:lumOff val="25000"/>
+                  </a:schemeClr>
+                </a:solidFill>
+                <a:latin typeface="+mn-lt"/>
+                <a:ea typeface="+mn-ea"/>
+                <a:cs typeface="+mn-cs"/>
+              </a:defRPr>
+            </a:lvl2pPr>
+            <a:lvl3pPr marL="566928" indent="-182880" algn="l" defTabSz="914400" rtl="0" eaLnBrk="1" latinLnBrk="0" hangingPunct="1">
+              <a:lnSpc>
+                <a:spcPct val="90000"/>
+              </a:lnSpc>
+              <a:spcBef>
+                <a:spcPts val="200"/>
+              </a:spcBef>
+              <a:spcAft>
+                <a:spcPts val="400"/>
+              </a:spcAft>
+              <a:buClr>
+                <a:schemeClr val="accent1"/>
+              </a:buClr>
+              <a:buFont typeface="Calibri" pitchFamily="34" charset="0"/>
+              <a:buChar char="◦"/>
+              <a:defRPr kumimoji="1" sz="1400" kern="1200">
+                <a:solidFill>
+                  <a:schemeClr val="tx1">
+                    <a:lumMod val="75000"/>
+                    <a:lumOff val="25000"/>
+                  </a:schemeClr>
+                </a:solidFill>
+                <a:latin typeface="+mn-lt"/>
+                <a:ea typeface="+mn-ea"/>
+                <a:cs typeface="+mn-cs"/>
+              </a:defRPr>
+            </a:lvl3pPr>
+            <a:lvl4pPr marL="749808" indent="-182880" algn="l" defTabSz="914400" rtl="0" eaLnBrk="1" latinLnBrk="0" hangingPunct="1">
+              <a:lnSpc>
+                <a:spcPct val="90000"/>
+              </a:lnSpc>
+              <a:spcBef>
+                <a:spcPts val="200"/>
+              </a:spcBef>
+              <a:spcAft>
+                <a:spcPts val="400"/>
+              </a:spcAft>
+              <a:buClr>
+                <a:schemeClr val="accent1"/>
+              </a:buClr>
+              <a:buFont typeface="Calibri" pitchFamily="34" charset="0"/>
+              <a:buChar char="◦"/>
+              <a:defRPr kumimoji="1" sz="1400" kern="1200">
+                <a:solidFill>
+                  <a:schemeClr val="tx1">
+                    <a:lumMod val="75000"/>
+                    <a:lumOff val="25000"/>
+                  </a:schemeClr>
+                </a:solidFill>
+                <a:latin typeface="+mn-lt"/>
+                <a:ea typeface="+mn-ea"/>
+                <a:cs typeface="+mn-cs"/>
+              </a:defRPr>
+            </a:lvl4pPr>
+            <a:lvl5pPr marL="932688" indent="-182880" algn="l" defTabSz="914400" rtl="0" eaLnBrk="1" latinLnBrk="0" hangingPunct="1">
+              <a:lnSpc>
+                <a:spcPct val="90000"/>
+              </a:lnSpc>
+              <a:spcBef>
+                <a:spcPts val="200"/>
+              </a:spcBef>
+              <a:spcAft>
+                <a:spcPts val="400"/>
+              </a:spcAft>
+              <a:buClr>
+                <a:schemeClr val="accent1"/>
+              </a:buClr>
+              <a:buFont typeface="Calibri" pitchFamily="34" charset="0"/>
+              <a:buChar char="◦"/>
+              <a:defRPr kumimoji="1" sz="1400" kern="1200">
+                <a:solidFill>
+                  <a:schemeClr val="tx1">
+                    <a:lumMod val="75000"/>
+                    <a:lumOff val="25000"/>
+                  </a:schemeClr>
+                </a:solidFill>
+                <a:latin typeface="+mn-lt"/>
+                <a:ea typeface="+mn-ea"/>
+                <a:cs typeface="+mn-cs"/>
+              </a:defRPr>
+            </a:lvl5pPr>
+            <a:lvl6pPr marL="1100000" indent="-228600" algn="l" defTabSz="914400" rtl="0" eaLnBrk="1" latinLnBrk="0" hangingPunct="1">
+              <a:lnSpc>
+                <a:spcPct val="90000"/>
+              </a:lnSpc>
+              <a:spcBef>
+                <a:spcPts val="200"/>
+              </a:spcBef>
+              <a:spcAft>
+                <a:spcPts val="400"/>
+              </a:spcAft>
+              <a:buClr>
+                <a:schemeClr val="accent1"/>
+              </a:buClr>
+              <a:buFont typeface="Calibri" pitchFamily="34" charset="0"/>
+              <a:buChar char="◦"/>
+              <a:defRPr kumimoji="1" sz="1400" kern="1200">
+                <a:solidFill>
+                  <a:schemeClr val="tx1">
+                    <a:lumMod val="75000"/>
+                    <a:lumOff val="25000"/>
+                  </a:schemeClr>
+                </a:solidFill>
+                <a:latin typeface="+mn-lt"/>
+                <a:ea typeface="+mn-ea"/>
+                <a:cs typeface="+mn-cs"/>
+              </a:defRPr>
+            </a:lvl6pPr>
+            <a:lvl7pPr marL="1300000" indent="-228600" algn="l" defTabSz="914400" rtl="0" eaLnBrk="1" latinLnBrk="0" hangingPunct="1">
+              <a:lnSpc>
+                <a:spcPct val="90000"/>
+              </a:lnSpc>
+              <a:spcBef>
+                <a:spcPts val="200"/>
+              </a:spcBef>
+              <a:spcAft>
+                <a:spcPts val="400"/>
+              </a:spcAft>
+              <a:buClr>
+                <a:schemeClr val="accent1"/>
+              </a:buClr>
+              <a:buFont typeface="Calibri" pitchFamily="34" charset="0"/>
+              <a:buChar char="◦"/>
+              <a:defRPr kumimoji="1" sz="1400" kern="1200">
+                <a:solidFill>
+                  <a:schemeClr val="tx1">
+                    <a:lumMod val="75000"/>
+                    <a:lumOff val="25000"/>
+                  </a:schemeClr>
+                </a:solidFill>
+                <a:latin typeface="+mn-lt"/>
+                <a:ea typeface="+mn-ea"/>
+                <a:cs typeface="+mn-cs"/>
+              </a:defRPr>
+            </a:lvl7pPr>
+            <a:lvl8pPr marL="1500000" indent="-228600" algn="l" defTabSz="914400" rtl="0" eaLnBrk="1" latinLnBrk="0" hangingPunct="1">
+              <a:lnSpc>
+                <a:spcPct val="90000"/>
+              </a:lnSpc>
+              <a:spcBef>
+                <a:spcPts val="200"/>
+              </a:spcBef>
+              <a:spcAft>
+                <a:spcPts val="400"/>
+              </a:spcAft>
+              <a:buClr>
+                <a:schemeClr val="accent1"/>
+              </a:buClr>
+              <a:buFont typeface="Calibri" pitchFamily="34" charset="0"/>
+              <a:buChar char="◦"/>
+              <a:defRPr kumimoji="1" sz="1400" kern="1200">
+                <a:solidFill>
+                  <a:schemeClr val="tx1">
+                    <a:lumMod val="75000"/>
+                    <a:lumOff val="25000"/>
+                  </a:schemeClr>
+                </a:solidFill>
+                <a:latin typeface="+mn-lt"/>
+                <a:ea typeface="+mn-ea"/>
+                <a:cs typeface="+mn-cs"/>
+              </a:defRPr>
+            </a:lvl8pPr>
+            <a:lvl9pPr marL="1700000" indent="-228600" algn="l" defTabSz="914400" rtl="0" eaLnBrk="1" latinLnBrk="0" hangingPunct="1">
+              <a:lnSpc>
+                <a:spcPct val="90000"/>
+              </a:lnSpc>
+              <a:spcBef>
+                <a:spcPts val="200"/>
+              </a:spcBef>
+              <a:spcAft>
+                <a:spcPts val="400"/>
+              </a:spcAft>
+              <a:buClr>
+                <a:schemeClr val="accent1"/>
+              </a:buClr>
+              <a:buFont typeface="Calibri" pitchFamily="34" charset="0"/>
+              <a:buChar char="◦"/>
+              <a:defRPr kumimoji="1" sz="1400" kern="1200">
+                <a:solidFill>
+                  <a:schemeClr val="tx1">
+                    <a:lumMod val="75000"/>
+                    <a:lumOff val="25000"/>
+                  </a:schemeClr>
+                </a:solidFill>
+                <a:latin typeface="+mn-lt"/>
+                <a:ea typeface="+mn-ea"/>
+                <a:cs typeface="+mn-cs"/>
+              </a:defRPr>
+            </a:lvl9pPr>
+          </a:lstStyle>
+          <a:p>
+            <a:r>
+              <a:rPr lang="ja-JP" altLang="en-US" dirty="0"/>
+              <a:t>（</a:t>
+            </a:r>
+            <a:r>
               <a:rPr lang="en-US" altLang="ja-JP" dirty="0"/>
-              <a:t>google</a:t>
-            </a:r>
-          </a:p>
-          <a:p>
+              <a:t>Google</a:t>
+            </a:r>
             <a:r>
               <a:rPr lang="ja-JP" altLang="en-US" dirty="0"/>
-              <a:t>スプレッドシート</a:t>
+              <a:t>スプレッドシート）</a:t>
+            </a:r>
+          </a:p>
+        </p:txBody>
+      </p:sp>
+      <p:sp>
+        <p:nvSpPr>
+          <p:cNvPr id="13" name="コンテンツ プレースホルダー 2">
+            <a:extLst>
+              <a:ext uri="{FF2B5EF4-FFF2-40B4-BE49-F238E27FC236}">
+                <a16:creationId xmlns:a16="http://schemas.microsoft.com/office/drawing/2014/main" id="{7860D301-2523-5583-92DD-E23F9A725D35}"/>
+              </a:ext>
+            </a:extLst>
+          </p:cNvPr>
+          <p:cNvSpPr txBox="1">
+            <a:spLocks/>
+          </p:cNvSpPr>
+          <p:nvPr/>
+        </p:nvSpPr>
+        <p:spPr>
+          <a:xfrm>
+            <a:off x="1095941" y="4016828"/>
+            <a:ext cx="3177491" cy="897697"/>
+          </a:xfrm>
+          <a:prstGeom prst="rect">
+            <a:avLst/>
+          </a:prstGeom>
+        </p:spPr>
+        <p:txBody>
+          <a:bodyPr vert="horz" lIns="0" tIns="45720" rIns="0" bIns="45720" rtlCol="0">
+            <a:normAutofit/>
+          </a:bodyPr>
+          <a:lstStyle>
+            <a:lvl1pPr marL="91440" indent="-91440" algn="l" defTabSz="914400" rtl="0" eaLnBrk="1" latinLnBrk="0" hangingPunct="1">
+              <a:lnSpc>
+                <a:spcPct val="90000"/>
+              </a:lnSpc>
+              <a:spcBef>
+                <a:spcPts val="1200"/>
+              </a:spcBef>
+              <a:spcAft>
+                <a:spcPts val="200"/>
+              </a:spcAft>
+              <a:buClr>
+                <a:schemeClr val="accent1"/>
+              </a:buClr>
+              <a:buSzPct val="100000"/>
+              <a:buFont typeface="Calibri" panose="020F0502020204030204" pitchFamily="34" charset="0"/>
+              <a:buChar char=" "/>
+              <a:defRPr kumimoji="1" sz="2000" kern="1200">
+                <a:solidFill>
+                  <a:schemeClr val="tx1">
+                    <a:lumMod val="75000"/>
+                    <a:lumOff val="25000"/>
+                  </a:schemeClr>
+                </a:solidFill>
+                <a:latin typeface="+mn-lt"/>
+                <a:ea typeface="+mn-ea"/>
+                <a:cs typeface="+mn-cs"/>
+              </a:defRPr>
+            </a:lvl1pPr>
+            <a:lvl2pPr marL="384048" indent="-182880" algn="l" defTabSz="914400" rtl="0" eaLnBrk="1" latinLnBrk="0" hangingPunct="1">
+              <a:lnSpc>
+                <a:spcPct val="90000"/>
+              </a:lnSpc>
+              <a:spcBef>
+                <a:spcPts val="200"/>
+              </a:spcBef>
+              <a:spcAft>
+                <a:spcPts val="400"/>
+              </a:spcAft>
+              <a:buClr>
+                <a:schemeClr val="accent1"/>
+              </a:buClr>
+              <a:buFont typeface="Calibri" pitchFamily="34" charset="0"/>
+              <a:buChar char="◦"/>
+              <a:defRPr kumimoji="1" sz="1800" kern="1200">
+                <a:solidFill>
+                  <a:schemeClr val="tx1">
+                    <a:lumMod val="75000"/>
+                    <a:lumOff val="25000"/>
+                  </a:schemeClr>
+                </a:solidFill>
+                <a:latin typeface="+mn-lt"/>
+                <a:ea typeface="+mn-ea"/>
+                <a:cs typeface="+mn-cs"/>
+              </a:defRPr>
+            </a:lvl2pPr>
+            <a:lvl3pPr marL="566928" indent="-182880" algn="l" defTabSz="914400" rtl="0" eaLnBrk="1" latinLnBrk="0" hangingPunct="1">
+              <a:lnSpc>
+                <a:spcPct val="90000"/>
+              </a:lnSpc>
+              <a:spcBef>
+                <a:spcPts val="200"/>
+              </a:spcBef>
+              <a:spcAft>
+                <a:spcPts val="400"/>
+              </a:spcAft>
+              <a:buClr>
+                <a:schemeClr val="accent1"/>
+              </a:buClr>
+              <a:buFont typeface="Calibri" pitchFamily="34" charset="0"/>
+              <a:buChar char="◦"/>
+              <a:defRPr kumimoji="1" sz="1400" kern="1200">
+                <a:solidFill>
+                  <a:schemeClr val="tx1">
+                    <a:lumMod val="75000"/>
+                    <a:lumOff val="25000"/>
+                  </a:schemeClr>
+                </a:solidFill>
+                <a:latin typeface="+mn-lt"/>
+                <a:ea typeface="+mn-ea"/>
+                <a:cs typeface="+mn-cs"/>
+              </a:defRPr>
+            </a:lvl3pPr>
+            <a:lvl4pPr marL="749808" indent="-182880" algn="l" defTabSz="914400" rtl="0" eaLnBrk="1" latinLnBrk="0" hangingPunct="1">
+              <a:lnSpc>
+                <a:spcPct val="90000"/>
+              </a:lnSpc>
+              <a:spcBef>
+                <a:spcPts val="200"/>
+              </a:spcBef>
+              <a:spcAft>
+                <a:spcPts val="400"/>
+              </a:spcAft>
+              <a:buClr>
+                <a:schemeClr val="accent1"/>
+              </a:buClr>
+              <a:buFont typeface="Calibri" pitchFamily="34" charset="0"/>
+              <a:buChar char="◦"/>
+              <a:defRPr kumimoji="1" sz="1400" kern="1200">
+                <a:solidFill>
+                  <a:schemeClr val="tx1">
+                    <a:lumMod val="75000"/>
+                    <a:lumOff val="25000"/>
+                  </a:schemeClr>
+                </a:solidFill>
+                <a:latin typeface="+mn-lt"/>
+                <a:ea typeface="+mn-ea"/>
+                <a:cs typeface="+mn-cs"/>
+              </a:defRPr>
+            </a:lvl4pPr>
+            <a:lvl5pPr marL="932688" indent="-182880" algn="l" defTabSz="914400" rtl="0" eaLnBrk="1" latinLnBrk="0" hangingPunct="1">
+              <a:lnSpc>
+                <a:spcPct val="90000"/>
+              </a:lnSpc>
+              <a:spcBef>
+                <a:spcPts val="200"/>
+              </a:spcBef>
+              <a:spcAft>
+                <a:spcPts val="400"/>
+              </a:spcAft>
+              <a:buClr>
+                <a:schemeClr val="accent1"/>
+              </a:buClr>
+              <a:buFont typeface="Calibri" pitchFamily="34" charset="0"/>
+              <a:buChar char="◦"/>
+              <a:defRPr kumimoji="1" sz="1400" kern="1200">
+                <a:solidFill>
+                  <a:schemeClr val="tx1">
+                    <a:lumMod val="75000"/>
+                    <a:lumOff val="25000"/>
+                  </a:schemeClr>
+                </a:solidFill>
+                <a:latin typeface="+mn-lt"/>
+                <a:ea typeface="+mn-ea"/>
+                <a:cs typeface="+mn-cs"/>
+              </a:defRPr>
+            </a:lvl5pPr>
+            <a:lvl6pPr marL="1100000" indent="-228600" algn="l" defTabSz="914400" rtl="0" eaLnBrk="1" latinLnBrk="0" hangingPunct="1">
+              <a:lnSpc>
+                <a:spcPct val="90000"/>
+              </a:lnSpc>
+              <a:spcBef>
+                <a:spcPts val="200"/>
+              </a:spcBef>
+              <a:spcAft>
+                <a:spcPts val="400"/>
+              </a:spcAft>
+              <a:buClr>
+                <a:schemeClr val="accent1"/>
+              </a:buClr>
+              <a:buFont typeface="Calibri" pitchFamily="34" charset="0"/>
+              <a:buChar char="◦"/>
+              <a:defRPr kumimoji="1" sz="1400" kern="1200">
+                <a:solidFill>
+                  <a:schemeClr val="tx1">
+                    <a:lumMod val="75000"/>
+                    <a:lumOff val="25000"/>
+                  </a:schemeClr>
+                </a:solidFill>
+                <a:latin typeface="+mn-lt"/>
+                <a:ea typeface="+mn-ea"/>
+                <a:cs typeface="+mn-cs"/>
+              </a:defRPr>
+            </a:lvl6pPr>
+            <a:lvl7pPr marL="1300000" indent="-228600" algn="l" defTabSz="914400" rtl="0" eaLnBrk="1" latinLnBrk="0" hangingPunct="1">
+              <a:lnSpc>
+                <a:spcPct val="90000"/>
+              </a:lnSpc>
+              <a:spcBef>
+                <a:spcPts val="200"/>
+              </a:spcBef>
+              <a:spcAft>
+                <a:spcPts val="400"/>
+              </a:spcAft>
+              <a:buClr>
+                <a:schemeClr val="accent1"/>
+              </a:buClr>
+              <a:buFont typeface="Calibri" pitchFamily="34" charset="0"/>
+              <a:buChar char="◦"/>
+              <a:defRPr kumimoji="1" sz="1400" kern="1200">
+                <a:solidFill>
+                  <a:schemeClr val="tx1">
+                    <a:lumMod val="75000"/>
+                    <a:lumOff val="25000"/>
+                  </a:schemeClr>
+                </a:solidFill>
+                <a:latin typeface="+mn-lt"/>
+                <a:ea typeface="+mn-ea"/>
+                <a:cs typeface="+mn-cs"/>
+              </a:defRPr>
+            </a:lvl7pPr>
+            <a:lvl8pPr marL="1500000" indent="-228600" algn="l" defTabSz="914400" rtl="0" eaLnBrk="1" latinLnBrk="0" hangingPunct="1">
+              <a:lnSpc>
+                <a:spcPct val="90000"/>
+              </a:lnSpc>
+              <a:spcBef>
+                <a:spcPts val="200"/>
+              </a:spcBef>
+              <a:spcAft>
+                <a:spcPts val="400"/>
+              </a:spcAft>
+              <a:buClr>
+                <a:schemeClr val="accent1"/>
+              </a:buClr>
+              <a:buFont typeface="Calibri" pitchFamily="34" charset="0"/>
+              <a:buChar char="◦"/>
+              <a:defRPr kumimoji="1" sz="1400" kern="1200">
+                <a:solidFill>
+                  <a:schemeClr val="tx1">
+                    <a:lumMod val="75000"/>
+                    <a:lumOff val="25000"/>
+                  </a:schemeClr>
+                </a:solidFill>
+                <a:latin typeface="+mn-lt"/>
+                <a:ea typeface="+mn-ea"/>
+                <a:cs typeface="+mn-cs"/>
+              </a:defRPr>
+            </a:lvl8pPr>
+            <a:lvl9pPr marL="1700000" indent="-228600" algn="l" defTabSz="914400" rtl="0" eaLnBrk="1" latinLnBrk="0" hangingPunct="1">
+              <a:lnSpc>
+                <a:spcPct val="90000"/>
+              </a:lnSpc>
+              <a:spcBef>
+                <a:spcPts val="200"/>
+              </a:spcBef>
+              <a:spcAft>
+                <a:spcPts val="400"/>
+              </a:spcAft>
+              <a:buClr>
+                <a:schemeClr val="accent1"/>
+              </a:buClr>
+              <a:buFont typeface="Calibri" pitchFamily="34" charset="0"/>
+              <a:buChar char="◦"/>
+              <a:defRPr kumimoji="1" sz="1400" kern="1200">
+                <a:solidFill>
+                  <a:schemeClr val="tx1">
+                    <a:lumMod val="75000"/>
+                    <a:lumOff val="25000"/>
+                  </a:schemeClr>
+                </a:solidFill>
+                <a:latin typeface="+mn-lt"/>
+                <a:ea typeface="+mn-ea"/>
+                <a:cs typeface="+mn-cs"/>
+              </a:defRPr>
+            </a:lvl9pPr>
+          </a:lstStyle>
+          <a:p>
+            <a:pPr marL="0" indent="0">
+              <a:buNone/>
+            </a:pPr>
+            <a:r>
+              <a:rPr lang="ja-JP" altLang="en-US" dirty="0"/>
+              <a:t>文章を入力</a:t>
             </a:r>
           </a:p>
         </p:txBody>
@@ -5950,7 +6961,7 @@
         </p:nvSpPr>
         <p:spPr>
           <a:xfrm>
-            <a:off x="5179448" y="1980142"/>
+            <a:off x="7517865" y="1932954"/>
             <a:ext cx="4325936" cy="919473"/>
           </a:xfrm>
           <a:prstGeom prst="rect">
@@ -6210,11 +7221,114 @@
           <a:p>
             <a:r>
               <a:rPr lang="ja-JP" altLang="en-US" sz="2800" dirty="0"/>
-              <a:t>メモ帳</a:t>
-            </a:r>
-          </a:p>
-        </p:txBody>
-      </p:sp>
+              <a:t>スケジュール</a:t>
+            </a:r>
+            <a:r>
+              <a:rPr lang="en-US" altLang="ja-JP" sz="2800" dirty="0"/>
+              <a:t>(</a:t>
+            </a:r>
+            <a:r>
+              <a:rPr lang="ja-JP" altLang="en-US" sz="2800" dirty="0"/>
+              <a:t>変更なし</a:t>
+            </a:r>
+            <a:r>
+              <a:rPr lang="en-US" altLang="ja-JP" sz="2800" dirty="0"/>
+              <a:t>)</a:t>
+            </a:r>
+            <a:endParaRPr lang="ja-JP" altLang="en-US" sz="2800" dirty="0"/>
+          </a:p>
+        </p:txBody>
+      </p:sp>
+      <p:pic>
+        <p:nvPicPr>
+          <p:cNvPr id="7" name="図 6">
+            <a:extLst>
+              <a:ext uri="{FF2B5EF4-FFF2-40B4-BE49-F238E27FC236}">
+                <a16:creationId xmlns:a16="http://schemas.microsoft.com/office/drawing/2014/main" id="{E088C40E-05E4-F922-3DF1-C300103150D7}"/>
+              </a:ext>
+            </a:extLst>
+          </p:cNvPr>
+          <p:cNvPicPr>
+            <a:picLocks noChangeAspect="1"/>
+          </p:cNvPicPr>
+          <p:nvPr/>
+        </p:nvPicPr>
+        <p:blipFill>
+          <a:blip r:embed="rId3"/>
+          <a:stretch>
+            <a:fillRect/>
+          </a:stretch>
+        </p:blipFill>
+        <p:spPr>
+          <a:xfrm>
+            <a:off x="523650" y="2495735"/>
+            <a:ext cx="4184376" cy="329108"/>
+          </a:xfrm>
+          <a:prstGeom prst="rect">
+            <a:avLst/>
+          </a:prstGeom>
+        </p:spPr>
+      </p:pic>
+      <p:pic>
+        <p:nvPicPr>
+          <p:cNvPr id="9" name="図 8">
+            <a:extLst>
+              <a:ext uri="{FF2B5EF4-FFF2-40B4-BE49-F238E27FC236}">
+                <a16:creationId xmlns:a16="http://schemas.microsoft.com/office/drawing/2014/main" id="{F6878150-64F6-9A3F-1FB7-C8B5EF2EB5C7}"/>
+              </a:ext>
+            </a:extLst>
+          </p:cNvPr>
+          <p:cNvPicPr>
+            <a:picLocks noChangeAspect="1"/>
+          </p:cNvPicPr>
+          <p:nvPr/>
+        </p:nvPicPr>
+        <p:blipFill>
+          <a:blip r:embed="rId4"/>
+          <a:stretch>
+            <a:fillRect/>
+          </a:stretch>
+        </p:blipFill>
+        <p:spPr>
+          <a:xfrm>
+            <a:off x="490993" y="4014293"/>
+            <a:ext cx="6697010" cy="1714739"/>
+          </a:xfrm>
+          <a:prstGeom prst="rect">
+            <a:avLst/>
+          </a:prstGeom>
+        </p:spPr>
+      </p:pic>
+      <p:pic>
+        <p:nvPicPr>
+          <p:cNvPr id="11" name="図 10">
+            <a:extLst>
+              <a:ext uri="{FF2B5EF4-FFF2-40B4-BE49-F238E27FC236}">
+                <a16:creationId xmlns:a16="http://schemas.microsoft.com/office/drawing/2014/main" id="{63235AF1-FCAE-E02A-2CB4-1ABD2B1FEBBA}"/>
+              </a:ext>
+            </a:extLst>
+          </p:cNvPr>
+          <p:cNvPicPr>
+            <a:picLocks noChangeAspect="1"/>
+          </p:cNvPicPr>
+          <p:nvPr/>
+        </p:nvPicPr>
+        <p:blipFill>
+          <a:blip r:embed="rId5"/>
+          <a:stretch>
+            <a:fillRect/>
+          </a:stretch>
+        </p:blipFill>
+        <p:spPr>
+          <a:xfrm>
+            <a:off x="7842639" y="2495735"/>
+            <a:ext cx="3676388" cy="3199587"/>
+          </a:xfrm>
+          <a:prstGeom prst="rect">
+            <a:avLst/>
+          </a:prstGeom>
+        </p:spPr>
+      </p:pic>
     </p:spTree>
     <p:extLst>
       <p:ext uri="{BB962C8B-B14F-4D97-AF65-F5344CB8AC3E}">
@@ -6229,90 +7343,6 @@
 </file>
 
 <file path=ppt/slides/slide5.xml><?xml version="1.0" encoding="utf-8"?>
-<p:sld xmlns:a="http://schemas.openxmlformats.org/drawingml/2006/main" xmlns:r="http://schemas.openxmlformats.org/officeDocument/2006/relationships" xmlns:p="http://schemas.openxmlformats.org/presentationml/2006/main">
-  <p:cSld>
-    <p:spTree>
-      <p:nvGrpSpPr>
-        <p:cNvPr id="1" name=""/>
-        <p:cNvGrpSpPr/>
-        <p:nvPr/>
-      </p:nvGrpSpPr>
-      <p:grpSpPr>
-        <a:xfrm>
-          <a:off x="0" y="0"/>
-          <a:ext cx="0" cy="0"/>
-          <a:chOff x="0" y="0"/>
-          <a:chExt cx="0" cy="0"/>
-        </a:xfrm>
-      </p:grpSpPr>
-      <p:sp>
-        <p:nvSpPr>
-          <p:cNvPr id="2" name="タイトル 1">
-            <a:extLst>
-              <a:ext uri="{FF2B5EF4-FFF2-40B4-BE49-F238E27FC236}">
-                <a16:creationId xmlns:a16="http://schemas.microsoft.com/office/drawing/2014/main" id="{CEE29EF6-4383-42E2-7621-EA5C6DF32E3F}"/>
-              </a:ext>
-            </a:extLst>
-          </p:cNvPr>
-          <p:cNvSpPr>
-            <a:spLocks noGrp="1"/>
-          </p:cNvSpPr>
-          <p:nvPr>
-            <p:ph type="title"/>
-          </p:nvPr>
-        </p:nvSpPr>
-        <p:spPr/>
-        <p:txBody>
-          <a:bodyPr/>
-          <a:lstStyle/>
-          <a:p>
-            <a:r>
-              <a:rPr lang="ja-JP" altLang="en-US" dirty="0"/>
-              <a:t>実行例②</a:t>
-            </a:r>
-            <a:endParaRPr kumimoji="1" lang="ja-JP" altLang="en-US" dirty="0"/>
-          </a:p>
-        </p:txBody>
-      </p:sp>
-      <p:sp>
-        <p:nvSpPr>
-          <p:cNvPr id="3" name="コンテンツ プレースホルダー 2">
-            <a:extLst>
-              <a:ext uri="{FF2B5EF4-FFF2-40B4-BE49-F238E27FC236}">
-                <a16:creationId xmlns:a16="http://schemas.microsoft.com/office/drawing/2014/main" id="{38F2E0E9-0CE8-0AED-6B56-66F36031C6D6}"/>
-              </a:ext>
-            </a:extLst>
-          </p:cNvPr>
-          <p:cNvSpPr>
-            <a:spLocks noGrp="1"/>
-          </p:cNvSpPr>
-          <p:nvPr>
-            <p:ph idx="1"/>
-          </p:nvPr>
-        </p:nvSpPr>
-        <p:spPr/>
-        <p:txBody>
-          <a:bodyPr/>
-          <a:lstStyle/>
-          <a:p>
-            <a:endParaRPr kumimoji="1" lang="ja-JP" altLang="en-US"/>
-          </a:p>
-        </p:txBody>
-      </p:sp>
-    </p:spTree>
-    <p:extLst>
-      <p:ext uri="{BB962C8B-B14F-4D97-AF65-F5344CB8AC3E}">
-        <p14:creationId xmlns:p14="http://schemas.microsoft.com/office/powerpoint/2010/main" val="1816727418"/>
-      </p:ext>
-    </p:extLst>
-  </p:cSld>
-  <p:clrMapOvr>
-    <a:masterClrMapping/>
-  </p:clrMapOvr>
-</p:sld>
-</file>
-
-<file path=ppt/slides/slide6.xml><?xml version="1.0" encoding="utf-8"?>
 <p:sld xmlns:a="http://schemas.openxmlformats.org/drawingml/2006/main" xmlns:r="http://schemas.openxmlformats.org/officeDocument/2006/relationships" xmlns:p="http://schemas.openxmlformats.org/presentationml/2006/main">
   <p:cSld>
     <p:spTree>

--- a/最終課題.pptx
+++ b/最終課題.pptx
@@ -5,14 +5,15 @@
     <p:sldMasterId id="2147483804" r:id="rId1"/>
   </p:sldMasterIdLst>
   <p:notesMasterIdLst>
-    <p:notesMasterId r:id="rId7"/>
+    <p:notesMasterId r:id="rId8"/>
   </p:notesMasterIdLst>
   <p:sldIdLst>
     <p:sldId id="256" r:id="rId2"/>
     <p:sldId id="291" r:id="rId3"/>
     <p:sldId id="295" r:id="rId4"/>
     <p:sldId id="293" r:id="rId5"/>
-    <p:sldId id="292" r:id="rId6"/>
+    <p:sldId id="296" r:id="rId6"/>
+    <p:sldId id="292" r:id="rId7"/>
   </p:sldIdLst>
   <p:sldSz cx="12192000" cy="6858000"/>
   <p:notesSz cx="6858000" cy="9144000"/>
@@ -201,7 +202,7 @@
           <a:p>
             <a:fld id="{CA855D22-B2DE-4643-A625-7E5CF79C1286}" type="datetimeFigureOut">
               <a:rPr kumimoji="1" lang="ja-JP" altLang="en-US" smtClean="0"/>
-              <a:t>2025/9/25</a:t>
+              <a:t>2025/9/26</a:t>
             </a:fld>
             <a:endParaRPr kumimoji="1" lang="ja-JP" altLang="en-US"/>
           </a:p>
@@ -757,6 +758,114 @@
   <p:cSld>
     <p:spTree>
       <p:nvGrpSpPr>
+        <p:cNvPr id="1" name="">
+          <a:extLst>
+            <a:ext uri="{FF2B5EF4-FFF2-40B4-BE49-F238E27FC236}">
+              <a16:creationId xmlns:a16="http://schemas.microsoft.com/office/drawing/2014/main" id="{11336918-5103-5487-0DAD-7E403ACCC3D0}"/>
+            </a:ext>
+          </a:extLst>
+        </p:cNvPr>
+        <p:cNvGrpSpPr/>
+        <p:nvPr/>
+      </p:nvGrpSpPr>
+      <p:grpSpPr>
+        <a:xfrm>
+          <a:off x="0" y="0"/>
+          <a:ext cx="0" cy="0"/>
+          <a:chOff x="0" y="0"/>
+          <a:chExt cx="0" cy="0"/>
+        </a:xfrm>
+      </p:grpSpPr>
+      <p:sp>
+        <p:nvSpPr>
+          <p:cNvPr id="2" name="スライド イメージ プレースホルダー 1">
+            <a:extLst>
+              <a:ext uri="{FF2B5EF4-FFF2-40B4-BE49-F238E27FC236}">
+                <a16:creationId xmlns:a16="http://schemas.microsoft.com/office/drawing/2014/main" id="{904A976B-013D-FF33-2F8A-5F31B0203F95}"/>
+              </a:ext>
+            </a:extLst>
+          </p:cNvPr>
+          <p:cNvSpPr>
+            <a:spLocks noGrp="1" noRot="1" noChangeAspect="1"/>
+          </p:cNvSpPr>
+          <p:nvPr>
+            <p:ph type="sldImg"/>
+          </p:nvPr>
+        </p:nvSpPr>
+        <p:spPr/>
+      </p:sp>
+      <p:sp>
+        <p:nvSpPr>
+          <p:cNvPr id="3" name="ノート プレースホルダー 2">
+            <a:extLst>
+              <a:ext uri="{FF2B5EF4-FFF2-40B4-BE49-F238E27FC236}">
+                <a16:creationId xmlns:a16="http://schemas.microsoft.com/office/drawing/2014/main" id="{EF8B03D9-132C-C130-9A42-92F406D792ED}"/>
+              </a:ext>
+            </a:extLst>
+          </p:cNvPr>
+          <p:cNvSpPr>
+            <a:spLocks noGrp="1"/>
+          </p:cNvSpPr>
+          <p:nvPr>
+            <p:ph type="body" idx="1"/>
+          </p:nvPr>
+        </p:nvSpPr>
+        <p:spPr/>
+        <p:txBody>
+          <a:bodyPr/>
+          <a:lstStyle/>
+          <a:p>
+            <a:endParaRPr kumimoji="1" lang="ja-JP" altLang="en-US" dirty="0"/>
+          </a:p>
+        </p:txBody>
+      </p:sp>
+      <p:sp>
+        <p:nvSpPr>
+          <p:cNvPr id="4" name="スライド番号プレースホルダー 3">
+            <a:extLst>
+              <a:ext uri="{FF2B5EF4-FFF2-40B4-BE49-F238E27FC236}">
+                <a16:creationId xmlns:a16="http://schemas.microsoft.com/office/drawing/2014/main" id="{F8110E79-1442-1F65-0FBD-9909891E5393}"/>
+              </a:ext>
+            </a:extLst>
+          </p:cNvPr>
+          <p:cNvSpPr>
+            <a:spLocks noGrp="1"/>
+          </p:cNvSpPr>
+          <p:nvPr>
+            <p:ph type="sldNum" sz="quarter" idx="5"/>
+          </p:nvPr>
+        </p:nvSpPr>
+        <p:spPr/>
+        <p:txBody>
+          <a:bodyPr/>
+          <a:lstStyle/>
+          <a:p>
+            <a:fld id="{5015635C-5080-408E-969F-D633DFBBC582}" type="slidenum">
+              <a:rPr kumimoji="1" lang="ja-JP" altLang="en-US" smtClean="0"/>
+              <a:t>5</a:t>
+            </a:fld>
+            <a:endParaRPr kumimoji="1" lang="ja-JP" altLang="en-US"/>
+          </a:p>
+        </p:txBody>
+      </p:sp>
+    </p:spTree>
+    <p:extLst>
+      <p:ext uri="{BB962C8B-B14F-4D97-AF65-F5344CB8AC3E}">
+        <p14:creationId xmlns:p14="http://schemas.microsoft.com/office/powerpoint/2010/main" val="583314266"/>
+      </p:ext>
+    </p:extLst>
+  </p:cSld>
+  <p:clrMapOvr>
+    <a:masterClrMapping/>
+  </p:clrMapOvr>
+</p:notes>
+</file>
+
+<file path=ppt/notesSlides/notesSlide5.xml><?xml version="1.0" encoding="utf-8"?>
+<p:notes xmlns:a="http://schemas.openxmlformats.org/drawingml/2006/main" xmlns:r="http://schemas.openxmlformats.org/officeDocument/2006/relationships" xmlns:p="http://schemas.openxmlformats.org/presentationml/2006/main">
+  <p:cSld>
+    <p:spTree>
+      <p:nvGrpSpPr>
         <p:cNvPr id="1" name=""/>
         <p:cNvGrpSpPr/>
         <p:nvPr/>
@@ -796,7 +905,10 @@
           <a:bodyPr/>
           <a:lstStyle/>
           <a:p>
-            <a:endParaRPr kumimoji="1" lang="ja-JP" altLang="en-US" dirty="0"/>
+            <a:r>
+              <a:rPr kumimoji="1" lang="ja-JP" altLang="en-US" dirty="0"/>
+              <a:t>実用性を高める</a:t>
+            </a:r>
           </a:p>
         </p:txBody>
       </p:sp>
@@ -817,7 +929,7 @@
           <a:p>
             <a:fld id="{5015635C-5080-408E-969F-D633DFBBC582}" type="slidenum">
               <a:rPr kumimoji="1" lang="ja-JP" altLang="en-US" smtClean="0"/>
-              <a:t>5</a:t>
+              <a:t>6</a:t>
             </a:fld>
             <a:endParaRPr kumimoji="1" lang="ja-JP" altLang="en-US"/>
           </a:p>
@@ -1062,7 +1174,7 @@
           <a:p>
             <a:fld id="{BA6471A3-4F33-4CF1-B279-C705C680FCEE}" type="datetimeFigureOut">
               <a:rPr kumimoji="1" lang="ja-JP" altLang="en-US" smtClean="0"/>
-              <a:t>2025/9/25</a:t>
+              <a:t>2025/9/26</a:t>
             </a:fld>
             <a:endParaRPr kumimoji="1" lang="ja-JP" altLang="en-US"/>
           </a:p>
@@ -1388,7 +1500,7 @@
           <a:p>
             <a:fld id="{BA6471A3-4F33-4CF1-B279-C705C680FCEE}" type="datetimeFigureOut">
               <a:rPr kumimoji="1" lang="ja-JP" altLang="en-US" smtClean="0"/>
-              <a:t>2025/9/25</a:t>
+              <a:t>2025/9/26</a:t>
             </a:fld>
             <a:endParaRPr kumimoji="1" lang="ja-JP" altLang="en-US"/>
           </a:p>
@@ -1600,7 +1712,7 @@
           <a:p>
             <a:fld id="{BA6471A3-4F33-4CF1-B279-C705C680FCEE}" type="datetimeFigureOut">
               <a:rPr kumimoji="1" lang="ja-JP" altLang="en-US" smtClean="0"/>
-              <a:t>2025/9/25</a:t>
+              <a:t>2025/9/26</a:t>
             </a:fld>
             <a:endParaRPr kumimoji="1" lang="ja-JP" altLang="en-US"/>
           </a:p>
@@ -1943,7 +2055,7 @@
           <a:p>
             <a:fld id="{BA6471A3-4F33-4CF1-B279-C705C680FCEE}" type="datetimeFigureOut">
               <a:rPr kumimoji="1" lang="ja-JP" altLang="en-US" smtClean="0"/>
-              <a:t>2025/9/25</a:t>
+              <a:t>2025/9/26</a:t>
             </a:fld>
             <a:endParaRPr kumimoji="1" lang="ja-JP" altLang="en-US"/>
           </a:p>
@@ -2282,7 +2394,7 @@
           <a:p>
             <a:fld id="{BA6471A3-4F33-4CF1-B279-C705C680FCEE}" type="datetimeFigureOut">
               <a:rPr kumimoji="1" lang="ja-JP" altLang="en-US" smtClean="0"/>
-              <a:t>2025/9/25</a:t>
+              <a:t>2025/9/26</a:t>
             </a:fld>
             <a:endParaRPr kumimoji="1" lang="ja-JP" altLang="en-US"/>
           </a:p>
@@ -2725,7 +2837,7 @@
           <a:p>
             <a:fld id="{BA6471A3-4F33-4CF1-B279-C705C680FCEE}" type="datetimeFigureOut">
               <a:rPr kumimoji="1" lang="ja-JP" altLang="en-US" smtClean="0"/>
-              <a:t>2025/9/25</a:t>
+              <a:t>2025/9/26</a:t>
             </a:fld>
             <a:endParaRPr kumimoji="1" lang="ja-JP" altLang="en-US"/>
           </a:p>
@@ -2896,7 +3008,7 @@
           <a:p>
             <a:fld id="{BA6471A3-4F33-4CF1-B279-C705C680FCEE}" type="datetimeFigureOut">
               <a:rPr kumimoji="1" lang="ja-JP" altLang="en-US" smtClean="0"/>
-              <a:t>2025/9/25</a:t>
+              <a:t>2025/9/26</a:t>
             </a:fld>
             <a:endParaRPr kumimoji="1" lang="ja-JP" altLang="en-US"/>
           </a:p>
@@ -3282,7 +3394,7 @@
           <a:p>
             <a:fld id="{BA6471A3-4F33-4CF1-B279-C705C680FCEE}" type="datetimeFigureOut">
               <a:rPr kumimoji="1" lang="ja-JP" altLang="en-US" smtClean="0"/>
-              <a:t>2025/9/25</a:t>
+              <a:t>2025/9/26</a:t>
             </a:fld>
             <a:endParaRPr kumimoji="1" lang="ja-JP" altLang="en-US"/>
           </a:p>
@@ -3659,7 +3771,7 @@
           <a:p>
             <a:fld id="{BA6471A3-4F33-4CF1-B279-C705C680FCEE}" type="datetimeFigureOut">
               <a:rPr kumimoji="1" lang="ja-JP" altLang="en-US" smtClean="0"/>
-              <a:t>2025/9/25</a:t>
+              <a:t>2025/9/26</a:t>
             </a:fld>
             <a:endParaRPr kumimoji="1" lang="ja-JP" altLang="en-US"/>
           </a:p>
@@ -3861,7 +3973,7 @@
           <a:p>
             <a:fld id="{BA6471A3-4F33-4CF1-B279-C705C680FCEE}" type="datetimeFigureOut">
               <a:rPr kumimoji="1" lang="ja-JP" altLang="en-US" smtClean="0"/>
-              <a:t>2025/9/25</a:t>
+              <a:t>2025/9/26</a:t>
             </a:fld>
             <a:endParaRPr kumimoji="1" lang="ja-JP" altLang="en-US"/>
           </a:p>
@@ -4180,7 +4292,7 @@
           <a:p>
             <a:fld id="{BA6471A3-4F33-4CF1-B279-C705C680FCEE}" type="datetimeFigureOut">
               <a:rPr kumimoji="1" lang="ja-JP" altLang="en-US" smtClean="0"/>
-              <a:t>2025/9/25</a:t>
+              <a:t>2025/9/26</a:t>
             </a:fld>
             <a:endParaRPr kumimoji="1" lang="ja-JP" altLang="en-US"/>
           </a:p>
@@ -5025,615 +5137,6 @@
           </a:p>
         </p:txBody>
       </p:sp>
-      <p:sp>
-        <p:nvSpPr>
-          <p:cNvPr id="3" name="コンテンツ プレースホルダー 2">
-            <a:extLst>
-              <a:ext uri="{FF2B5EF4-FFF2-40B4-BE49-F238E27FC236}">
-                <a16:creationId xmlns:a16="http://schemas.microsoft.com/office/drawing/2014/main" id="{2A06AA8E-D696-8532-408B-C352EB3C1F15}"/>
-              </a:ext>
-            </a:extLst>
-          </p:cNvPr>
-          <p:cNvSpPr>
-            <a:spLocks noGrp="1"/>
-          </p:cNvSpPr>
-          <p:nvPr>
-            <p:ph idx="1"/>
-          </p:nvPr>
-        </p:nvSpPr>
-        <p:spPr>
-          <a:xfrm>
-            <a:off x="906920" y="3030982"/>
-            <a:ext cx="1634892" cy="985847"/>
-          </a:xfrm>
-        </p:spPr>
-        <p:txBody>
-          <a:bodyPr>
-            <a:normAutofit/>
-          </a:bodyPr>
-          <a:lstStyle/>
-          <a:p>
-            <a:r>
-              <a:rPr kumimoji="1" lang="ja-JP" altLang="en-US" sz="3200" dirty="0"/>
-              <a:t>ユーザ</a:t>
-            </a:r>
-          </a:p>
-        </p:txBody>
-      </p:sp>
-      <p:sp>
-        <p:nvSpPr>
-          <p:cNvPr id="4" name="コンテンツ プレースホルダー 2">
-            <a:extLst>
-              <a:ext uri="{FF2B5EF4-FFF2-40B4-BE49-F238E27FC236}">
-                <a16:creationId xmlns:a16="http://schemas.microsoft.com/office/drawing/2014/main" id="{180E883F-2F48-C2F5-566F-8B99F287E8A7}"/>
-              </a:ext>
-            </a:extLst>
-          </p:cNvPr>
-          <p:cNvSpPr txBox="1">
-            <a:spLocks/>
-          </p:cNvSpPr>
-          <p:nvPr/>
-        </p:nvSpPr>
-        <p:spPr>
-          <a:xfrm>
-            <a:off x="4249318" y="3030982"/>
-            <a:ext cx="2605993" cy="1295032"/>
-          </a:xfrm>
-          <a:prstGeom prst="rect">
-            <a:avLst/>
-          </a:prstGeom>
-        </p:spPr>
-        <p:txBody>
-          <a:bodyPr vert="horz" lIns="0" tIns="45720" rIns="0" bIns="45720" rtlCol="0">
-            <a:normAutofit/>
-          </a:bodyPr>
-          <a:lstStyle>
-            <a:lvl1pPr marL="91440" indent="-91440" algn="l" defTabSz="914400" rtl="0" eaLnBrk="1" latinLnBrk="0" hangingPunct="1">
-              <a:lnSpc>
-                <a:spcPct val="90000"/>
-              </a:lnSpc>
-              <a:spcBef>
-                <a:spcPts val="1200"/>
-              </a:spcBef>
-              <a:spcAft>
-                <a:spcPts val="200"/>
-              </a:spcAft>
-              <a:buClr>
-                <a:schemeClr val="accent1"/>
-              </a:buClr>
-              <a:buSzPct val="100000"/>
-              <a:buFont typeface="Calibri" panose="020F0502020204030204" pitchFamily="34" charset="0"/>
-              <a:buChar char=" "/>
-              <a:defRPr kumimoji="1" sz="2000" kern="1200">
-                <a:solidFill>
-                  <a:schemeClr val="tx1">
-                    <a:lumMod val="75000"/>
-                    <a:lumOff val="25000"/>
-                  </a:schemeClr>
-                </a:solidFill>
-                <a:latin typeface="+mn-lt"/>
-                <a:ea typeface="+mn-ea"/>
-                <a:cs typeface="+mn-cs"/>
-              </a:defRPr>
-            </a:lvl1pPr>
-            <a:lvl2pPr marL="384048" indent="-182880" algn="l" defTabSz="914400" rtl="0" eaLnBrk="1" latinLnBrk="0" hangingPunct="1">
-              <a:lnSpc>
-                <a:spcPct val="90000"/>
-              </a:lnSpc>
-              <a:spcBef>
-                <a:spcPts val="200"/>
-              </a:spcBef>
-              <a:spcAft>
-                <a:spcPts val="400"/>
-              </a:spcAft>
-              <a:buClr>
-                <a:schemeClr val="accent1"/>
-              </a:buClr>
-              <a:buFont typeface="Calibri" pitchFamily="34" charset="0"/>
-              <a:buChar char="◦"/>
-              <a:defRPr kumimoji="1" sz="1800" kern="1200">
-                <a:solidFill>
-                  <a:schemeClr val="tx1">
-                    <a:lumMod val="75000"/>
-                    <a:lumOff val="25000"/>
-                  </a:schemeClr>
-                </a:solidFill>
-                <a:latin typeface="+mn-lt"/>
-                <a:ea typeface="+mn-ea"/>
-                <a:cs typeface="+mn-cs"/>
-              </a:defRPr>
-            </a:lvl2pPr>
-            <a:lvl3pPr marL="566928" indent="-182880" algn="l" defTabSz="914400" rtl="0" eaLnBrk="1" latinLnBrk="0" hangingPunct="1">
-              <a:lnSpc>
-                <a:spcPct val="90000"/>
-              </a:lnSpc>
-              <a:spcBef>
-                <a:spcPts val="200"/>
-              </a:spcBef>
-              <a:spcAft>
-                <a:spcPts val="400"/>
-              </a:spcAft>
-              <a:buClr>
-                <a:schemeClr val="accent1"/>
-              </a:buClr>
-              <a:buFont typeface="Calibri" pitchFamily="34" charset="0"/>
-              <a:buChar char="◦"/>
-              <a:defRPr kumimoji="1" sz="1400" kern="1200">
-                <a:solidFill>
-                  <a:schemeClr val="tx1">
-                    <a:lumMod val="75000"/>
-                    <a:lumOff val="25000"/>
-                  </a:schemeClr>
-                </a:solidFill>
-                <a:latin typeface="+mn-lt"/>
-                <a:ea typeface="+mn-ea"/>
-                <a:cs typeface="+mn-cs"/>
-              </a:defRPr>
-            </a:lvl3pPr>
-            <a:lvl4pPr marL="749808" indent="-182880" algn="l" defTabSz="914400" rtl="0" eaLnBrk="1" latinLnBrk="0" hangingPunct="1">
-              <a:lnSpc>
-                <a:spcPct val="90000"/>
-              </a:lnSpc>
-              <a:spcBef>
-                <a:spcPts val="200"/>
-              </a:spcBef>
-              <a:spcAft>
-                <a:spcPts val="400"/>
-              </a:spcAft>
-              <a:buClr>
-                <a:schemeClr val="accent1"/>
-              </a:buClr>
-              <a:buFont typeface="Calibri" pitchFamily="34" charset="0"/>
-              <a:buChar char="◦"/>
-              <a:defRPr kumimoji="1" sz="1400" kern="1200">
-                <a:solidFill>
-                  <a:schemeClr val="tx1">
-                    <a:lumMod val="75000"/>
-                    <a:lumOff val="25000"/>
-                  </a:schemeClr>
-                </a:solidFill>
-                <a:latin typeface="+mn-lt"/>
-                <a:ea typeface="+mn-ea"/>
-                <a:cs typeface="+mn-cs"/>
-              </a:defRPr>
-            </a:lvl4pPr>
-            <a:lvl5pPr marL="932688" indent="-182880" algn="l" defTabSz="914400" rtl="0" eaLnBrk="1" latinLnBrk="0" hangingPunct="1">
-              <a:lnSpc>
-                <a:spcPct val="90000"/>
-              </a:lnSpc>
-              <a:spcBef>
-                <a:spcPts val="200"/>
-              </a:spcBef>
-              <a:spcAft>
-                <a:spcPts val="400"/>
-              </a:spcAft>
-              <a:buClr>
-                <a:schemeClr val="accent1"/>
-              </a:buClr>
-              <a:buFont typeface="Calibri" pitchFamily="34" charset="0"/>
-              <a:buChar char="◦"/>
-              <a:defRPr kumimoji="1" sz="1400" kern="1200">
-                <a:solidFill>
-                  <a:schemeClr val="tx1">
-                    <a:lumMod val="75000"/>
-                    <a:lumOff val="25000"/>
-                  </a:schemeClr>
-                </a:solidFill>
-                <a:latin typeface="+mn-lt"/>
-                <a:ea typeface="+mn-ea"/>
-                <a:cs typeface="+mn-cs"/>
-              </a:defRPr>
-            </a:lvl5pPr>
-            <a:lvl6pPr marL="1100000" indent="-228600" algn="l" defTabSz="914400" rtl="0" eaLnBrk="1" latinLnBrk="0" hangingPunct="1">
-              <a:lnSpc>
-                <a:spcPct val="90000"/>
-              </a:lnSpc>
-              <a:spcBef>
-                <a:spcPts val="200"/>
-              </a:spcBef>
-              <a:spcAft>
-                <a:spcPts val="400"/>
-              </a:spcAft>
-              <a:buClr>
-                <a:schemeClr val="accent1"/>
-              </a:buClr>
-              <a:buFont typeface="Calibri" pitchFamily="34" charset="0"/>
-              <a:buChar char="◦"/>
-              <a:defRPr kumimoji="1" sz="1400" kern="1200">
-                <a:solidFill>
-                  <a:schemeClr val="tx1">
-                    <a:lumMod val="75000"/>
-                    <a:lumOff val="25000"/>
-                  </a:schemeClr>
-                </a:solidFill>
-                <a:latin typeface="+mn-lt"/>
-                <a:ea typeface="+mn-ea"/>
-                <a:cs typeface="+mn-cs"/>
-              </a:defRPr>
-            </a:lvl6pPr>
-            <a:lvl7pPr marL="1300000" indent="-228600" algn="l" defTabSz="914400" rtl="0" eaLnBrk="1" latinLnBrk="0" hangingPunct="1">
-              <a:lnSpc>
-                <a:spcPct val="90000"/>
-              </a:lnSpc>
-              <a:spcBef>
-                <a:spcPts val="200"/>
-              </a:spcBef>
-              <a:spcAft>
-                <a:spcPts val="400"/>
-              </a:spcAft>
-              <a:buClr>
-                <a:schemeClr val="accent1"/>
-              </a:buClr>
-              <a:buFont typeface="Calibri" pitchFamily="34" charset="0"/>
-              <a:buChar char="◦"/>
-              <a:defRPr kumimoji="1" sz="1400" kern="1200">
-                <a:solidFill>
-                  <a:schemeClr val="tx1">
-                    <a:lumMod val="75000"/>
-                    <a:lumOff val="25000"/>
-                  </a:schemeClr>
-                </a:solidFill>
-                <a:latin typeface="+mn-lt"/>
-                <a:ea typeface="+mn-ea"/>
-                <a:cs typeface="+mn-cs"/>
-              </a:defRPr>
-            </a:lvl7pPr>
-            <a:lvl8pPr marL="1500000" indent="-228600" algn="l" defTabSz="914400" rtl="0" eaLnBrk="1" latinLnBrk="0" hangingPunct="1">
-              <a:lnSpc>
-                <a:spcPct val="90000"/>
-              </a:lnSpc>
-              <a:spcBef>
-                <a:spcPts val="200"/>
-              </a:spcBef>
-              <a:spcAft>
-                <a:spcPts val="400"/>
-              </a:spcAft>
-              <a:buClr>
-                <a:schemeClr val="accent1"/>
-              </a:buClr>
-              <a:buFont typeface="Calibri" pitchFamily="34" charset="0"/>
-              <a:buChar char="◦"/>
-              <a:defRPr kumimoji="1" sz="1400" kern="1200">
-                <a:solidFill>
-                  <a:schemeClr val="tx1">
-                    <a:lumMod val="75000"/>
-                    <a:lumOff val="25000"/>
-                  </a:schemeClr>
-                </a:solidFill>
-                <a:latin typeface="+mn-lt"/>
-                <a:ea typeface="+mn-ea"/>
-                <a:cs typeface="+mn-cs"/>
-              </a:defRPr>
-            </a:lvl8pPr>
-            <a:lvl9pPr marL="1700000" indent="-228600" algn="l" defTabSz="914400" rtl="0" eaLnBrk="1" latinLnBrk="0" hangingPunct="1">
-              <a:lnSpc>
-                <a:spcPct val="90000"/>
-              </a:lnSpc>
-              <a:spcBef>
-                <a:spcPts val="200"/>
-              </a:spcBef>
-              <a:spcAft>
-                <a:spcPts val="400"/>
-              </a:spcAft>
-              <a:buClr>
-                <a:schemeClr val="accent1"/>
-              </a:buClr>
-              <a:buFont typeface="Calibri" pitchFamily="34" charset="0"/>
-              <a:buChar char="◦"/>
-              <a:defRPr kumimoji="1" sz="1400" kern="1200">
-                <a:solidFill>
-                  <a:schemeClr val="tx1">
-                    <a:lumMod val="75000"/>
-                    <a:lumOff val="25000"/>
-                  </a:schemeClr>
-                </a:solidFill>
-                <a:latin typeface="+mn-lt"/>
-                <a:ea typeface="+mn-ea"/>
-                <a:cs typeface="+mn-cs"/>
-              </a:defRPr>
-            </a:lvl9pPr>
-          </a:lstStyle>
-          <a:p>
-            <a:r>
-              <a:rPr lang="en-US" altLang="ja-JP" sz="3200" dirty="0"/>
-              <a:t>LLM</a:t>
-            </a:r>
-            <a:r>
-              <a:rPr lang="ja-JP" altLang="en-US" sz="3200" dirty="0"/>
-              <a:t>（</a:t>
-            </a:r>
-            <a:r>
-              <a:rPr lang="en-US" altLang="ja-JP" sz="3200" dirty="0"/>
-              <a:t>ELYZA</a:t>
-            </a:r>
-            <a:r>
-              <a:rPr lang="ja-JP" altLang="en-US" sz="3200" dirty="0"/>
-              <a:t>）</a:t>
-            </a:r>
-          </a:p>
-        </p:txBody>
-      </p:sp>
-      <p:sp>
-        <p:nvSpPr>
-          <p:cNvPr id="5" name="コンテンツ プレースホルダー 2">
-            <a:extLst>
-              <a:ext uri="{FF2B5EF4-FFF2-40B4-BE49-F238E27FC236}">
-                <a16:creationId xmlns:a16="http://schemas.microsoft.com/office/drawing/2014/main" id="{884F58CD-A8F8-4E89-1728-6C2338CC2F88}"/>
-              </a:ext>
-            </a:extLst>
-          </p:cNvPr>
-          <p:cNvSpPr txBox="1">
-            <a:spLocks/>
-          </p:cNvSpPr>
-          <p:nvPr/>
-        </p:nvSpPr>
-        <p:spPr>
-          <a:xfrm>
-            <a:off x="7930517" y="3030982"/>
-            <a:ext cx="3061574" cy="1660945"/>
-          </a:xfrm>
-          <a:prstGeom prst="rect">
-            <a:avLst/>
-          </a:prstGeom>
-        </p:spPr>
-        <p:txBody>
-          <a:bodyPr vert="horz" lIns="0" tIns="45720" rIns="0" bIns="45720" rtlCol="0">
-            <a:normAutofit/>
-          </a:bodyPr>
-          <a:lstStyle>
-            <a:lvl1pPr marL="91440" indent="-91440" algn="l" defTabSz="914400" rtl="0" eaLnBrk="1" latinLnBrk="0" hangingPunct="1">
-              <a:lnSpc>
-                <a:spcPct val="90000"/>
-              </a:lnSpc>
-              <a:spcBef>
-                <a:spcPts val="1200"/>
-              </a:spcBef>
-              <a:spcAft>
-                <a:spcPts val="200"/>
-              </a:spcAft>
-              <a:buClr>
-                <a:schemeClr val="accent1"/>
-              </a:buClr>
-              <a:buSzPct val="100000"/>
-              <a:buFont typeface="Calibri" panose="020F0502020204030204" pitchFamily="34" charset="0"/>
-              <a:buChar char=" "/>
-              <a:defRPr kumimoji="1" sz="2000" kern="1200">
-                <a:solidFill>
-                  <a:schemeClr val="tx1">
-                    <a:lumMod val="75000"/>
-                    <a:lumOff val="25000"/>
-                  </a:schemeClr>
-                </a:solidFill>
-                <a:latin typeface="+mn-lt"/>
-                <a:ea typeface="+mn-ea"/>
-                <a:cs typeface="+mn-cs"/>
-              </a:defRPr>
-            </a:lvl1pPr>
-            <a:lvl2pPr marL="384048" indent="-182880" algn="l" defTabSz="914400" rtl="0" eaLnBrk="1" latinLnBrk="0" hangingPunct="1">
-              <a:lnSpc>
-                <a:spcPct val="90000"/>
-              </a:lnSpc>
-              <a:spcBef>
-                <a:spcPts val="200"/>
-              </a:spcBef>
-              <a:spcAft>
-                <a:spcPts val="400"/>
-              </a:spcAft>
-              <a:buClr>
-                <a:schemeClr val="accent1"/>
-              </a:buClr>
-              <a:buFont typeface="Calibri" pitchFamily="34" charset="0"/>
-              <a:buChar char="◦"/>
-              <a:defRPr kumimoji="1" sz="1800" kern="1200">
-                <a:solidFill>
-                  <a:schemeClr val="tx1">
-                    <a:lumMod val="75000"/>
-                    <a:lumOff val="25000"/>
-                  </a:schemeClr>
-                </a:solidFill>
-                <a:latin typeface="+mn-lt"/>
-                <a:ea typeface="+mn-ea"/>
-                <a:cs typeface="+mn-cs"/>
-              </a:defRPr>
-            </a:lvl2pPr>
-            <a:lvl3pPr marL="566928" indent="-182880" algn="l" defTabSz="914400" rtl="0" eaLnBrk="1" latinLnBrk="0" hangingPunct="1">
-              <a:lnSpc>
-                <a:spcPct val="90000"/>
-              </a:lnSpc>
-              <a:spcBef>
-                <a:spcPts val="200"/>
-              </a:spcBef>
-              <a:spcAft>
-                <a:spcPts val="400"/>
-              </a:spcAft>
-              <a:buClr>
-                <a:schemeClr val="accent1"/>
-              </a:buClr>
-              <a:buFont typeface="Calibri" pitchFamily="34" charset="0"/>
-              <a:buChar char="◦"/>
-              <a:defRPr kumimoji="1" sz="1400" kern="1200">
-                <a:solidFill>
-                  <a:schemeClr val="tx1">
-                    <a:lumMod val="75000"/>
-                    <a:lumOff val="25000"/>
-                  </a:schemeClr>
-                </a:solidFill>
-                <a:latin typeface="+mn-lt"/>
-                <a:ea typeface="+mn-ea"/>
-                <a:cs typeface="+mn-cs"/>
-              </a:defRPr>
-            </a:lvl3pPr>
-            <a:lvl4pPr marL="749808" indent="-182880" algn="l" defTabSz="914400" rtl="0" eaLnBrk="1" latinLnBrk="0" hangingPunct="1">
-              <a:lnSpc>
-                <a:spcPct val="90000"/>
-              </a:lnSpc>
-              <a:spcBef>
-                <a:spcPts val="200"/>
-              </a:spcBef>
-              <a:spcAft>
-                <a:spcPts val="400"/>
-              </a:spcAft>
-              <a:buClr>
-                <a:schemeClr val="accent1"/>
-              </a:buClr>
-              <a:buFont typeface="Calibri" pitchFamily="34" charset="0"/>
-              <a:buChar char="◦"/>
-              <a:defRPr kumimoji="1" sz="1400" kern="1200">
-                <a:solidFill>
-                  <a:schemeClr val="tx1">
-                    <a:lumMod val="75000"/>
-                    <a:lumOff val="25000"/>
-                  </a:schemeClr>
-                </a:solidFill>
-                <a:latin typeface="+mn-lt"/>
-                <a:ea typeface="+mn-ea"/>
-                <a:cs typeface="+mn-cs"/>
-              </a:defRPr>
-            </a:lvl4pPr>
-            <a:lvl5pPr marL="932688" indent="-182880" algn="l" defTabSz="914400" rtl="0" eaLnBrk="1" latinLnBrk="0" hangingPunct="1">
-              <a:lnSpc>
-                <a:spcPct val="90000"/>
-              </a:lnSpc>
-              <a:spcBef>
-                <a:spcPts val="200"/>
-              </a:spcBef>
-              <a:spcAft>
-                <a:spcPts val="400"/>
-              </a:spcAft>
-              <a:buClr>
-                <a:schemeClr val="accent1"/>
-              </a:buClr>
-              <a:buFont typeface="Calibri" pitchFamily="34" charset="0"/>
-              <a:buChar char="◦"/>
-              <a:defRPr kumimoji="1" sz="1400" kern="1200">
-                <a:solidFill>
-                  <a:schemeClr val="tx1">
-                    <a:lumMod val="75000"/>
-                    <a:lumOff val="25000"/>
-                  </a:schemeClr>
-                </a:solidFill>
-                <a:latin typeface="+mn-lt"/>
-                <a:ea typeface="+mn-ea"/>
-                <a:cs typeface="+mn-cs"/>
-              </a:defRPr>
-            </a:lvl5pPr>
-            <a:lvl6pPr marL="1100000" indent="-228600" algn="l" defTabSz="914400" rtl="0" eaLnBrk="1" latinLnBrk="0" hangingPunct="1">
-              <a:lnSpc>
-                <a:spcPct val="90000"/>
-              </a:lnSpc>
-              <a:spcBef>
-                <a:spcPts val="200"/>
-              </a:spcBef>
-              <a:spcAft>
-                <a:spcPts val="400"/>
-              </a:spcAft>
-              <a:buClr>
-                <a:schemeClr val="accent1"/>
-              </a:buClr>
-              <a:buFont typeface="Calibri" pitchFamily="34" charset="0"/>
-              <a:buChar char="◦"/>
-              <a:defRPr kumimoji="1" sz="1400" kern="1200">
-                <a:solidFill>
-                  <a:schemeClr val="tx1">
-                    <a:lumMod val="75000"/>
-                    <a:lumOff val="25000"/>
-                  </a:schemeClr>
-                </a:solidFill>
-                <a:latin typeface="+mn-lt"/>
-                <a:ea typeface="+mn-ea"/>
-                <a:cs typeface="+mn-cs"/>
-              </a:defRPr>
-            </a:lvl6pPr>
-            <a:lvl7pPr marL="1300000" indent="-228600" algn="l" defTabSz="914400" rtl="0" eaLnBrk="1" latinLnBrk="0" hangingPunct="1">
-              <a:lnSpc>
-                <a:spcPct val="90000"/>
-              </a:lnSpc>
-              <a:spcBef>
-                <a:spcPts val="200"/>
-              </a:spcBef>
-              <a:spcAft>
-                <a:spcPts val="400"/>
-              </a:spcAft>
-              <a:buClr>
-                <a:schemeClr val="accent1"/>
-              </a:buClr>
-              <a:buFont typeface="Calibri" pitchFamily="34" charset="0"/>
-              <a:buChar char="◦"/>
-              <a:defRPr kumimoji="1" sz="1400" kern="1200">
-                <a:solidFill>
-                  <a:schemeClr val="tx1">
-                    <a:lumMod val="75000"/>
-                    <a:lumOff val="25000"/>
-                  </a:schemeClr>
-                </a:solidFill>
-                <a:latin typeface="+mn-lt"/>
-                <a:ea typeface="+mn-ea"/>
-                <a:cs typeface="+mn-cs"/>
-              </a:defRPr>
-            </a:lvl7pPr>
-            <a:lvl8pPr marL="1500000" indent="-228600" algn="l" defTabSz="914400" rtl="0" eaLnBrk="1" latinLnBrk="0" hangingPunct="1">
-              <a:lnSpc>
-                <a:spcPct val="90000"/>
-              </a:lnSpc>
-              <a:spcBef>
-                <a:spcPts val="200"/>
-              </a:spcBef>
-              <a:spcAft>
-                <a:spcPts val="400"/>
-              </a:spcAft>
-              <a:buClr>
-                <a:schemeClr val="accent1"/>
-              </a:buClr>
-              <a:buFont typeface="Calibri" pitchFamily="34" charset="0"/>
-              <a:buChar char="◦"/>
-              <a:defRPr kumimoji="1" sz="1400" kern="1200">
-                <a:solidFill>
-                  <a:schemeClr val="tx1">
-                    <a:lumMod val="75000"/>
-                    <a:lumOff val="25000"/>
-                  </a:schemeClr>
-                </a:solidFill>
-                <a:latin typeface="+mn-lt"/>
-                <a:ea typeface="+mn-ea"/>
-                <a:cs typeface="+mn-cs"/>
-              </a:defRPr>
-            </a:lvl8pPr>
-            <a:lvl9pPr marL="1700000" indent="-228600" algn="l" defTabSz="914400" rtl="0" eaLnBrk="1" latinLnBrk="0" hangingPunct="1">
-              <a:lnSpc>
-                <a:spcPct val="90000"/>
-              </a:lnSpc>
-              <a:spcBef>
-                <a:spcPts val="200"/>
-              </a:spcBef>
-              <a:spcAft>
-                <a:spcPts val="400"/>
-              </a:spcAft>
-              <a:buClr>
-                <a:schemeClr val="accent1"/>
-              </a:buClr>
-              <a:buFont typeface="Calibri" pitchFamily="34" charset="0"/>
-              <a:buChar char="◦"/>
-              <a:defRPr kumimoji="1" sz="1400" kern="1200">
-                <a:solidFill>
-                  <a:schemeClr val="tx1">
-                    <a:lumMod val="75000"/>
-                    <a:lumOff val="25000"/>
-                  </a:schemeClr>
-                </a:solidFill>
-                <a:latin typeface="+mn-lt"/>
-                <a:ea typeface="+mn-ea"/>
-                <a:cs typeface="+mn-cs"/>
-              </a:defRPr>
-            </a:lvl9pPr>
-          </a:lstStyle>
-          <a:p>
-            <a:r>
-              <a:rPr lang="ja-JP" altLang="en-US" sz="2800" dirty="0"/>
-              <a:t>スケジュール</a:t>
-            </a:r>
-          </a:p>
-        </p:txBody>
-      </p:sp>
       <p:cxnSp>
         <p:nvCxnSpPr>
           <p:cNvPr id="9" name="直線矢印コネクタ 8">
@@ -5643,13 +5146,15 @@
               </a:ext>
             </a:extLst>
           </p:cNvPr>
-          <p:cNvCxnSpPr/>
+          <p:cNvCxnSpPr>
+            <a:cxnSpLocks/>
+          </p:cNvCxnSpPr>
           <p:nvPr/>
         </p:nvCxnSpPr>
         <p:spPr>
           <a:xfrm>
-            <a:off x="2808514" y="3268753"/>
-            <a:ext cx="620486" cy="0"/>
+            <a:off x="2890157" y="3288120"/>
+            <a:ext cx="1073411" cy="1900"/>
           </a:xfrm>
           <a:prstGeom prst="straightConnector1">
             <a:avLst/>
@@ -5673,22 +5178,1039 @@
           </a:fontRef>
         </p:style>
       </p:cxnSp>
-      <p:cxnSp>
-        <p:nvCxnSpPr>
-          <p:cNvPr id="10" name="直線矢印コネクタ 9">
+      <p:sp>
+        <p:nvSpPr>
+          <p:cNvPr id="11" name="コンテンツ プレースホルダー 2">
             <a:extLst>
               <a:ext uri="{FF2B5EF4-FFF2-40B4-BE49-F238E27FC236}">
-                <a16:creationId xmlns:a16="http://schemas.microsoft.com/office/drawing/2014/main" id="{4F94515D-E6CC-8EF9-BCDC-857A1499B1A7}"/>
+                <a16:creationId xmlns:a16="http://schemas.microsoft.com/office/drawing/2014/main" id="{2E082B21-ACE1-29DD-6113-1CF8A39F4DBF}"/>
               </a:ext>
             </a:extLst>
           </p:cNvPr>
-          <p:cNvCxnSpPr/>
+          <p:cNvSpPr txBox="1">
+            <a:spLocks/>
+          </p:cNvSpPr>
+          <p:nvPr/>
+        </p:nvSpPr>
+        <p:spPr>
+          <a:xfrm>
+            <a:off x="3963568" y="4016829"/>
+            <a:ext cx="3177491" cy="897697"/>
+          </a:xfrm>
+          <a:prstGeom prst="rect">
+            <a:avLst/>
+          </a:prstGeom>
+        </p:spPr>
+        <p:txBody>
+          <a:bodyPr vert="horz" lIns="0" tIns="45720" rIns="0" bIns="45720" rtlCol="0">
+            <a:normAutofit/>
+          </a:bodyPr>
+          <a:lstStyle>
+            <a:lvl1pPr marL="91440" indent="-91440" algn="l" defTabSz="914400" rtl="0" eaLnBrk="1" latinLnBrk="0" hangingPunct="1">
+              <a:lnSpc>
+                <a:spcPct val="90000"/>
+              </a:lnSpc>
+              <a:spcBef>
+                <a:spcPts val="1200"/>
+              </a:spcBef>
+              <a:spcAft>
+                <a:spcPts val="200"/>
+              </a:spcAft>
+              <a:buClr>
+                <a:schemeClr val="accent1"/>
+              </a:buClr>
+              <a:buSzPct val="100000"/>
+              <a:buFont typeface="Calibri" panose="020F0502020204030204" pitchFamily="34" charset="0"/>
+              <a:buChar char=" "/>
+              <a:defRPr kumimoji="1" sz="2000" kern="1200">
+                <a:solidFill>
+                  <a:schemeClr val="tx1">
+                    <a:lumMod val="75000"/>
+                    <a:lumOff val="25000"/>
+                  </a:schemeClr>
+                </a:solidFill>
+                <a:latin typeface="+mn-lt"/>
+                <a:ea typeface="+mn-ea"/>
+                <a:cs typeface="+mn-cs"/>
+              </a:defRPr>
+            </a:lvl1pPr>
+            <a:lvl2pPr marL="384048" indent="-182880" algn="l" defTabSz="914400" rtl="0" eaLnBrk="1" latinLnBrk="0" hangingPunct="1">
+              <a:lnSpc>
+                <a:spcPct val="90000"/>
+              </a:lnSpc>
+              <a:spcBef>
+                <a:spcPts val="200"/>
+              </a:spcBef>
+              <a:spcAft>
+                <a:spcPts val="400"/>
+              </a:spcAft>
+              <a:buClr>
+                <a:schemeClr val="accent1"/>
+              </a:buClr>
+              <a:buFont typeface="Calibri" pitchFamily="34" charset="0"/>
+              <a:buChar char="◦"/>
+              <a:defRPr kumimoji="1" sz="1800" kern="1200">
+                <a:solidFill>
+                  <a:schemeClr val="tx1">
+                    <a:lumMod val="75000"/>
+                    <a:lumOff val="25000"/>
+                  </a:schemeClr>
+                </a:solidFill>
+                <a:latin typeface="+mn-lt"/>
+                <a:ea typeface="+mn-ea"/>
+                <a:cs typeface="+mn-cs"/>
+              </a:defRPr>
+            </a:lvl2pPr>
+            <a:lvl3pPr marL="566928" indent="-182880" algn="l" defTabSz="914400" rtl="0" eaLnBrk="1" latinLnBrk="0" hangingPunct="1">
+              <a:lnSpc>
+                <a:spcPct val="90000"/>
+              </a:lnSpc>
+              <a:spcBef>
+                <a:spcPts val="200"/>
+              </a:spcBef>
+              <a:spcAft>
+                <a:spcPts val="400"/>
+              </a:spcAft>
+              <a:buClr>
+                <a:schemeClr val="accent1"/>
+              </a:buClr>
+              <a:buFont typeface="Calibri" pitchFamily="34" charset="0"/>
+              <a:buChar char="◦"/>
+              <a:defRPr kumimoji="1" sz="1400" kern="1200">
+                <a:solidFill>
+                  <a:schemeClr val="tx1">
+                    <a:lumMod val="75000"/>
+                    <a:lumOff val="25000"/>
+                  </a:schemeClr>
+                </a:solidFill>
+                <a:latin typeface="+mn-lt"/>
+                <a:ea typeface="+mn-ea"/>
+                <a:cs typeface="+mn-cs"/>
+              </a:defRPr>
+            </a:lvl3pPr>
+            <a:lvl4pPr marL="749808" indent="-182880" algn="l" defTabSz="914400" rtl="0" eaLnBrk="1" latinLnBrk="0" hangingPunct="1">
+              <a:lnSpc>
+                <a:spcPct val="90000"/>
+              </a:lnSpc>
+              <a:spcBef>
+                <a:spcPts val="200"/>
+              </a:spcBef>
+              <a:spcAft>
+                <a:spcPts val="400"/>
+              </a:spcAft>
+              <a:buClr>
+                <a:schemeClr val="accent1"/>
+              </a:buClr>
+              <a:buFont typeface="Calibri" pitchFamily="34" charset="0"/>
+              <a:buChar char="◦"/>
+              <a:defRPr kumimoji="1" sz="1400" kern="1200">
+                <a:solidFill>
+                  <a:schemeClr val="tx1">
+                    <a:lumMod val="75000"/>
+                    <a:lumOff val="25000"/>
+                  </a:schemeClr>
+                </a:solidFill>
+                <a:latin typeface="+mn-lt"/>
+                <a:ea typeface="+mn-ea"/>
+                <a:cs typeface="+mn-cs"/>
+              </a:defRPr>
+            </a:lvl4pPr>
+            <a:lvl5pPr marL="932688" indent="-182880" algn="l" defTabSz="914400" rtl="0" eaLnBrk="1" latinLnBrk="0" hangingPunct="1">
+              <a:lnSpc>
+                <a:spcPct val="90000"/>
+              </a:lnSpc>
+              <a:spcBef>
+                <a:spcPts val="200"/>
+              </a:spcBef>
+              <a:spcAft>
+                <a:spcPts val="400"/>
+              </a:spcAft>
+              <a:buClr>
+                <a:schemeClr val="accent1"/>
+              </a:buClr>
+              <a:buFont typeface="Calibri" pitchFamily="34" charset="0"/>
+              <a:buChar char="◦"/>
+              <a:defRPr kumimoji="1" sz="1400" kern="1200">
+                <a:solidFill>
+                  <a:schemeClr val="tx1">
+                    <a:lumMod val="75000"/>
+                    <a:lumOff val="25000"/>
+                  </a:schemeClr>
+                </a:solidFill>
+                <a:latin typeface="+mn-lt"/>
+                <a:ea typeface="+mn-ea"/>
+                <a:cs typeface="+mn-cs"/>
+              </a:defRPr>
+            </a:lvl5pPr>
+            <a:lvl6pPr marL="1100000" indent="-228600" algn="l" defTabSz="914400" rtl="0" eaLnBrk="1" latinLnBrk="0" hangingPunct="1">
+              <a:lnSpc>
+                <a:spcPct val="90000"/>
+              </a:lnSpc>
+              <a:spcBef>
+                <a:spcPts val="200"/>
+              </a:spcBef>
+              <a:spcAft>
+                <a:spcPts val="400"/>
+              </a:spcAft>
+              <a:buClr>
+                <a:schemeClr val="accent1"/>
+              </a:buClr>
+              <a:buFont typeface="Calibri" pitchFamily="34" charset="0"/>
+              <a:buChar char="◦"/>
+              <a:defRPr kumimoji="1" sz="1400" kern="1200">
+                <a:solidFill>
+                  <a:schemeClr val="tx1">
+                    <a:lumMod val="75000"/>
+                    <a:lumOff val="25000"/>
+                  </a:schemeClr>
+                </a:solidFill>
+                <a:latin typeface="+mn-lt"/>
+                <a:ea typeface="+mn-ea"/>
+                <a:cs typeface="+mn-cs"/>
+              </a:defRPr>
+            </a:lvl6pPr>
+            <a:lvl7pPr marL="1300000" indent="-228600" algn="l" defTabSz="914400" rtl="0" eaLnBrk="1" latinLnBrk="0" hangingPunct="1">
+              <a:lnSpc>
+                <a:spcPct val="90000"/>
+              </a:lnSpc>
+              <a:spcBef>
+                <a:spcPts val="200"/>
+              </a:spcBef>
+              <a:spcAft>
+                <a:spcPts val="400"/>
+              </a:spcAft>
+              <a:buClr>
+                <a:schemeClr val="accent1"/>
+              </a:buClr>
+              <a:buFont typeface="Calibri" pitchFamily="34" charset="0"/>
+              <a:buChar char="◦"/>
+              <a:defRPr kumimoji="1" sz="1400" kern="1200">
+                <a:solidFill>
+                  <a:schemeClr val="tx1">
+                    <a:lumMod val="75000"/>
+                    <a:lumOff val="25000"/>
+                  </a:schemeClr>
+                </a:solidFill>
+                <a:latin typeface="+mn-lt"/>
+                <a:ea typeface="+mn-ea"/>
+                <a:cs typeface="+mn-cs"/>
+              </a:defRPr>
+            </a:lvl7pPr>
+            <a:lvl8pPr marL="1500000" indent="-228600" algn="l" defTabSz="914400" rtl="0" eaLnBrk="1" latinLnBrk="0" hangingPunct="1">
+              <a:lnSpc>
+                <a:spcPct val="90000"/>
+              </a:lnSpc>
+              <a:spcBef>
+                <a:spcPts val="200"/>
+              </a:spcBef>
+              <a:spcAft>
+                <a:spcPts val="400"/>
+              </a:spcAft>
+              <a:buClr>
+                <a:schemeClr val="accent1"/>
+              </a:buClr>
+              <a:buFont typeface="Calibri" pitchFamily="34" charset="0"/>
+              <a:buChar char="◦"/>
+              <a:defRPr kumimoji="1" sz="1400" kern="1200">
+                <a:solidFill>
+                  <a:schemeClr val="tx1">
+                    <a:lumMod val="75000"/>
+                    <a:lumOff val="25000"/>
+                  </a:schemeClr>
+                </a:solidFill>
+                <a:latin typeface="+mn-lt"/>
+                <a:ea typeface="+mn-ea"/>
+                <a:cs typeface="+mn-cs"/>
+              </a:defRPr>
+            </a:lvl8pPr>
+            <a:lvl9pPr marL="1700000" indent="-228600" algn="l" defTabSz="914400" rtl="0" eaLnBrk="1" latinLnBrk="0" hangingPunct="1">
+              <a:lnSpc>
+                <a:spcPct val="90000"/>
+              </a:lnSpc>
+              <a:spcBef>
+                <a:spcPts val="200"/>
+              </a:spcBef>
+              <a:spcAft>
+                <a:spcPts val="400"/>
+              </a:spcAft>
+              <a:buClr>
+                <a:schemeClr val="accent1"/>
+              </a:buClr>
+              <a:buFont typeface="Calibri" pitchFamily="34" charset="0"/>
+              <a:buChar char="◦"/>
+              <a:defRPr kumimoji="1" sz="1400" kern="1200">
+                <a:solidFill>
+                  <a:schemeClr val="tx1">
+                    <a:lumMod val="75000"/>
+                    <a:lumOff val="25000"/>
+                  </a:schemeClr>
+                </a:solidFill>
+                <a:latin typeface="+mn-lt"/>
+                <a:ea typeface="+mn-ea"/>
+                <a:cs typeface="+mn-cs"/>
+              </a:defRPr>
+            </a:lvl9pPr>
+          </a:lstStyle>
+          <a:p>
+            <a:r>
+              <a:rPr lang="ja-JP" altLang="en-US" dirty="0"/>
+              <a:t>・必要に応じてスケジュールを参照、更新</a:t>
+            </a:r>
+          </a:p>
+        </p:txBody>
+      </p:sp>
+      <p:sp>
+        <p:nvSpPr>
+          <p:cNvPr id="12" name="コンテンツ プレースホルダー 2">
+            <a:extLst>
+              <a:ext uri="{FF2B5EF4-FFF2-40B4-BE49-F238E27FC236}">
+                <a16:creationId xmlns:a16="http://schemas.microsoft.com/office/drawing/2014/main" id="{D4274BE2-906B-4F04-53C1-A13335A2AAAD}"/>
+              </a:ext>
+            </a:extLst>
+          </p:cNvPr>
+          <p:cNvSpPr txBox="1">
+            <a:spLocks/>
+          </p:cNvSpPr>
+          <p:nvPr/>
+        </p:nvSpPr>
+        <p:spPr>
+          <a:xfrm>
+            <a:off x="7918568" y="3903462"/>
+            <a:ext cx="3177491" cy="897697"/>
+          </a:xfrm>
+          <a:prstGeom prst="rect">
+            <a:avLst/>
+          </a:prstGeom>
+        </p:spPr>
+        <p:txBody>
+          <a:bodyPr vert="horz" lIns="0" tIns="45720" rIns="0" bIns="45720" rtlCol="0">
+            <a:normAutofit/>
+          </a:bodyPr>
+          <a:lstStyle>
+            <a:lvl1pPr marL="91440" indent="-91440" algn="l" defTabSz="914400" rtl="0" eaLnBrk="1" latinLnBrk="0" hangingPunct="1">
+              <a:lnSpc>
+                <a:spcPct val="90000"/>
+              </a:lnSpc>
+              <a:spcBef>
+                <a:spcPts val="1200"/>
+              </a:spcBef>
+              <a:spcAft>
+                <a:spcPts val="200"/>
+              </a:spcAft>
+              <a:buClr>
+                <a:schemeClr val="accent1"/>
+              </a:buClr>
+              <a:buSzPct val="100000"/>
+              <a:buFont typeface="Calibri" panose="020F0502020204030204" pitchFamily="34" charset="0"/>
+              <a:buChar char=" "/>
+              <a:defRPr kumimoji="1" sz="2000" kern="1200">
+                <a:solidFill>
+                  <a:schemeClr val="tx1">
+                    <a:lumMod val="75000"/>
+                    <a:lumOff val="25000"/>
+                  </a:schemeClr>
+                </a:solidFill>
+                <a:latin typeface="+mn-lt"/>
+                <a:ea typeface="+mn-ea"/>
+                <a:cs typeface="+mn-cs"/>
+              </a:defRPr>
+            </a:lvl1pPr>
+            <a:lvl2pPr marL="384048" indent="-182880" algn="l" defTabSz="914400" rtl="0" eaLnBrk="1" latinLnBrk="0" hangingPunct="1">
+              <a:lnSpc>
+                <a:spcPct val="90000"/>
+              </a:lnSpc>
+              <a:spcBef>
+                <a:spcPts val="200"/>
+              </a:spcBef>
+              <a:spcAft>
+                <a:spcPts val="400"/>
+              </a:spcAft>
+              <a:buClr>
+                <a:schemeClr val="accent1"/>
+              </a:buClr>
+              <a:buFont typeface="Calibri" pitchFamily="34" charset="0"/>
+              <a:buChar char="◦"/>
+              <a:defRPr kumimoji="1" sz="1800" kern="1200">
+                <a:solidFill>
+                  <a:schemeClr val="tx1">
+                    <a:lumMod val="75000"/>
+                    <a:lumOff val="25000"/>
+                  </a:schemeClr>
+                </a:solidFill>
+                <a:latin typeface="+mn-lt"/>
+                <a:ea typeface="+mn-ea"/>
+                <a:cs typeface="+mn-cs"/>
+              </a:defRPr>
+            </a:lvl2pPr>
+            <a:lvl3pPr marL="566928" indent="-182880" algn="l" defTabSz="914400" rtl="0" eaLnBrk="1" latinLnBrk="0" hangingPunct="1">
+              <a:lnSpc>
+                <a:spcPct val="90000"/>
+              </a:lnSpc>
+              <a:spcBef>
+                <a:spcPts val="200"/>
+              </a:spcBef>
+              <a:spcAft>
+                <a:spcPts val="400"/>
+              </a:spcAft>
+              <a:buClr>
+                <a:schemeClr val="accent1"/>
+              </a:buClr>
+              <a:buFont typeface="Calibri" pitchFamily="34" charset="0"/>
+              <a:buChar char="◦"/>
+              <a:defRPr kumimoji="1" sz="1400" kern="1200">
+                <a:solidFill>
+                  <a:schemeClr val="tx1">
+                    <a:lumMod val="75000"/>
+                    <a:lumOff val="25000"/>
+                  </a:schemeClr>
+                </a:solidFill>
+                <a:latin typeface="+mn-lt"/>
+                <a:ea typeface="+mn-ea"/>
+                <a:cs typeface="+mn-cs"/>
+              </a:defRPr>
+            </a:lvl3pPr>
+            <a:lvl4pPr marL="749808" indent="-182880" algn="l" defTabSz="914400" rtl="0" eaLnBrk="1" latinLnBrk="0" hangingPunct="1">
+              <a:lnSpc>
+                <a:spcPct val="90000"/>
+              </a:lnSpc>
+              <a:spcBef>
+                <a:spcPts val="200"/>
+              </a:spcBef>
+              <a:spcAft>
+                <a:spcPts val="400"/>
+              </a:spcAft>
+              <a:buClr>
+                <a:schemeClr val="accent1"/>
+              </a:buClr>
+              <a:buFont typeface="Calibri" pitchFamily="34" charset="0"/>
+              <a:buChar char="◦"/>
+              <a:defRPr kumimoji="1" sz="1400" kern="1200">
+                <a:solidFill>
+                  <a:schemeClr val="tx1">
+                    <a:lumMod val="75000"/>
+                    <a:lumOff val="25000"/>
+                  </a:schemeClr>
+                </a:solidFill>
+                <a:latin typeface="+mn-lt"/>
+                <a:ea typeface="+mn-ea"/>
+                <a:cs typeface="+mn-cs"/>
+              </a:defRPr>
+            </a:lvl4pPr>
+            <a:lvl5pPr marL="932688" indent="-182880" algn="l" defTabSz="914400" rtl="0" eaLnBrk="1" latinLnBrk="0" hangingPunct="1">
+              <a:lnSpc>
+                <a:spcPct val="90000"/>
+              </a:lnSpc>
+              <a:spcBef>
+                <a:spcPts val="200"/>
+              </a:spcBef>
+              <a:spcAft>
+                <a:spcPts val="400"/>
+              </a:spcAft>
+              <a:buClr>
+                <a:schemeClr val="accent1"/>
+              </a:buClr>
+              <a:buFont typeface="Calibri" pitchFamily="34" charset="0"/>
+              <a:buChar char="◦"/>
+              <a:defRPr kumimoji="1" sz="1400" kern="1200">
+                <a:solidFill>
+                  <a:schemeClr val="tx1">
+                    <a:lumMod val="75000"/>
+                    <a:lumOff val="25000"/>
+                  </a:schemeClr>
+                </a:solidFill>
+                <a:latin typeface="+mn-lt"/>
+                <a:ea typeface="+mn-ea"/>
+                <a:cs typeface="+mn-cs"/>
+              </a:defRPr>
+            </a:lvl5pPr>
+            <a:lvl6pPr marL="1100000" indent="-228600" algn="l" defTabSz="914400" rtl="0" eaLnBrk="1" latinLnBrk="0" hangingPunct="1">
+              <a:lnSpc>
+                <a:spcPct val="90000"/>
+              </a:lnSpc>
+              <a:spcBef>
+                <a:spcPts val="200"/>
+              </a:spcBef>
+              <a:spcAft>
+                <a:spcPts val="400"/>
+              </a:spcAft>
+              <a:buClr>
+                <a:schemeClr val="accent1"/>
+              </a:buClr>
+              <a:buFont typeface="Calibri" pitchFamily="34" charset="0"/>
+              <a:buChar char="◦"/>
+              <a:defRPr kumimoji="1" sz="1400" kern="1200">
+                <a:solidFill>
+                  <a:schemeClr val="tx1">
+                    <a:lumMod val="75000"/>
+                    <a:lumOff val="25000"/>
+                  </a:schemeClr>
+                </a:solidFill>
+                <a:latin typeface="+mn-lt"/>
+                <a:ea typeface="+mn-ea"/>
+                <a:cs typeface="+mn-cs"/>
+              </a:defRPr>
+            </a:lvl6pPr>
+            <a:lvl7pPr marL="1300000" indent="-228600" algn="l" defTabSz="914400" rtl="0" eaLnBrk="1" latinLnBrk="0" hangingPunct="1">
+              <a:lnSpc>
+                <a:spcPct val="90000"/>
+              </a:lnSpc>
+              <a:spcBef>
+                <a:spcPts val="200"/>
+              </a:spcBef>
+              <a:spcAft>
+                <a:spcPts val="400"/>
+              </a:spcAft>
+              <a:buClr>
+                <a:schemeClr val="accent1"/>
+              </a:buClr>
+              <a:buFont typeface="Calibri" pitchFamily="34" charset="0"/>
+              <a:buChar char="◦"/>
+              <a:defRPr kumimoji="1" sz="1400" kern="1200">
+                <a:solidFill>
+                  <a:schemeClr val="tx1">
+                    <a:lumMod val="75000"/>
+                    <a:lumOff val="25000"/>
+                  </a:schemeClr>
+                </a:solidFill>
+                <a:latin typeface="+mn-lt"/>
+                <a:ea typeface="+mn-ea"/>
+                <a:cs typeface="+mn-cs"/>
+              </a:defRPr>
+            </a:lvl7pPr>
+            <a:lvl8pPr marL="1500000" indent="-228600" algn="l" defTabSz="914400" rtl="0" eaLnBrk="1" latinLnBrk="0" hangingPunct="1">
+              <a:lnSpc>
+                <a:spcPct val="90000"/>
+              </a:lnSpc>
+              <a:spcBef>
+                <a:spcPts val="200"/>
+              </a:spcBef>
+              <a:spcAft>
+                <a:spcPts val="400"/>
+              </a:spcAft>
+              <a:buClr>
+                <a:schemeClr val="accent1"/>
+              </a:buClr>
+              <a:buFont typeface="Calibri" pitchFamily="34" charset="0"/>
+              <a:buChar char="◦"/>
+              <a:defRPr kumimoji="1" sz="1400" kern="1200">
+                <a:solidFill>
+                  <a:schemeClr val="tx1">
+                    <a:lumMod val="75000"/>
+                    <a:lumOff val="25000"/>
+                  </a:schemeClr>
+                </a:solidFill>
+                <a:latin typeface="+mn-lt"/>
+                <a:ea typeface="+mn-ea"/>
+                <a:cs typeface="+mn-cs"/>
+              </a:defRPr>
+            </a:lvl8pPr>
+            <a:lvl9pPr marL="1700000" indent="-228600" algn="l" defTabSz="914400" rtl="0" eaLnBrk="1" latinLnBrk="0" hangingPunct="1">
+              <a:lnSpc>
+                <a:spcPct val="90000"/>
+              </a:lnSpc>
+              <a:spcBef>
+                <a:spcPts val="200"/>
+              </a:spcBef>
+              <a:spcAft>
+                <a:spcPts val="400"/>
+              </a:spcAft>
+              <a:buClr>
+                <a:schemeClr val="accent1"/>
+              </a:buClr>
+              <a:buFont typeface="Calibri" pitchFamily="34" charset="0"/>
+              <a:buChar char="◦"/>
+              <a:defRPr kumimoji="1" sz="1400" kern="1200">
+                <a:solidFill>
+                  <a:schemeClr val="tx1">
+                    <a:lumMod val="75000"/>
+                    <a:lumOff val="25000"/>
+                  </a:schemeClr>
+                </a:solidFill>
+                <a:latin typeface="+mn-lt"/>
+                <a:ea typeface="+mn-ea"/>
+                <a:cs typeface="+mn-cs"/>
+              </a:defRPr>
+            </a:lvl9pPr>
+          </a:lstStyle>
+          <a:p>
+            <a:r>
+              <a:rPr lang="ja-JP" altLang="en-US" dirty="0"/>
+              <a:t>（</a:t>
+            </a:r>
+            <a:r>
+              <a:rPr lang="en-US" altLang="ja-JP" dirty="0"/>
+              <a:t>Google</a:t>
+            </a:r>
+            <a:r>
+              <a:rPr lang="ja-JP" altLang="en-US" dirty="0"/>
+              <a:t>スプレッドシート）</a:t>
+            </a:r>
+          </a:p>
+        </p:txBody>
+      </p:sp>
+      <p:sp>
+        <p:nvSpPr>
+          <p:cNvPr id="13" name="コンテンツ プレースホルダー 2">
+            <a:extLst>
+              <a:ext uri="{FF2B5EF4-FFF2-40B4-BE49-F238E27FC236}">
+                <a16:creationId xmlns:a16="http://schemas.microsoft.com/office/drawing/2014/main" id="{7860D301-2523-5583-92DD-E23F9A725D35}"/>
+              </a:ext>
+            </a:extLst>
+          </p:cNvPr>
+          <p:cNvSpPr txBox="1">
+            <a:spLocks/>
+          </p:cNvSpPr>
+          <p:nvPr/>
+        </p:nvSpPr>
+        <p:spPr>
+          <a:xfrm>
+            <a:off x="1095941" y="4016828"/>
+            <a:ext cx="3177491" cy="897697"/>
+          </a:xfrm>
+          <a:prstGeom prst="rect">
+            <a:avLst/>
+          </a:prstGeom>
+        </p:spPr>
+        <p:txBody>
+          <a:bodyPr vert="horz" lIns="0" tIns="45720" rIns="0" bIns="45720" rtlCol="0">
+            <a:normAutofit/>
+          </a:bodyPr>
+          <a:lstStyle>
+            <a:lvl1pPr marL="91440" indent="-91440" algn="l" defTabSz="914400" rtl="0" eaLnBrk="1" latinLnBrk="0" hangingPunct="1">
+              <a:lnSpc>
+                <a:spcPct val="90000"/>
+              </a:lnSpc>
+              <a:spcBef>
+                <a:spcPts val="1200"/>
+              </a:spcBef>
+              <a:spcAft>
+                <a:spcPts val="200"/>
+              </a:spcAft>
+              <a:buClr>
+                <a:schemeClr val="accent1"/>
+              </a:buClr>
+              <a:buSzPct val="100000"/>
+              <a:buFont typeface="Calibri" panose="020F0502020204030204" pitchFamily="34" charset="0"/>
+              <a:buChar char=" "/>
+              <a:defRPr kumimoji="1" sz="2000" kern="1200">
+                <a:solidFill>
+                  <a:schemeClr val="tx1">
+                    <a:lumMod val="75000"/>
+                    <a:lumOff val="25000"/>
+                  </a:schemeClr>
+                </a:solidFill>
+                <a:latin typeface="+mn-lt"/>
+                <a:ea typeface="+mn-ea"/>
+                <a:cs typeface="+mn-cs"/>
+              </a:defRPr>
+            </a:lvl1pPr>
+            <a:lvl2pPr marL="384048" indent="-182880" algn="l" defTabSz="914400" rtl="0" eaLnBrk="1" latinLnBrk="0" hangingPunct="1">
+              <a:lnSpc>
+                <a:spcPct val="90000"/>
+              </a:lnSpc>
+              <a:spcBef>
+                <a:spcPts val="200"/>
+              </a:spcBef>
+              <a:spcAft>
+                <a:spcPts val="400"/>
+              </a:spcAft>
+              <a:buClr>
+                <a:schemeClr val="accent1"/>
+              </a:buClr>
+              <a:buFont typeface="Calibri" pitchFamily="34" charset="0"/>
+              <a:buChar char="◦"/>
+              <a:defRPr kumimoji="1" sz="1800" kern="1200">
+                <a:solidFill>
+                  <a:schemeClr val="tx1">
+                    <a:lumMod val="75000"/>
+                    <a:lumOff val="25000"/>
+                  </a:schemeClr>
+                </a:solidFill>
+                <a:latin typeface="+mn-lt"/>
+                <a:ea typeface="+mn-ea"/>
+                <a:cs typeface="+mn-cs"/>
+              </a:defRPr>
+            </a:lvl2pPr>
+            <a:lvl3pPr marL="566928" indent="-182880" algn="l" defTabSz="914400" rtl="0" eaLnBrk="1" latinLnBrk="0" hangingPunct="1">
+              <a:lnSpc>
+                <a:spcPct val="90000"/>
+              </a:lnSpc>
+              <a:spcBef>
+                <a:spcPts val="200"/>
+              </a:spcBef>
+              <a:spcAft>
+                <a:spcPts val="400"/>
+              </a:spcAft>
+              <a:buClr>
+                <a:schemeClr val="accent1"/>
+              </a:buClr>
+              <a:buFont typeface="Calibri" pitchFamily="34" charset="0"/>
+              <a:buChar char="◦"/>
+              <a:defRPr kumimoji="1" sz="1400" kern="1200">
+                <a:solidFill>
+                  <a:schemeClr val="tx1">
+                    <a:lumMod val="75000"/>
+                    <a:lumOff val="25000"/>
+                  </a:schemeClr>
+                </a:solidFill>
+                <a:latin typeface="+mn-lt"/>
+                <a:ea typeface="+mn-ea"/>
+                <a:cs typeface="+mn-cs"/>
+              </a:defRPr>
+            </a:lvl3pPr>
+            <a:lvl4pPr marL="749808" indent="-182880" algn="l" defTabSz="914400" rtl="0" eaLnBrk="1" latinLnBrk="0" hangingPunct="1">
+              <a:lnSpc>
+                <a:spcPct val="90000"/>
+              </a:lnSpc>
+              <a:spcBef>
+                <a:spcPts val="200"/>
+              </a:spcBef>
+              <a:spcAft>
+                <a:spcPts val="400"/>
+              </a:spcAft>
+              <a:buClr>
+                <a:schemeClr val="accent1"/>
+              </a:buClr>
+              <a:buFont typeface="Calibri" pitchFamily="34" charset="0"/>
+              <a:buChar char="◦"/>
+              <a:defRPr kumimoji="1" sz="1400" kern="1200">
+                <a:solidFill>
+                  <a:schemeClr val="tx1">
+                    <a:lumMod val="75000"/>
+                    <a:lumOff val="25000"/>
+                  </a:schemeClr>
+                </a:solidFill>
+                <a:latin typeface="+mn-lt"/>
+                <a:ea typeface="+mn-ea"/>
+                <a:cs typeface="+mn-cs"/>
+              </a:defRPr>
+            </a:lvl4pPr>
+            <a:lvl5pPr marL="932688" indent="-182880" algn="l" defTabSz="914400" rtl="0" eaLnBrk="1" latinLnBrk="0" hangingPunct="1">
+              <a:lnSpc>
+                <a:spcPct val="90000"/>
+              </a:lnSpc>
+              <a:spcBef>
+                <a:spcPts val="200"/>
+              </a:spcBef>
+              <a:spcAft>
+                <a:spcPts val="400"/>
+              </a:spcAft>
+              <a:buClr>
+                <a:schemeClr val="accent1"/>
+              </a:buClr>
+              <a:buFont typeface="Calibri" pitchFamily="34" charset="0"/>
+              <a:buChar char="◦"/>
+              <a:defRPr kumimoji="1" sz="1400" kern="1200">
+                <a:solidFill>
+                  <a:schemeClr val="tx1">
+                    <a:lumMod val="75000"/>
+                    <a:lumOff val="25000"/>
+                  </a:schemeClr>
+                </a:solidFill>
+                <a:latin typeface="+mn-lt"/>
+                <a:ea typeface="+mn-ea"/>
+                <a:cs typeface="+mn-cs"/>
+              </a:defRPr>
+            </a:lvl5pPr>
+            <a:lvl6pPr marL="1100000" indent="-228600" algn="l" defTabSz="914400" rtl="0" eaLnBrk="1" latinLnBrk="0" hangingPunct="1">
+              <a:lnSpc>
+                <a:spcPct val="90000"/>
+              </a:lnSpc>
+              <a:spcBef>
+                <a:spcPts val="200"/>
+              </a:spcBef>
+              <a:spcAft>
+                <a:spcPts val="400"/>
+              </a:spcAft>
+              <a:buClr>
+                <a:schemeClr val="accent1"/>
+              </a:buClr>
+              <a:buFont typeface="Calibri" pitchFamily="34" charset="0"/>
+              <a:buChar char="◦"/>
+              <a:defRPr kumimoji="1" sz="1400" kern="1200">
+                <a:solidFill>
+                  <a:schemeClr val="tx1">
+                    <a:lumMod val="75000"/>
+                    <a:lumOff val="25000"/>
+                  </a:schemeClr>
+                </a:solidFill>
+                <a:latin typeface="+mn-lt"/>
+                <a:ea typeface="+mn-ea"/>
+                <a:cs typeface="+mn-cs"/>
+              </a:defRPr>
+            </a:lvl6pPr>
+            <a:lvl7pPr marL="1300000" indent="-228600" algn="l" defTabSz="914400" rtl="0" eaLnBrk="1" latinLnBrk="0" hangingPunct="1">
+              <a:lnSpc>
+                <a:spcPct val="90000"/>
+              </a:lnSpc>
+              <a:spcBef>
+                <a:spcPts val="200"/>
+              </a:spcBef>
+              <a:spcAft>
+                <a:spcPts val="400"/>
+              </a:spcAft>
+              <a:buClr>
+                <a:schemeClr val="accent1"/>
+              </a:buClr>
+              <a:buFont typeface="Calibri" pitchFamily="34" charset="0"/>
+              <a:buChar char="◦"/>
+              <a:defRPr kumimoji="1" sz="1400" kern="1200">
+                <a:solidFill>
+                  <a:schemeClr val="tx1">
+                    <a:lumMod val="75000"/>
+                    <a:lumOff val="25000"/>
+                  </a:schemeClr>
+                </a:solidFill>
+                <a:latin typeface="+mn-lt"/>
+                <a:ea typeface="+mn-ea"/>
+                <a:cs typeface="+mn-cs"/>
+              </a:defRPr>
+            </a:lvl7pPr>
+            <a:lvl8pPr marL="1500000" indent="-228600" algn="l" defTabSz="914400" rtl="0" eaLnBrk="1" latinLnBrk="0" hangingPunct="1">
+              <a:lnSpc>
+                <a:spcPct val="90000"/>
+              </a:lnSpc>
+              <a:spcBef>
+                <a:spcPts val="200"/>
+              </a:spcBef>
+              <a:spcAft>
+                <a:spcPts val="400"/>
+              </a:spcAft>
+              <a:buClr>
+                <a:schemeClr val="accent1"/>
+              </a:buClr>
+              <a:buFont typeface="Calibri" pitchFamily="34" charset="0"/>
+              <a:buChar char="◦"/>
+              <a:defRPr kumimoji="1" sz="1400" kern="1200">
+                <a:solidFill>
+                  <a:schemeClr val="tx1">
+                    <a:lumMod val="75000"/>
+                    <a:lumOff val="25000"/>
+                  </a:schemeClr>
+                </a:solidFill>
+                <a:latin typeface="+mn-lt"/>
+                <a:ea typeface="+mn-ea"/>
+                <a:cs typeface="+mn-cs"/>
+              </a:defRPr>
+            </a:lvl8pPr>
+            <a:lvl9pPr marL="1700000" indent="-228600" algn="l" defTabSz="914400" rtl="0" eaLnBrk="1" latinLnBrk="0" hangingPunct="1">
+              <a:lnSpc>
+                <a:spcPct val="90000"/>
+              </a:lnSpc>
+              <a:spcBef>
+                <a:spcPts val="200"/>
+              </a:spcBef>
+              <a:spcAft>
+                <a:spcPts val="400"/>
+              </a:spcAft>
+              <a:buClr>
+                <a:schemeClr val="accent1"/>
+              </a:buClr>
+              <a:buFont typeface="Calibri" pitchFamily="34" charset="0"/>
+              <a:buChar char="◦"/>
+              <a:defRPr kumimoji="1" sz="1400" kern="1200">
+                <a:solidFill>
+                  <a:schemeClr val="tx1">
+                    <a:lumMod val="75000"/>
+                    <a:lumOff val="25000"/>
+                  </a:schemeClr>
+                </a:solidFill>
+                <a:latin typeface="+mn-lt"/>
+                <a:ea typeface="+mn-ea"/>
+                <a:cs typeface="+mn-cs"/>
+              </a:defRPr>
+            </a:lvl9pPr>
+          </a:lstStyle>
+          <a:p>
+            <a:pPr marL="0" indent="0">
+              <a:buNone/>
+            </a:pPr>
+            <a:r>
+              <a:rPr lang="ja-JP" altLang="en-US" dirty="0"/>
+              <a:t>文章を入力</a:t>
+            </a:r>
+          </a:p>
+        </p:txBody>
+      </p:sp>
+      <p:sp>
+        <p:nvSpPr>
+          <p:cNvPr id="6" name="正方形/長方形 5">
+            <a:extLst>
+              <a:ext uri="{FF2B5EF4-FFF2-40B4-BE49-F238E27FC236}">
+                <a16:creationId xmlns:a16="http://schemas.microsoft.com/office/drawing/2014/main" id="{C4C364C5-6D61-A758-5975-BE1258879925}"/>
+              </a:ext>
+            </a:extLst>
+          </p:cNvPr>
+          <p:cNvSpPr/>
+          <p:nvPr/>
+        </p:nvSpPr>
+        <p:spPr>
+          <a:xfrm>
+            <a:off x="914964" y="2841172"/>
+            <a:ext cx="1673611" cy="897696"/>
+          </a:xfrm>
+          <a:prstGeom prst="rect">
+            <a:avLst/>
+          </a:prstGeom>
+          <a:solidFill>
+            <a:srgbClr val="FFFFFF"/>
+          </a:solidFill>
+        </p:spPr>
+        <p:style>
+          <a:lnRef idx="2">
+            <a:schemeClr val="dk1"/>
+          </a:lnRef>
+          <a:fillRef idx="1">
+            <a:schemeClr val="lt1"/>
+          </a:fillRef>
+          <a:effectRef idx="0">
+            <a:schemeClr val="dk1"/>
+          </a:effectRef>
+          <a:fontRef idx="minor">
+            <a:schemeClr val="dk1"/>
+          </a:fontRef>
+        </p:style>
+        <p:txBody>
+          <a:bodyPr rtlCol="0" anchor="ctr"/>
+          <a:lstStyle/>
+          <a:p>
+            <a:pPr algn="ctr"/>
+            <a:r>
+              <a:rPr kumimoji="1" lang="ja-JP" altLang="en-US" sz="3200" dirty="0"/>
+              <a:t>ユーザ</a:t>
+            </a:r>
+            <a:endParaRPr kumimoji="1" lang="ja-JP" altLang="en-US" dirty="0"/>
+          </a:p>
+        </p:txBody>
+      </p:sp>
+      <p:sp>
+        <p:nvSpPr>
+          <p:cNvPr id="16" name="正方形/長方形 15">
+            <a:extLst>
+              <a:ext uri="{FF2B5EF4-FFF2-40B4-BE49-F238E27FC236}">
+                <a16:creationId xmlns:a16="http://schemas.microsoft.com/office/drawing/2014/main" id="{39E78E2D-F054-CFA1-1F73-39081CD34232}"/>
+              </a:ext>
+            </a:extLst>
+          </p:cNvPr>
+          <p:cNvSpPr/>
+          <p:nvPr/>
+        </p:nvSpPr>
+        <p:spPr>
+          <a:xfrm>
+            <a:off x="4121425" y="2881380"/>
+            <a:ext cx="2276242" cy="897697"/>
+          </a:xfrm>
+          <a:prstGeom prst="rect">
+            <a:avLst/>
+          </a:prstGeom>
+          <a:solidFill>
+            <a:srgbClr val="FFFFFF"/>
+          </a:solidFill>
+        </p:spPr>
+        <p:style>
+          <a:lnRef idx="2">
+            <a:schemeClr val="dk1"/>
+          </a:lnRef>
+          <a:fillRef idx="1">
+            <a:schemeClr val="lt1"/>
+          </a:fillRef>
+          <a:effectRef idx="0">
+            <a:schemeClr val="dk1"/>
+          </a:effectRef>
+          <a:fontRef idx="minor">
+            <a:schemeClr val="dk1"/>
+          </a:fontRef>
+        </p:style>
+        <p:txBody>
+          <a:bodyPr rtlCol="0" anchor="ctr"/>
+          <a:lstStyle/>
+          <a:p>
+            <a:r>
+              <a:rPr lang="en-US" altLang="ja-JP" sz="3200" dirty="0"/>
+              <a:t>LLM</a:t>
+            </a:r>
+            <a:r>
+              <a:rPr lang="ja-JP" altLang="en-US" sz="3200" dirty="0"/>
+              <a:t>（</a:t>
+            </a:r>
+            <a:r>
+              <a:rPr lang="en-US" altLang="ja-JP" sz="3200" dirty="0"/>
+              <a:t>ELYZA</a:t>
+            </a:r>
+            <a:r>
+              <a:rPr lang="ja-JP" altLang="en-US" sz="3200" dirty="0"/>
+              <a:t>）</a:t>
+            </a:r>
+          </a:p>
+        </p:txBody>
+      </p:sp>
+      <p:sp>
+        <p:nvSpPr>
+          <p:cNvPr id="18" name="正方形/長方形 17">
+            <a:extLst>
+              <a:ext uri="{FF2B5EF4-FFF2-40B4-BE49-F238E27FC236}">
+                <a16:creationId xmlns:a16="http://schemas.microsoft.com/office/drawing/2014/main" id="{034A7811-B36C-5C87-8EC8-12912C999C69}"/>
+              </a:ext>
+            </a:extLst>
+          </p:cNvPr>
+          <p:cNvSpPr/>
+          <p:nvPr/>
+        </p:nvSpPr>
+        <p:spPr>
+          <a:xfrm>
+            <a:off x="8163722" y="2881380"/>
+            <a:ext cx="2276242" cy="897697"/>
+          </a:xfrm>
+          <a:prstGeom prst="rect">
+            <a:avLst/>
+          </a:prstGeom>
+          <a:solidFill>
+            <a:srgbClr val="FFFFFF"/>
+          </a:solidFill>
+        </p:spPr>
+        <p:style>
+          <a:lnRef idx="2">
+            <a:schemeClr val="dk1"/>
+          </a:lnRef>
+          <a:fillRef idx="1">
+            <a:schemeClr val="lt1"/>
+          </a:fillRef>
+          <a:effectRef idx="0">
+            <a:schemeClr val="dk1"/>
+          </a:effectRef>
+          <a:fontRef idx="minor">
+            <a:schemeClr val="dk1"/>
+          </a:fontRef>
+        </p:style>
+        <p:txBody>
+          <a:bodyPr rtlCol="0" anchor="ctr"/>
+          <a:lstStyle/>
+          <a:p>
+            <a:r>
+              <a:rPr lang="ja-JP" altLang="en-US" sz="2800" dirty="0"/>
+              <a:t>スケジュール</a:t>
+            </a:r>
+          </a:p>
+        </p:txBody>
+      </p:sp>
+      <p:cxnSp>
+        <p:nvCxnSpPr>
+          <p:cNvPr id="19" name="直線矢印コネクタ 18">
+            <a:extLst>
+              <a:ext uri="{FF2B5EF4-FFF2-40B4-BE49-F238E27FC236}">
+                <a16:creationId xmlns:a16="http://schemas.microsoft.com/office/drawing/2014/main" id="{4711B13D-7297-F303-D92A-D067ED475F8E}"/>
+              </a:ext>
+            </a:extLst>
+          </p:cNvPr>
+          <p:cNvCxnSpPr>
+            <a:cxnSpLocks/>
+          </p:cNvCxnSpPr>
           <p:nvPr/>
         </p:nvCxnSpPr>
         <p:spPr>
           <a:xfrm>
-            <a:off x="6855311" y="3268753"/>
-            <a:ext cx="620486" cy="0"/>
+            <a:off x="6821357" y="3297571"/>
+            <a:ext cx="1073411" cy="1900"/>
           </a:xfrm>
           <a:prstGeom prst="straightConnector1">
             <a:avLst/>
@@ -5712,860 +6234,6 @@
           </a:fontRef>
         </p:style>
       </p:cxnSp>
-      <p:sp>
-        <p:nvSpPr>
-          <p:cNvPr id="11" name="コンテンツ プレースホルダー 2">
-            <a:extLst>
-              <a:ext uri="{FF2B5EF4-FFF2-40B4-BE49-F238E27FC236}">
-                <a16:creationId xmlns:a16="http://schemas.microsoft.com/office/drawing/2014/main" id="{2E082B21-ACE1-29DD-6113-1CF8A39F4DBF}"/>
-              </a:ext>
-            </a:extLst>
-          </p:cNvPr>
-          <p:cNvSpPr txBox="1">
-            <a:spLocks/>
-          </p:cNvSpPr>
-          <p:nvPr/>
-        </p:nvSpPr>
-        <p:spPr>
-          <a:xfrm>
-            <a:off x="3963568" y="4016829"/>
-            <a:ext cx="3177491" cy="897697"/>
-          </a:xfrm>
-          <a:prstGeom prst="rect">
-            <a:avLst/>
-          </a:prstGeom>
-        </p:spPr>
-        <p:txBody>
-          <a:bodyPr vert="horz" lIns="0" tIns="45720" rIns="0" bIns="45720" rtlCol="0">
-            <a:normAutofit/>
-          </a:bodyPr>
-          <a:lstStyle>
-            <a:lvl1pPr marL="91440" indent="-91440" algn="l" defTabSz="914400" rtl="0" eaLnBrk="1" latinLnBrk="0" hangingPunct="1">
-              <a:lnSpc>
-                <a:spcPct val="90000"/>
-              </a:lnSpc>
-              <a:spcBef>
-                <a:spcPts val="1200"/>
-              </a:spcBef>
-              <a:spcAft>
-                <a:spcPts val="200"/>
-              </a:spcAft>
-              <a:buClr>
-                <a:schemeClr val="accent1"/>
-              </a:buClr>
-              <a:buSzPct val="100000"/>
-              <a:buFont typeface="Calibri" panose="020F0502020204030204" pitchFamily="34" charset="0"/>
-              <a:buChar char=" "/>
-              <a:defRPr kumimoji="1" sz="2000" kern="1200">
-                <a:solidFill>
-                  <a:schemeClr val="tx1">
-                    <a:lumMod val="75000"/>
-                    <a:lumOff val="25000"/>
-                  </a:schemeClr>
-                </a:solidFill>
-                <a:latin typeface="+mn-lt"/>
-                <a:ea typeface="+mn-ea"/>
-                <a:cs typeface="+mn-cs"/>
-              </a:defRPr>
-            </a:lvl1pPr>
-            <a:lvl2pPr marL="384048" indent="-182880" algn="l" defTabSz="914400" rtl="0" eaLnBrk="1" latinLnBrk="0" hangingPunct="1">
-              <a:lnSpc>
-                <a:spcPct val="90000"/>
-              </a:lnSpc>
-              <a:spcBef>
-                <a:spcPts val="200"/>
-              </a:spcBef>
-              <a:spcAft>
-                <a:spcPts val="400"/>
-              </a:spcAft>
-              <a:buClr>
-                <a:schemeClr val="accent1"/>
-              </a:buClr>
-              <a:buFont typeface="Calibri" pitchFamily="34" charset="0"/>
-              <a:buChar char="◦"/>
-              <a:defRPr kumimoji="1" sz="1800" kern="1200">
-                <a:solidFill>
-                  <a:schemeClr val="tx1">
-                    <a:lumMod val="75000"/>
-                    <a:lumOff val="25000"/>
-                  </a:schemeClr>
-                </a:solidFill>
-                <a:latin typeface="+mn-lt"/>
-                <a:ea typeface="+mn-ea"/>
-                <a:cs typeface="+mn-cs"/>
-              </a:defRPr>
-            </a:lvl2pPr>
-            <a:lvl3pPr marL="566928" indent="-182880" algn="l" defTabSz="914400" rtl="0" eaLnBrk="1" latinLnBrk="0" hangingPunct="1">
-              <a:lnSpc>
-                <a:spcPct val="90000"/>
-              </a:lnSpc>
-              <a:spcBef>
-                <a:spcPts val="200"/>
-              </a:spcBef>
-              <a:spcAft>
-                <a:spcPts val="400"/>
-              </a:spcAft>
-              <a:buClr>
-                <a:schemeClr val="accent1"/>
-              </a:buClr>
-              <a:buFont typeface="Calibri" pitchFamily="34" charset="0"/>
-              <a:buChar char="◦"/>
-              <a:defRPr kumimoji="1" sz="1400" kern="1200">
-                <a:solidFill>
-                  <a:schemeClr val="tx1">
-                    <a:lumMod val="75000"/>
-                    <a:lumOff val="25000"/>
-                  </a:schemeClr>
-                </a:solidFill>
-                <a:latin typeface="+mn-lt"/>
-                <a:ea typeface="+mn-ea"/>
-                <a:cs typeface="+mn-cs"/>
-              </a:defRPr>
-            </a:lvl3pPr>
-            <a:lvl4pPr marL="749808" indent="-182880" algn="l" defTabSz="914400" rtl="0" eaLnBrk="1" latinLnBrk="0" hangingPunct="1">
-              <a:lnSpc>
-                <a:spcPct val="90000"/>
-              </a:lnSpc>
-              <a:spcBef>
-                <a:spcPts val="200"/>
-              </a:spcBef>
-              <a:spcAft>
-                <a:spcPts val="400"/>
-              </a:spcAft>
-              <a:buClr>
-                <a:schemeClr val="accent1"/>
-              </a:buClr>
-              <a:buFont typeface="Calibri" pitchFamily="34" charset="0"/>
-              <a:buChar char="◦"/>
-              <a:defRPr kumimoji="1" sz="1400" kern="1200">
-                <a:solidFill>
-                  <a:schemeClr val="tx1">
-                    <a:lumMod val="75000"/>
-                    <a:lumOff val="25000"/>
-                  </a:schemeClr>
-                </a:solidFill>
-                <a:latin typeface="+mn-lt"/>
-                <a:ea typeface="+mn-ea"/>
-                <a:cs typeface="+mn-cs"/>
-              </a:defRPr>
-            </a:lvl4pPr>
-            <a:lvl5pPr marL="932688" indent="-182880" algn="l" defTabSz="914400" rtl="0" eaLnBrk="1" latinLnBrk="0" hangingPunct="1">
-              <a:lnSpc>
-                <a:spcPct val="90000"/>
-              </a:lnSpc>
-              <a:spcBef>
-                <a:spcPts val="200"/>
-              </a:spcBef>
-              <a:spcAft>
-                <a:spcPts val="400"/>
-              </a:spcAft>
-              <a:buClr>
-                <a:schemeClr val="accent1"/>
-              </a:buClr>
-              <a:buFont typeface="Calibri" pitchFamily="34" charset="0"/>
-              <a:buChar char="◦"/>
-              <a:defRPr kumimoji="1" sz="1400" kern="1200">
-                <a:solidFill>
-                  <a:schemeClr val="tx1">
-                    <a:lumMod val="75000"/>
-                    <a:lumOff val="25000"/>
-                  </a:schemeClr>
-                </a:solidFill>
-                <a:latin typeface="+mn-lt"/>
-                <a:ea typeface="+mn-ea"/>
-                <a:cs typeface="+mn-cs"/>
-              </a:defRPr>
-            </a:lvl5pPr>
-            <a:lvl6pPr marL="1100000" indent="-228600" algn="l" defTabSz="914400" rtl="0" eaLnBrk="1" latinLnBrk="0" hangingPunct="1">
-              <a:lnSpc>
-                <a:spcPct val="90000"/>
-              </a:lnSpc>
-              <a:spcBef>
-                <a:spcPts val="200"/>
-              </a:spcBef>
-              <a:spcAft>
-                <a:spcPts val="400"/>
-              </a:spcAft>
-              <a:buClr>
-                <a:schemeClr val="accent1"/>
-              </a:buClr>
-              <a:buFont typeface="Calibri" pitchFamily="34" charset="0"/>
-              <a:buChar char="◦"/>
-              <a:defRPr kumimoji="1" sz="1400" kern="1200">
-                <a:solidFill>
-                  <a:schemeClr val="tx1">
-                    <a:lumMod val="75000"/>
-                    <a:lumOff val="25000"/>
-                  </a:schemeClr>
-                </a:solidFill>
-                <a:latin typeface="+mn-lt"/>
-                <a:ea typeface="+mn-ea"/>
-                <a:cs typeface="+mn-cs"/>
-              </a:defRPr>
-            </a:lvl6pPr>
-            <a:lvl7pPr marL="1300000" indent="-228600" algn="l" defTabSz="914400" rtl="0" eaLnBrk="1" latinLnBrk="0" hangingPunct="1">
-              <a:lnSpc>
-                <a:spcPct val="90000"/>
-              </a:lnSpc>
-              <a:spcBef>
-                <a:spcPts val="200"/>
-              </a:spcBef>
-              <a:spcAft>
-                <a:spcPts val="400"/>
-              </a:spcAft>
-              <a:buClr>
-                <a:schemeClr val="accent1"/>
-              </a:buClr>
-              <a:buFont typeface="Calibri" pitchFamily="34" charset="0"/>
-              <a:buChar char="◦"/>
-              <a:defRPr kumimoji="1" sz="1400" kern="1200">
-                <a:solidFill>
-                  <a:schemeClr val="tx1">
-                    <a:lumMod val="75000"/>
-                    <a:lumOff val="25000"/>
-                  </a:schemeClr>
-                </a:solidFill>
-                <a:latin typeface="+mn-lt"/>
-                <a:ea typeface="+mn-ea"/>
-                <a:cs typeface="+mn-cs"/>
-              </a:defRPr>
-            </a:lvl7pPr>
-            <a:lvl8pPr marL="1500000" indent="-228600" algn="l" defTabSz="914400" rtl="0" eaLnBrk="1" latinLnBrk="0" hangingPunct="1">
-              <a:lnSpc>
-                <a:spcPct val="90000"/>
-              </a:lnSpc>
-              <a:spcBef>
-                <a:spcPts val="200"/>
-              </a:spcBef>
-              <a:spcAft>
-                <a:spcPts val="400"/>
-              </a:spcAft>
-              <a:buClr>
-                <a:schemeClr val="accent1"/>
-              </a:buClr>
-              <a:buFont typeface="Calibri" pitchFamily="34" charset="0"/>
-              <a:buChar char="◦"/>
-              <a:defRPr kumimoji="1" sz="1400" kern="1200">
-                <a:solidFill>
-                  <a:schemeClr val="tx1">
-                    <a:lumMod val="75000"/>
-                    <a:lumOff val="25000"/>
-                  </a:schemeClr>
-                </a:solidFill>
-                <a:latin typeface="+mn-lt"/>
-                <a:ea typeface="+mn-ea"/>
-                <a:cs typeface="+mn-cs"/>
-              </a:defRPr>
-            </a:lvl8pPr>
-            <a:lvl9pPr marL="1700000" indent="-228600" algn="l" defTabSz="914400" rtl="0" eaLnBrk="1" latinLnBrk="0" hangingPunct="1">
-              <a:lnSpc>
-                <a:spcPct val="90000"/>
-              </a:lnSpc>
-              <a:spcBef>
-                <a:spcPts val="200"/>
-              </a:spcBef>
-              <a:spcAft>
-                <a:spcPts val="400"/>
-              </a:spcAft>
-              <a:buClr>
-                <a:schemeClr val="accent1"/>
-              </a:buClr>
-              <a:buFont typeface="Calibri" pitchFamily="34" charset="0"/>
-              <a:buChar char="◦"/>
-              <a:defRPr kumimoji="1" sz="1400" kern="1200">
-                <a:solidFill>
-                  <a:schemeClr val="tx1">
-                    <a:lumMod val="75000"/>
-                    <a:lumOff val="25000"/>
-                  </a:schemeClr>
-                </a:solidFill>
-                <a:latin typeface="+mn-lt"/>
-                <a:ea typeface="+mn-ea"/>
-                <a:cs typeface="+mn-cs"/>
-              </a:defRPr>
-            </a:lvl9pPr>
-          </a:lstStyle>
-          <a:p>
-            <a:r>
-              <a:rPr lang="ja-JP" altLang="en-US" dirty="0"/>
-              <a:t>・必要に応じてスケジュールを参照、更新</a:t>
-            </a:r>
-          </a:p>
-        </p:txBody>
-      </p:sp>
-      <p:sp>
-        <p:nvSpPr>
-          <p:cNvPr id="12" name="コンテンツ プレースホルダー 2">
-            <a:extLst>
-              <a:ext uri="{FF2B5EF4-FFF2-40B4-BE49-F238E27FC236}">
-                <a16:creationId xmlns:a16="http://schemas.microsoft.com/office/drawing/2014/main" id="{D4274BE2-906B-4F04-53C1-A13335A2AAAD}"/>
-              </a:ext>
-            </a:extLst>
-          </p:cNvPr>
-          <p:cNvSpPr txBox="1">
-            <a:spLocks/>
-          </p:cNvSpPr>
-          <p:nvPr/>
-        </p:nvSpPr>
-        <p:spPr>
-          <a:xfrm>
-            <a:off x="7814600" y="3567980"/>
-            <a:ext cx="3177491" cy="897697"/>
-          </a:xfrm>
-          <a:prstGeom prst="rect">
-            <a:avLst/>
-          </a:prstGeom>
-        </p:spPr>
-        <p:txBody>
-          <a:bodyPr vert="horz" lIns="0" tIns="45720" rIns="0" bIns="45720" rtlCol="0">
-            <a:normAutofit/>
-          </a:bodyPr>
-          <a:lstStyle>
-            <a:lvl1pPr marL="91440" indent="-91440" algn="l" defTabSz="914400" rtl="0" eaLnBrk="1" latinLnBrk="0" hangingPunct="1">
-              <a:lnSpc>
-                <a:spcPct val="90000"/>
-              </a:lnSpc>
-              <a:spcBef>
-                <a:spcPts val="1200"/>
-              </a:spcBef>
-              <a:spcAft>
-                <a:spcPts val="200"/>
-              </a:spcAft>
-              <a:buClr>
-                <a:schemeClr val="accent1"/>
-              </a:buClr>
-              <a:buSzPct val="100000"/>
-              <a:buFont typeface="Calibri" panose="020F0502020204030204" pitchFamily="34" charset="0"/>
-              <a:buChar char=" "/>
-              <a:defRPr kumimoji="1" sz="2000" kern="1200">
-                <a:solidFill>
-                  <a:schemeClr val="tx1">
-                    <a:lumMod val="75000"/>
-                    <a:lumOff val="25000"/>
-                  </a:schemeClr>
-                </a:solidFill>
-                <a:latin typeface="+mn-lt"/>
-                <a:ea typeface="+mn-ea"/>
-                <a:cs typeface="+mn-cs"/>
-              </a:defRPr>
-            </a:lvl1pPr>
-            <a:lvl2pPr marL="384048" indent="-182880" algn="l" defTabSz="914400" rtl="0" eaLnBrk="1" latinLnBrk="0" hangingPunct="1">
-              <a:lnSpc>
-                <a:spcPct val="90000"/>
-              </a:lnSpc>
-              <a:spcBef>
-                <a:spcPts val="200"/>
-              </a:spcBef>
-              <a:spcAft>
-                <a:spcPts val="400"/>
-              </a:spcAft>
-              <a:buClr>
-                <a:schemeClr val="accent1"/>
-              </a:buClr>
-              <a:buFont typeface="Calibri" pitchFamily="34" charset="0"/>
-              <a:buChar char="◦"/>
-              <a:defRPr kumimoji="1" sz="1800" kern="1200">
-                <a:solidFill>
-                  <a:schemeClr val="tx1">
-                    <a:lumMod val="75000"/>
-                    <a:lumOff val="25000"/>
-                  </a:schemeClr>
-                </a:solidFill>
-                <a:latin typeface="+mn-lt"/>
-                <a:ea typeface="+mn-ea"/>
-                <a:cs typeface="+mn-cs"/>
-              </a:defRPr>
-            </a:lvl2pPr>
-            <a:lvl3pPr marL="566928" indent="-182880" algn="l" defTabSz="914400" rtl="0" eaLnBrk="1" latinLnBrk="0" hangingPunct="1">
-              <a:lnSpc>
-                <a:spcPct val="90000"/>
-              </a:lnSpc>
-              <a:spcBef>
-                <a:spcPts val="200"/>
-              </a:spcBef>
-              <a:spcAft>
-                <a:spcPts val="400"/>
-              </a:spcAft>
-              <a:buClr>
-                <a:schemeClr val="accent1"/>
-              </a:buClr>
-              <a:buFont typeface="Calibri" pitchFamily="34" charset="0"/>
-              <a:buChar char="◦"/>
-              <a:defRPr kumimoji="1" sz="1400" kern="1200">
-                <a:solidFill>
-                  <a:schemeClr val="tx1">
-                    <a:lumMod val="75000"/>
-                    <a:lumOff val="25000"/>
-                  </a:schemeClr>
-                </a:solidFill>
-                <a:latin typeface="+mn-lt"/>
-                <a:ea typeface="+mn-ea"/>
-                <a:cs typeface="+mn-cs"/>
-              </a:defRPr>
-            </a:lvl3pPr>
-            <a:lvl4pPr marL="749808" indent="-182880" algn="l" defTabSz="914400" rtl="0" eaLnBrk="1" latinLnBrk="0" hangingPunct="1">
-              <a:lnSpc>
-                <a:spcPct val="90000"/>
-              </a:lnSpc>
-              <a:spcBef>
-                <a:spcPts val="200"/>
-              </a:spcBef>
-              <a:spcAft>
-                <a:spcPts val="400"/>
-              </a:spcAft>
-              <a:buClr>
-                <a:schemeClr val="accent1"/>
-              </a:buClr>
-              <a:buFont typeface="Calibri" pitchFamily="34" charset="0"/>
-              <a:buChar char="◦"/>
-              <a:defRPr kumimoji="1" sz="1400" kern="1200">
-                <a:solidFill>
-                  <a:schemeClr val="tx1">
-                    <a:lumMod val="75000"/>
-                    <a:lumOff val="25000"/>
-                  </a:schemeClr>
-                </a:solidFill>
-                <a:latin typeface="+mn-lt"/>
-                <a:ea typeface="+mn-ea"/>
-                <a:cs typeface="+mn-cs"/>
-              </a:defRPr>
-            </a:lvl4pPr>
-            <a:lvl5pPr marL="932688" indent="-182880" algn="l" defTabSz="914400" rtl="0" eaLnBrk="1" latinLnBrk="0" hangingPunct="1">
-              <a:lnSpc>
-                <a:spcPct val="90000"/>
-              </a:lnSpc>
-              <a:spcBef>
-                <a:spcPts val="200"/>
-              </a:spcBef>
-              <a:spcAft>
-                <a:spcPts val="400"/>
-              </a:spcAft>
-              <a:buClr>
-                <a:schemeClr val="accent1"/>
-              </a:buClr>
-              <a:buFont typeface="Calibri" pitchFamily="34" charset="0"/>
-              <a:buChar char="◦"/>
-              <a:defRPr kumimoji="1" sz="1400" kern="1200">
-                <a:solidFill>
-                  <a:schemeClr val="tx1">
-                    <a:lumMod val="75000"/>
-                    <a:lumOff val="25000"/>
-                  </a:schemeClr>
-                </a:solidFill>
-                <a:latin typeface="+mn-lt"/>
-                <a:ea typeface="+mn-ea"/>
-                <a:cs typeface="+mn-cs"/>
-              </a:defRPr>
-            </a:lvl5pPr>
-            <a:lvl6pPr marL="1100000" indent="-228600" algn="l" defTabSz="914400" rtl="0" eaLnBrk="1" latinLnBrk="0" hangingPunct="1">
-              <a:lnSpc>
-                <a:spcPct val="90000"/>
-              </a:lnSpc>
-              <a:spcBef>
-                <a:spcPts val="200"/>
-              </a:spcBef>
-              <a:spcAft>
-                <a:spcPts val="400"/>
-              </a:spcAft>
-              <a:buClr>
-                <a:schemeClr val="accent1"/>
-              </a:buClr>
-              <a:buFont typeface="Calibri" pitchFamily="34" charset="0"/>
-              <a:buChar char="◦"/>
-              <a:defRPr kumimoji="1" sz="1400" kern="1200">
-                <a:solidFill>
-                  <a:schemeClr val="tx1">
-                    <a:lumMod val="75000"/>
-                    <a:lumOff val="25000"/>
-                  </a:schemeClr>
-                </a:solidFill>
-                <a:latin typeface="+mn-lt"/>
-                <a:ea typeface="+mn-ea"/>
-                <a:cs typeface="+mn-cs"/>
-              </a:defRPr>
-            </a:lvl6pPr>
-            <a:lvl7pPr marL="1300000" indent="-228600" algn="l" defTabSz="914400" rtl="0" eaLnBrk="1" latinLnBrk="0" hangingPunct="1">
-              <a:lnSpc>
-                <a:spcPct val="90000"/>
-              </a:lnSpc>
-              <a:spcBef>
-                <a:spcPts val="200"/>
-              </a:spcBef>
-              <a:spcAft>
-                <a:spcPts val="400"/>
-              </a:spcAft>
-              <a:buClr>
-                <a:schemeClr val="accent1"/>
-              </a:buClr>
-              <a:buFont typeface="Calibri" pitchFamily="34" charset="0"/>
-              <a:buChar char="◦"/>
-              <a:defRPr kumimoji="1" sz="1400" kern="1200">
-                <a:solidFill>
-                  <a:schemeClr val="tx1">
-                    <a:lumMod val="75000"/>
-                    <a:lumOff val="25000"/>
-                  </a:schemeClr>
-                </a:solidFill>
-                <a:latin typeface="+mn-lt"/>
-                <a:ea typeface="+mn-ea"/>
-                <a:cs typeface="+mn-cs"/>
-              </a:defRPr>
-            </a:lvl7pPr>
-            <a:lvl8pPr marL="1500000" indent="-228600" algn="l" defTabSz="914400" rtl="0" eaLnBrk="1" latinLnBrk="0" hangingPunct="1">
-              <a:lnSpc>
-                <a:spcPct val="90000"/>
-              </a:lnSpc>
-              <a:spcBef>
-                <a:spcPts val="200"/>
-              </a:spcBef>
-              <a:spcAft>
-                <a:spcPts val="400"/>
-              </a:spcAft>
-              <a:buClr>
-                <a:schemeClr val="accent1"/>
-              </a:buClr>
-              <a:buFont typeface="Calibri" pitchFamily="34" charset="0"/>
-              <a:buChar char="◦"/>
-              <a:defRPr kumimoji="1" sz="1400" kern="1200">
-                <a:solidFill>
-                  <a:schemeClr val="tx1">
-                    <a:lumMod val="75000"/>
-                    <a:lumOff val="25000"/>
-                  </a:schemeClr>
-                </a:solidFill>
-                <a:latin typeface="+mn-lt"/>
-                <a:ea typeface="+mn-ea"/>
-                <a:cs typeface="+mn-cs"/>
-              </a:defRPr>
-            </a:lvl8pPr>
-            <a:lvl9pPr marL="1700000" indent="-228600" algn="l" defTabSz="914400" rtl="0" eaLnBrk="1" latinLnBrk="0" hangingPunct="1">
-              <a:lnSpc>
-                <a:spcPct val="90000"/>
-              </a:lnSpc>
-              <a:spcBef>
-                <a:spcPts val="200"/>
-              </a:spcBef>
-              <a:spcAft>
-                <a:spcPts val="400"/>
-              </a:spcAft>
-              <a:buClr>
-                <a:schemeClr val="accent1"/>
-              </a:buClr>
-              <a:buFont typeface="Calibri" pitchFamily="34" charset="0"/>
-              <a:buChar char="◦"/>
-              <a:defRPr kumimoji="1" sz="1400" kern="1200">
-                <a:solidFill>
-                  <a:schemeClr val="tx1">
-                    <a:lumMod val="75000"/>
-                    <a:lumOff val="25000"/>
-                  </a:schemeClr>
-                </a:solidFill>
-                <a:latin typeface="+mn-lt"/>
-                <a:ea typeface="+mn-ea"/>
-                <a:cs typeface="+mn-cs"/>
-              </a:defRPr>
-            </a:lvl9pPr>
-          </a:lstStyle>
-          <a:p>
-            <a:r>
-              <a:rPr lang="ja-JP" altLang="en-US" dirty="0"/>
-              <a:t>（</a:t>
-            </a:r>
-            <a:r>
-              <a:rPr lang="en-US" altLang="ja-JP" dirty="0"/>
-              <a:t>Google</a:t>
-            </a:r>
-            <a:r>
-              <a:rPr lang="ja-JP" altLang="en-US" dirty="0"/>
-              <a:t>スプレッドシート）</a:t>
-            </a:r>
-          </a:p>
-        </p:txBody>
-      </p:sp>
-      <p:sp>
-        <p:nvSpPr>
-          <p:cNvPr id="13" name="コンテンツ プレースホルダー 2">
-            <a:extLst>
-              <a:ext uri="{FF2B5EF4-FFF2-40B4-BE49-F238E27FC236}">
-                <a16:creationId xmlns:a16="http://schemas.microsoft.com/office/drawing/2014/main" id="{7860D301-2523-5583-92DD-E23F9A725D35}"/>
-              </a:ext>
-            </a:extLst>
-          </p:cNvPr>
-          <p:cNvSpPr txBox="1">
-            <a:spLocks/>
-          </p:cNvSpPr>
-          <p:nvPr/>
-        </p:nvSpPr>
-        <p:spPr>
-          <a:xfrm>
-            <a:off x="1095941" y="4016828"/>
-            <a:ext cx="3177491" cy="897697"/>
-          </a:xfrm>
-          <a:prstGeom prst="rect">
-            <a:avLst/>
-          </a:prstGeom>
-        </p:spPr>
-        <p:txBody>
-          <a:bodyPr vert="horz" lIns="0" tIns="45720" rIns="0" bIns="45720" rtlCol="0">
-            <a:normAutofit/>
-          </a:bodyPr>
-          <a:lstStyle>
-            <a:lvl1pPr marL="91440" indent="-91440" algn="l" defTabSz="914400" rtl="0" eaLnBrk="1" latinLnBrk="0" hangingPunct="1">
-              <a:lnSpc>
-                <a:spcPct val="90000"/>
-              </a:lnSpc>
-              <a:spcBef>
-                <a:spcPts val="1200"/>
-              </a:spcBef>
-              <a:spcAft>
-                <a:spcPts val="200"/>
-              </a:spcAft>
-              <a:buClr>
-                <a:schemeClr val="accent1"/>
-              </a:buClr>
-              <a:buSzPct val="100000"/>
-              <a:buFont typeface="Calibri" panose="020F0502020204030204" pitchFamily="34" charset="0"/>
-              <a:buChar char=" "/>
-              <a:defRPr kumimoji="1" sz="2000" kern="1200">
-                <a:solidFill>
-                  <a:schemeClr val="tx1">
-                    <a:lumMod val="75000"/>
-                    <a:lumOff val="25000"/>
-                  </a:schemeClr>
-                </a:solidFill>
-                <a:latin typeface="+mn-lt"/>
-                <a:ea typeface="+mn-ea"/>
-                <a:cs typeface="+mn-cs"/>
-              </a:defRPr>
-            </a:lvl1pPr>
-            <a:lvl2pPr marL="384048" indent="-182880" algn="l" defTabSz="914400" rtl="0" eaLnBrk="1" latinLnBrk="0" hangingPunct="1">
-              <a:lnSpc>
-                <a:spcPct val="90000"/>
-              </a:lnSpc>
-              <a:spcBef>
-                <a:spcPts val="200"/>
-              </a:spcBef>
-              <a:spcAft>
-                <a:spcPts val="400"/>
-              </a:spcAft>
-              <a:buClr>
-                <a:schemeClr val="accent1"/>
-              </a:buClr>
-              <a:buFont typeface="Calibri" pitchFamily="34" charset="0"/>
-              <a:buChar char="◦"/>
-              <a:defRPr kumimoji="1" sz="1800" kern="1200">
-                <a:solidFill>
-                  <a:schemeClr val="tx1">
-                    <a:lumMod val="75000"/>
-                    <a:lumOff val="25000"/>
-                  </a:schemeClr>
-                </a:solidFill>
-                <a:latin typeface="+mn-lt"/>
-                <a:ea typeface="+mn-ea"/>
-                <a:cs typeface="+mn-cs"/>
-              </a:defRPr>
-            </a:lvl2pPr>
-            <a:lvl3pPr marL="566928" indent="-182880" algn="l" defTabSz="914400" rtl="0" eaLnBrk="1" latinLnBrk="0" hangingPunct="1">
-              <a:lnSpc>
-                <a:spcPct val="90000"/>
-              </a:lnSpc>
-              <a:spcBef>
-                <a:spcPts val="200"/>
-              </a:spcBef>
-              <a:spcAft>
-                <a:spcPts val="400"/>
-              </a:spcAft>
-              <a:buClr>
-                <a:schemeClr val="accent1"/>
-              </a:buClr>
-              <a:buFont typeface="Calibri" pitchFamily="34" charset="0"/>
-              <a:buChar char="◦"/>
-              <a:defRPr kumimoji="1" sz="1400" kern="1200">
-                <a:solidFill>
-                  <a:schemeClr val="tx1">
-                    <a:lumMod val="75000"/>
-                    <a:lumOff val="25000"/>
-                  </a:schemeClr>
-                </a:solidFill>
-                <a:latin typeface="+mn-lt"/>
-                <a:ea typeface="+mn-ea"/>
-                <a:cs typeface="+mn-cs"/>
-              </a:defRPr>
-            </a:lvl3pPr>
-            <a:lvl4pPr marL="749808" indent="-182880" algn="l" defTabSz="914400" rtl="0" eaLnBrk="1" latinLnBrk="0" hangingPunct="1">
-              <a:lnSpc>
-                <a:spcPct val="90000"/>
-              </a:lnSpc>
-              <a:spcBef>
-                <a:spcPts val="200"/>
-              </a:spcBef>
-              <a:spcAft>
-                <a:spcPts val="400"/>
-              </a:spcAft>
-              <a:buClr>
-                <a:schemeClr val="accent1"/>
-              </a:buClr>
-              <a:buFont typeface="Calibri" pitchFamily="34" charset="0"/>
-              <a:buChar char="◦"/>
-              <a:defRPr kumimoji="1" sz="1400" kern="1200">
-                <a:solidFill>
-                  <a:schemeClr val="tx1">
-                    <a:lumMod val="75000"/>
-                    <a:lumOff val="25000"/>
-                  </a:schemeClr>
-                </a:solidFill>
-                <a:latin typeface="+mn-lt"/>
-                <a:ea typeface="+mn-ea"/>
-                <a:cs typeface="+mn-cs"/>
-              </a:defRPr>
-            </a:lvl4pPr>
-            <a:lvl5pPr marL="932688" indent="-182880" algn="l" defTabSz="914400" rtl="0" eaLnBrk="1" latinLnBrk="0" hangingPunct="1">
-              <a:lnSpc>
-                <a:spcPct val="90000"/>
-              </a:lnSpc>
-              <a:spcBef>
-                <a:spcPts val="200"/>
-              </a:spcBef>
-              <a:spcAft>
-                <a:spcPts val="400"/>
-              </a:spcAft>
-              <a:buClr>
-                <a:schemeClr val="accent1"/>
-              </a:buClr>
-              <a:buFont typeface="Calibri" pitchFamily="34" charset="0"/>
-              <a:buChar char="◦"/>
-              <a:defRPr kumimoji="1" sz="1400" kern="1200">
-                <a:solidFill>
-                  <a:schemeClr val="tx1">
-                    <a:lumMod val="75000"/>
-                    <a:lumOff val="25000"/>
-                  </a:schemeClr>
-                </a:solidFill>
-                <a:latin typeface="+mn-lt"/>
-                <a:ea typeface="+mn-ea"/>
-                <a:cs typeface="+mn-cs"/>
-              </a:defRPr>
-            </a:lvl5pPr>
-            <a:lvl6pPr marL="1100000" indent="-228600" algn="l" defTabSz="914400" rtl="0" eaLnBrk="1" latinLnBrk="0" hangingPunct="1">
-              <a:lnSpc>
-                <a:spcPct val="90000"/>
-              </a:lnSpc>
-              <a:spcBef>
-                <a:spcPts val="200"/>
-              </a:spcBef>
-              <a:spcAft>
-                <a:spcPts val="400"/>
-              </a:spcAft>
-              <a:buClr>
-                <a:schemeClr val="accent1"/>
-              </a:buClr>
-              <a:buFont typeface="Calibri" pitchFamily="34" charset="0"/>
-              <a:buChar char="◦"/>
-              <a:defRPr kumimoji="1" sz="1400" kern="1200">
-                <a:solidFill>
-                  <a:schemeClr val="tx1">
-                    <a:lumMod val="75000"/>
-                    <a:lumOff val="25000"/>
-                  </a:schemeClr>
-                </a:solidFill>
-                <a:latin typeface="+mn-lt"/>
-                <a:ea typeface="+mn-ea"/>
-                <a:cs typeface="+mn-cs"/>
-              </a:defRPr>
-            </a:lvl6pPr>
-            <a:lvl7pPr marL="1300000" indent="-228600" algn="l" defTabSz="914400" rtl="0" eaLnBrk="1" latinLnBrk="0" hangingPunct="1">
-              <a:lnSpc>
-                <a:spcPct val="90000"/>
-              </a:lnSpc>
-              <a:spcBef>
-                <a:spcPts val="200"/>
-              </a:spcBef>
-              <a:spcAft>
-                <a:spcPts val="400"/>
-              </a:spcAft>
-              <a:buClr>
-                <a:schemeClr val="accent1"/>
-              </a:buClr>
-              <a:buFont typeface="Calibri" pitchFamily="34" charset="0"/>
-              <a:buChar char="◦"/>
-              <a:defRPr kumimoji="1" sz="1400" kern="1200">
-                <a:solidFill>
-                  <a:schemeClr val="tx1">
-                    <a:lumMod val="75000"/>
-                    <a:lumOff val="25000"/>
-                  </a:schemeClr>
-                </a:solidFill>
-                <a:latin typeface="+mn-lt"/>
-                <a:ea typeface="+mn-ea"/>
-                <a:cs typeface="+mn-cs"/>
-              </a:defRPr>
-            </a:lvl7pPr>
-            <a:lvl8pPr marL="1500000" indent="-228600" algn="l" defTabSz="914400" rtl="0" eaLnBrk="1" latinLnBrk="0" hangingPunct="1">
-              <a:lnSpc>
-                <a:spcPct val="90000"/>
-              </a:lnSpc>
-              <a:spcBef>
-                <a:spcPts val="200"/>
-              </a:spcBef>
-              <a:spcAft>
-                <a:spcPts val="400"/>
-              </a:spcAft>
-              <a:buClr>
-                <a:schemeClr val="accent1"/>
-              </a:buClr>
-              <a:buFont typeface="Calibri" pitchFamily="34" charset="0"/>
-              <a:buChar char="◦"/>
-              <a:defRPr kumimoji="1" sz="1400" kern="1200">
-                <a:solidFill>
-                  <a:schemeClr val="tx1">
-                    <a:lumMod val="75000"/>
-                    <a:lumOff val="25000"/>
-                  </a:schemeClr>
-                </a:solidFill>
-                <a:latin typeface="+mn-lt"/>
-                <a:ea typeface="+mn-ea"/>
-                <a:cs typeface="+mn-cs"/>
-              </a:defRPr>
-            </a:lvl8pPr>
-            <a:lvl9pPr marL="1700000" indent="-228600" algn="l" defTabSz="914400" rtl="0" eaLnBrk="1" latinLnBrk="0" hangingPunct="1">
-              <a:lnSpc>
-                <a:spcPct val="90000"/>
-              </a:lnSpc>
-              <a:spcBef>
-                <a:spcPts val="200"/>
-              </a:spcBef>
-              <a:spcAft>
-                <a:spcPts val="400"/>
-              </a:spcAft>
-              <a:buClr>
-                <a:schemeClr val="accent1"/>
-              </a:buClr>
-              <a:buFont typeface="Calibri" pitchFamily="34" charset="0"/>
-              <a:buChar char="◦"/>
-              <a:defRPr kumimoji="1" sz="1400" kern="1200">
-                <a:solidFill>
-                  <a:schemeClr val="tx1">
-                    <a:lumMod val="75000"/>
-                    <a:lumOff val="25000"/>
-                  </a:schemeClr>
-                </a:solidFill>
-                <a:latin typeface="+mn-lt"/>
-                <a:ea typeface="+mn-ea"/>
-                <a:cs typeface="+mn-cs"/>
-              </a:defRPr>
-            </a:lvl9pPr>
-          </a:lstStyle>
-          <a:p>
-            <a:pPr marL="0" indent="0">
-              <a:buNone/>
-            </a:pPr>
-            <a:r>
-              <a:rPr lang="ja-JP" altLang="en-US" dirty="0"/>
-              <a:t>文章を入力</a:t>
-            </a:r>
-          </a:p>
-        </p:txBody>
-      </p:sp>
     </p:spTree>
     <p:extLst>
       <p:ext uri="{BB962C8B-B14F-4D97-AF65-F5344CB8AC3E}">
@@ -7347,6 +7015,757 @@
   <p:cSld>
     <p:spTree>
       <p:nvGrpSpPr>
+        <p:cNvPr id="1" name="">
+          <a:extLst>
+            <a:ext uri="{FF2B5EF4-FFF2-40B4-BE49-F238E27FC236}">
+              <a16:creationId xmlns:a16="http://schemas.microsoft.com/office/drawing/2014/main" id="{6C699E71-1BDC-66ED-F26F-629AAE112EFD}"/>
+            </a:ext>
+          </a:extLst>
+        </p:cNvPr>
+        <p:cNvGrpSpPr/>
+        <p:nvPr/>
+      </p:nvGrpSpPr>
+      <p:grpSpPr>
+        <a:xfrm>
+          <a:off x="0" y="0"/>
+          <a:ext cx="0" cy="0"/>
+          <a:chOff x="0" y="0"/>
+          <a:chExt cx="0" cy="0"/>
+        </a:xfrm>
+      </p:grpSpPr>
+      <p:sp>
+        <p:nvSpPr>
+          <p:cNvPr id="2" name="タイトル 1">
+            <a:extLst>
+              <a:ext uri="{FF2B5EF4-FFF2-40B4-BE49-F238E27FC236}">
+                <a16:creationId xmlns:a16="http://schemas.microsoft.com/office/drawing/2014/main" id="{67841A17-9ECC-DCC1-154E-52A883F5E2A8}"/>
+              </a:ext>
+            </a:extLst>
+          </p:cNvPr>
+          <p:cNvSpPr>
+            <a:spLocks noGrp="1"/>
+          </p:cNvSpPr>
+          <p:nvPr>
+            <p:ph type="title"/>
+          </p:nvPr>
+        </p:nvSpPr>
+        <p:spPr/>
+        <p:txBody>
+          <a:bodyPr/>
+          <a:lstStyle/>
+          <a:p>
+            <a:r>
+              <a:rPr kumimoji="1" lang="ja-JP" altLang="en-US" dirty="0"/>
+              <a:t>実行例②</a:t>
+            </a:r>
+          </a:p>
+        </p:txBody>
+      </p:sp>
+      <p:sp>
+        <p:nvSpPr>
+          <p:cNvPr id="3" name="コンテンツ プレースホルダー 2">
+            <a:extLst>
+              <a:ext uri="{FF2B5EF4-FFF2-40B4-BE49-F238E27FC236}">
+                <a16:creationId xmlns:a16="http://schemas.microsoft.com/office/drawing/2014/main" id="{A6B42AF0-5F6D-3552-BE97-93BEE1DBC4A5}"/>
+              </a:ext>
+            </a:extLst>
+          </p:cNvPr>
+          <p:cNvSpPr>
+            <a:spLocks noGrp="1"/>
+          </p:cNvSpPr>
+          <p:nvPr>
+            <p:ph idx="1"/>
+          </p:nvPr>
+        </p:nvSpPr>
+        <p:spPr>
+          <a:xfrm>
+            <a:off x="523650" y="1905370"/>
+            <a:ext cx="4325936" cy="919473"/>
+          </a:xfrm>
+        </p:spPr>
+        <p:txBody>
+          <a:bodyPr>
+            <a:normAutofit/>
+          </a:bodyPr>
+          <a:lstStyle/>
+          <a:p>
+            <a:r>
+              <a:rPr kumimoji="1" lang="ja-JP" altLang="en-US" sz="2800" dirty="0"/>
+              <a:t>入力</a:t>
+            </a:r>
+          </a:p>
+        </p:txBody>
+      </p:sp>
+      <p:sp>
+        <p:nvSpPr>
+          <p:cNvPr id="4" name="コンテンツ プレースホルダー 2">
+            <a:extLst>
+              <a:ext uri="{FF2B5EF4-FFF2-40B4-BE49-F238E27FC236}">
+                <a16:creationId xmlns:a16="http://schemas.microsoft.com/office/drawing/2014/main" id="{7E4935E3-EBB0-53AC-5A65-E3B86745F2C5}"/>
+              </a:ext>
+            </a:extLst>
+          </p:cNvPr>
+          <p:cNvSpPr txBox="1">
+            <a:spLocks/>
+          </p:cNvSpPr>
+          <p:nvPr/>
+        </p:nvSpPr>
+        <p:spPr>
+          <a:xfrm>
+            <a:off x="523650" y="3429000"/>
+            <a:ext cx="4325936" cy="919473"/>
+          </a:xfrm>
+          <a:prstGeom prst="rect">
+            <a:avLst/>
+          </a:prstGeom>
+        </p:spPr>
+        <p:txBody>
+          <a:bodyPr vert="horz" lIns="0" tIns="45720" rIns="0" bIns="45720" rtlCol="0">
+            <a:normAutofit/>
+          </a:bodyPr>
+          <a:lstStyle>
+            <a:lvl1pPr marL="91440" indent="-91440" algn="l" defTabSz="914400" rtl="0" eaLnBrk="1" latinLnBrk="0" hangingPunct="1">
+              <a:lnSpc>
+                <a:spcPct val="90000"/>
+              </a:lnSpc>
+              <a:spcBef>
+                <a:spcPts val="1200"/>
+              </a:spcBef>
+              <a:spcAft>
+                <a:spcPts val="200"/>
+              </a:spcAft>
+              <a:buClr>
+                <a:schemeClr val="accent1"/>
+              </a:buClr>
+              <a:buSzPct val="100000"/>
+              <a:buFont typeface="Calibri" panose="020F0502020204030204" pitchFamily="34" charset="0"/>
+              <a:buChar char=" "/>
+              <a:defRPr kumimoji="1" sz="2000" kern="1200">
+                <a:solidFill>
+                  <a:schemeClr val="tx1">
+                    <a:lumMod val="75000"/>
+                    <a:lumOff val="25000"/>
+                  </a:schemeClr>
+                </a:solidFill>
+                <a:latin typeface="+mn-lt"/>
+                <a:ea typeface="+mn-ea"/>
+                <a:cs typeface="+mn-cs"/>
+              </a:defRPr>
+            </a:lvl1pPr>
+            <a:lvl2pPr marL="384048" indent="-182880" algn="l" defTabSz="914400" rtl="0" eaLnBrk="1" latinLnBrk="0" hangingPunct="1">
+              <a:lnSpc>
+                <a:spcPct val="90000"/>
+              </a:lnSpc>
+              <a:spcBef>
+                <a:spcPts val="200"/>
+              </a:spcBef>
+              <a:spcAft>
+                <a:spcPts val="400"/>
+              </a:spcAft>
+              <a:buClr>
+                <a:schemeClr val="accent1"/>
+              </a:buClr>
+              <a:buFont typeface="Calibri" pitchFamily="34" charset="0"/>
+              <a:buChar char="◦"/>
+              <a:defRPr kumimoji="1" sz="1800" kern="1200">
+                <a:solidFill>
+                  <a:schemeClr val="tx1">
+                    <a:lumMod val="75000"/>
+                    <a:lumOff val="25000"/>
+                  </a:schemeClr>
+                </a:solidFill>
+                <a:latin typeface="+mn-lt"/>
+                <a:ea typeface="+mn-ea"/>
+                <a:cs typeface="+mn-cs"/>
+              </a:defRPr>
+            </a:lvl2pPr>
+            <a:lvl3pPr marL="566928" indent="-182880" algn="l" defTabSz="914400" rtl="0" eaLnBrk="1" latinLnBrk="0" hangingPunct="1">
+              <a:lnSpc>
+                <a:spcPct val="90000"/>
+              </a:lnSpc>
+              <a:spcBef>
+                <a:spcPts val="200"/>
+              </a:spcBef>
+              <a:spcAft>
+                <a:spcPts val="400"/>
+              </a:spcAft>
+              <a:buClr>
+                <a:schemeClr val="accent1"/>
+              </a:buClr>
+              <a:buFont typeface="Calibri" pitchFamily="34" charset="0"/>
+              <a:buChar char="◦"/>
+              <a:defRPr kumimoji="1" sz="1400" kern="1200">
+                <a:solidFill>
+                  <a:schemeClr val="tx1">
+                    <a:lumMod val="75000"/>
+                    <a:lumOff val="25000"/>
+                  </a:schemeClr>
+                </a:solidFill>
+                <a:latin typeface="+mn-lt"/>
+                <a:ea typeface="+mn-ea"/>
+                <a:cs typeface="+mn-cs"/>
+              </a:defRPr>
+            </a:lvl3pPr>
+            <a:lvl4pPr marL="749808" indent="-182880" algn="l" defTabSz="914400" rtl="0" eaLnBrk="1" latinLnBrk="0" hangingPunct="1">
+              <a:lnSpc>
+                <a:spcPct val="90000"/>
+              </a:lnSpc>
+              <a:spcBef>
+                <a:spcPts val="200"/>
+              </a:spcBef>
+              <a:spcAft>
+                <a:spcPts val="400"/>
+              </a:spcAft>
+              <a:buClr>
+                <a:schemeClr val="accent1"/>
+              </a:buClr>
+              <a:buFont typeface="Calibri" pitchFamily="34" charset="0"/>
+              <a:buChar char="◦"/>
+              <a:defRPr kumimoji="1" sz="1400" kern="1200">
+                <a:solidFill>
+                  <a:schemeClr val="tx1">
+                    <a:lumMod val="75000"/>
+                    <a:lumOff val="25000"/>
+                  </a:schemeClr>
+                </a:solidFill>
+                <a:latin typeface="+mn-lt"/>
+                <a:ea typeface="+mn-ea"/>
+                <a:cs typeface="+mn-cs"/>
+              </a:defRPr>
+            </a:lvl4pPr>
+            <a:lvl5pPr marL="932688" indent="-182880" algn="l" defTabSz="914400" rtl="0" eaLnBrk="1" latinLnBrk="0" hangingPunct="1">
+              <a:lnSpc>
+                <a:spcPct val="90000"/>
+              </a:lnSpc>
+              <a:spcBef>
+                <a:spcPts val="200"/>
+              </a:spcBef>
+              <a:spcAft>
+                <a:spcPts val="400"/>
+              </a:spcAft>
+              <a:buClr>
+                <a:schemeClr val="accent1"/>
+              </a:buClr>
+              <a:buFont typeface="Calibri" pitchFamily="34" charset="0"/>
+              <a:buChar char="◦"/>
+              <a:defRPr kumimoji="1" sz="1400" kern="1200">
+                <a:solidFill>
+                  <a:schemeClr val="tx1">
+                    <a:lumMod val="75000"/>
+                    <a:lumOff val="25000"/>
+                  </a:schemeClr>
+                </a:solidFill>
+                <a:latin typeface="+mn-lt"/>
+                <a:ea typeface="+mn-ea"/>
+                <a:cs typeface="+mn-cs"/>
+              </a:defRPr>
+            </a:lvl5pPr>
+            <a:lvl6pPr marL="1100000" indent="-228600" algn="l" defTabSz="914400" rtl="0" eaLnBrk="1" latinLnBrk="0" hangingPunct="1">
+              <a:lnSpc>
+                <a:spcPct val="90000"/>
+              </a:lnSpc>
+              <a:spcBef>
+                <a:spcPts val="200"/>
+              </a:spcBef>
+              <a:spcAft>
+                <a:spcPts val="400"/>
+              </a:spcAft>
+              <a:buClr>
+                <a:schemeClr val="accent1"/>
+              </a:buClr>
+              <a:buFont typeface="Calibri" pitchFamily="34" charset="0"/>
+              <a:buChar char="◦"/>
+              <a:defRPr kumimoji="1" sz="1400" kern="1200">
+                <a:solidFill>
+                  <a:schemeClr val="tx1">
+                    <a:lumMod val="75000"/>
+                    <a:lumOff val="25000"/>
+                  </a:schemeClr>
+                </a:solidFill>
+                <a:latin typeface="+mn-lt"/>
+                <a:ea typeface="+mn-ea"/>
+                <a:cs typeface="+mn-cs"/>
+              </a:defRPr>
+            </a:lvl6pPr>
+            <a:lvl7pPr marL="1300000" indent="-228600" algn="l" defTabSz="914400" rtl="0" eaLnBrk="1" latinLnBrk="0" hangingPunct="1">
+              <a:lnSpc>
+                <a:spcPct val="90000"/>
+              </a:lnSpc>
+              <a:spcBef>
+                <a:spcPts val="200"/>
+              </a:spcBef>
+              <a:spcAft>
+                <a:spcPts val="400"/>
+              </a:spcAft>
+              <a:buClr>
+                <a:schemeClr val="accent1"/>
+              </a:buClr>
+              <a:buFont typeface="Calibri" pitchFamily="34" charset="0"/>
+              <a:buChar char="◦"/>
+              <a:defRPr kumimoji="1" sz="1400" kern="1200">
+                <a:solidFill>
+                  <a:schemeClr val="tx1">
+                    <a:lumMod val="75000"/>
+                    <a:lumOff val="25000"/>
+                  </a:schemeClr>
+                </a:solidFill>
+                <a:latin typeface="+mn-lt"/>
+                <a:ea typeface="+mn-ea"/>
+                <a:cs typeface="+mn-cs"/>
+              </a:defRPr>
+            </a:lvl7pPr>
+            <a:lvl8pPr marL="1500000" indent="-228600" algn="l" defTabSz="914400" rtl="0" eaLnBrk="1" latinLnBrk="0" hangingPunct="1">
+              <a:lnSpc>
+                <a:spcPct val="90000"/>
+              </a:lnSpc>
+              <a:spcBef>
+                <a:spcPts val="200"/>
+              </a:spcBef>
+              <a:spcAft>
+                <a:spcPts val="400"/>
+              </a:spcAft>
+              <a:buClr>
+                <a:schemeClr val="accent1"/>
+              </a:buClr>
+              <a:buFont typeface="Calibri" pitchFamily="34" charset="0"/>
+              <a:buChar char="◦"/>
+              <a:defRPr kumimoji="1" sz="1400" kern="1200">
+                <a:solidFill>
+                  <a:schemeClr val="tx1">
+                    <a:lumMod val="75000"/>
+                    <a:lumOff val="25000"/>
+                  </a:schemeClr>
+                </a:solidFill>
+                <a:latin typeface="+mn-lt"/>
+                <a:ea typeface="+mn-ea"/>
+                <a:cs typeface="+mn-cs"/>
+              </a:defRPr>
+            </a:lvl8pPr>
+            <a:lvl9pPr marL="1700000" indent="-228600" algn="l" defTabSz="914400" rtl="0" eaLnBrk="1" latinLnBrk="0" hangingPunct="1">
+              <a:lnSpc>
+                <a:spcPct val="90000"/>
+              </a:lnSpc>
+              <a:spcBef>
+                <a:spcPts val="200"/>
+              </a:spcBef>
+              <a:spcAft>
+                <a:spcPts val="400"/>
+              </a:spcAft>
+              <a:buClr>
+                <a:schemeClr val="accent1"/>
+              </a:buClr>
+              <a:buFont typeface="Calibri" pitchFamily="34" charset="0"/>
+              <a:buChar char="◦"/>
+              <a:defRPr kumimoji="1" sz="1400" kern="1200">
+                <a:solidFill>
+                  <a:schemeClr val="tx1">
+                    <a:lumMod val="75000"/>
+                    <a:lumOff val="25000"/>
+                  </a:schemeClr>
+                </a:solidFill>
+                <a:latin typeface="+mn-lt"/>
+                <a:ea typeface="+mn-ea"/>
+                <a:cs typeface="+mn-cs"/>
+              </a:defRPr>
+            </a:lvl9pPr>
+          </a:lstStyle>
+          <a:p>
+            <a:r>
+              <a:rPr lang="ja-JP" altLang="en-US" sz="2800" dirty="0"/>
+              <a:t>返答</a:t>
+            </a:r>
+          </a:p>
+        </p:txBody>
+      </p:sp>
+      <p:sp>
+        <p:nvSpPr>
+          <p:cNvPr id="5" name="コンテンツ プレースホルダー 2">
+            <a:extLst>
+              <a:ext uri="{FF2B5EF4-FFF2-40B4-BE49-F238E27FC236}">
+                <a16:creationId xmlns:a16="http://schemas.microsoft.com/office/drawing/2014/main" id="{4C5FEBDD-384C-FD46-E859-84499741689E}"/>
+              </a:ext>
+            </a:extLst>
+          </p:cNvPr>
+          <p:cNvSpPr txBox="1">
+            <a:spLocks/>
+          </p:cNvSpPr>
+          <p:nvPr/>
+        </p:nvSpPr>
+        <p:spPr>
+          <a:xfrm>
+            <a:off x="7517865" y="1932954"/>
+            <a:ext cx="4325936" cy="919473"/>
+          </a:xfrm>
+          <a:prstGeom prst="rect">
+            <a:avLst/>
+          </a:prstGeom>
+        </p:spPr>
+        <p:txBody>
+          <a:bodyPr vert="horz" lIns="0" tIns="45720" rIns="0" bIns="45720" rtlCol="0">
+            <a:normAutofit/>
+          </a:bodyPr>
+          <a:lstStyle>
+            <a:lvl1pPr marL="91440" indent="-91440" algn="l" defTabSz="914400" rtl="0" eaLnBrk="1" latinLnBrk="0" hangingPunct="1">
+              <a:lnSpc>
+                <a:spcPct val="90000"/>
+              </a:lnSpc>
+              <a:spcBef>
+                <a:spcPts val="1200"/>
+              </a:spcBef>
+              <a:spcAft>
+                <a:spcPts val="200"/>
+              </a:spcAft>
+              <a:buClr>
+                <a:schemeClr val="accent1"/>
+              </a:buClr>
+              <a:buSzPct val="100000"/>
+              <a:buFont typeface="Calibri" panose="020F0502020204030204" pitchFamily="34" charset="0"/>
+              <a:buChar char=" "/>
+              <a:defRPr kumimoji="1" sz="2000" kern="1200">
+                <a:solidFill>
+                  <a:schemeClr val="tx1">
+                    <a:lumMod val="75000"/>
+                    <a:lumOff val="25000"/>
+                  </a:schemeClr>
+                </a:solidFill>
+                <a:latin typeface="+mn-lt"/>
+                <a:ea typeface="+mn-ea"/>
+                <a:cs typeface="+mn-cs"/>
+              </a:defRPr>
+            </a:lvl1pPr>
+            <a:lvl2pPr marL="384048" indent="-182880" algn="l" defTabSz="914400" rtl="0" eaLnBrk="1" latinLnBrk="0" hangingPunct="1">
+              <a:lnSpc>
+                <a:spcPct val="90000"/>
+              </a:lnSpc>
+              <a:spcBef>
+                <a:spcPts val="200"/>
+              </a:spcBef>
+              <a:spcAft>
+                <a:spcPts val="400"/>
+              </a:spcAft>
+              <a:buClr>
+                <a:schemeClr val="accent1"/>
+              </a:buClr>
+              <a:buFont typeface="Calibri" pitchFamily="34" charset="0"/>
+              <a:buChar char="◦"/>
+              <a:defRPr kumimoji="1" sz="1800" kern="1200">
+                <a:solidFill>
+                  <a:schemeClr val="tx1">
+                    <a:lumMod val="75000"/>
+                    <a:lumOff val="25000"/>
+                  </a:schemeClr>
+                </a:solidFill>
+                <a:latin typeface="+mn-lt"/>
+                <a:ea typeface="+mn-ea"/>
+                <a:cs typeface="+mn-cs"/>
+              </a:defRPr>
+            </a:lvl2pPr>
+            <a:lvl3pPr marL="566928" indent="-182880" algn="l" defTabSz="914400" rtl="0" eaLnBrk="1" latinLnBrk="0" hangingPunct="1">
+              <a:lnSpc>
+                <a:spcPct val="90000"/>
+              </a:lnSpc>
+              <a:spcBef>
+                <a:spcPts val="200"/>
+              </a:spcBef>
+              <a:spcAft>
+                <a:spcPts val="400"/>
+              </a:spcAft>
+              <a:buClr>
+                <a:schemeClr val="accent1"/>
+              </a:buClr>
+              <a:buFont typeface="Calibri" pitchFamily="34" charset="0"/>
+              <a:buChar char="◦"/>
+              <a:defRPr kumimoji="1" sz="1400" kern="1200">
+                <a:solidFill>
+                  <a:schemeClr val="tx1">
+                    <a:lumMod val="75000"/>
+                    <a:lumOff val="25000"/>
+                  </a:schemeClr>
+                </a:solidFill>
+                <a:latin typeface="+mn-lt"/>
+                <a:ea typeface="+mn-ea"/>
+                <a:cs typeface="+mn-cs"/>
+              </a:defRPr>
+            </a:lvl3pPr>
+            <a:lvl4pPr marL="749808" indent="-182880" algn="l" defTabSz="914400" rtl="0" eaLnBrk="1" latinLnBrk="0" hangingPunct="1">
+              <a:lnSpc>
+                <a:spcPct val="90000"/>
+              </a:lnSpc>
+              <a:spcBef>
+                <a:spcPts val="200"/>
+              </a:spcBef>
+              <a:spcAft>
+                <a:spcPts val="400"/>
+              </a:spcAft>
+              <a:buClr>
+                <a:schemeClr val="accent1"/>
+              </a:buClr>
+              <a:buFont typeface="Calibri" pitchFamily="34" charset="0"/>
+              <a:buChar char="◦"/>
+              <a:defRPr kumimoji="1" sz="1400" kern="1200">
+                <a:solidFill>
+                  <a:schemeClr val="tx1">
+                    <a:lumMod val="75000"/>
+                    <a:lumOff val="25000"/>
+                  </a:schemeClr>
+                </a:solidFill>
+                <a:latin typeface="+mn-lt"/>
+                <a:ea typeface="+mn-ea"/>
+                <a:cs typeface="+mn-cs"/>
+              </a:defRPr>
+            </a:lvl4pPr>
+            <a:lvl5pPr marL="932688" indent="-182880" algn="l" defTabSz="914400" rtl="0" eaLnBrk="1" latinLnBrk="0" hangingPunct="1">
+              <a:lnSpc>
+                <a:spcPct val="90000"/>
+              </a:lnSpc>
+              <a:spcBef>
+                <a:spcPts val="200"/>
+              </a:spcBef>
+              <a:spcAft>
+                <a:spcPts val="400"/>
+              </a:spcAft>
+              <a:buClr>
+                <a:schemeClr val="accent1"/>
+              </a:buClr>
+              <a:buFont typeface="Calibri" pitchFamily="34" charset="0"/>
+              <a:buChar char="◦"/>
+              <a:defRPr kumimoji="1" sz="1400" kern="1200">
+                <a:solidFill>
+                  <a:schemeClr val="tx1">
+                    <a:lumMod val="75000"/>
+                    <a:lumOff val="25000"/>
+                  </a:schemeClr>
+                </a:solidFill>
+                <a:latin typeface="+mn-lt"/>
+                <a:ea typeface="+mn-ea"/>
+                <a:cs typeface="+mn-cs"/>
+              </a:defRPr>
+            </a:lvl5pPr>
+            <a:lvl6pPr marL="1100000" indent="-228600" algn="l" defTabSz="914400" rtl="0" eaLnBrk="1" latinLnBrk="0" hangingPunct="1">
+              <a:lnSpc>
+                <a:spcPct val="90000"/>
+              </a:lnSpc>
+              <a:spcBef>
+                <a:spcPts val="200"/>
+              </a:spcBef>
+              <a:spcAft>
+                <a:spcPts val="400"/>
+              </a:spcAft>
+              <a:buClr>
+                <a:schemeClr val="accent1"/>
+              </a:buClr>
+              <a:buFont typeface="Calibri" pitchFamily="34" charset="0"/>
+              <a:buChar char="◦"/>
+              <a:defRPr kumimoji="1" sz="1400" kern="1200">
+                <a:solidFill>
+                  <a:schemeClr val="tx1">
+                    <a:lumMod val="75000"/>
+                    <a:lumOff val="25000"/>
+                  </a:schemeClr>
+                </a:solidFill>
+                <a:latin typeface="+mn-lt"/>
+                <a:ea typeface="+mn-ea"/>
+                <a:cs typeface="+mn-cs"/>
+              </a:defRPr>
+            </a:lvl6pPr>
+            <a:lvl7pPr marL="1300000" indent="-228600" algn="l" defTabSz="914400" rtl="0" eaLnBrk="1" latinLnBrk="0" hangingPunct="1">
+              <a:lnSpc>
+                <a:spcPct val="90000"/>
+              </a:lnSpc>
+              <a:spcBef>
+                <a:spcPts val="200"/>
+              </a:spcBef>
+              <a:spcAft>
+                <a:spcPts val="400"/>
+              </a:spcAft>
+              <a:buClr>
+                <a:schemeClr val="accent1"/>
+              </a:buClr>
+              <a:buFont typeface="Calibri" pitchFamily="34" charset="0"/>
+              <a:buChar char="◦"/>
+              <a:defRPr kumimoji="1" sz="1400" kern="1200">
+                <a:solidFill>
+                  <a:schemeClr val="tx1">
+                    <a:lumMod val="75000"/>
+                    <a:lumOff val="25000"/>
+                  </a:schemeClr>
+                </a:solidFill>
+                <a:latin typeface="+mn-lt"/>
+                <a:ea typeface="+mn-ea"/>
+                <a:cs typeface="+mn-cs"/>
+              </a:defRPr>
+            </a:lvl7pPr>
+            <a:lvl8pPr marL="1500000" indent="-228600" algn="l" defTabSz="914400" rtl="0" eaLnBrk="1" latinLnBrk="0" hangingPunct="1">
+              <a:lnSpc>
+                <a:spcPct val="90000"/>
+              </a:lnSpc>
+              <a:spcBef>
+                <a:spcPts val="200"/>
+              </a:spcBef>
+              <a:spcAft>
+                <a:spcPts val="400"/>
+              </a:spcAft>
+              <a:buClr>
+                <a:schemeClr val="accent1"/>
+              </a:buClr>
+              <a:buFont typeface="Calibri" pitchFamily="34" charset="0"/>
+              <a:buChar char="◦"/>
+              <a:defRPr kumimoji="1" sz="1400" kern="1200">
+                <a:solidFill>
+                  <a:schemeClr val="tx1">
+                    <a:lumMod val="75000"/>
+                    <a:lumOff val="25000"/>
+                  </a:schemeClr>
+                </a:solidFill>
+                <a:latin typeface="+mn-lt"/>
+                <a:ea typeface="+mn-ea"/>
+                <a:cs typeface="+mn-cs"/>
+              </a:defRPr>
+            </a:lvl8pPr>
+            <a:lvl9pPr marL="1700000" indent="-228600" algn="l" defTabSz="914400" rtl="0" eaLnBrk="1" latinLnBrk="0" hangingPunct="1">
+              <a:lnSpc>
+                <a:spcPct val="90000"/>
+              </a:lnSpc>
+              <a:spcBef>
+                <a:spcPts val="200"/>
+              </a:spcBef>
+              <a:spcAft>
+                <a:spcPts val="400"/>
+              </a:spcAft>
+              <a:buClr>
+                <a:schemeClr val="accent1"/>
+              </a:buClr>
+              <a:buFont typeface="Calibri" pitchFamily="34" charset="0"/>
+              <a:buChar char="◦"/>
+              <a:defRPr kumimoji="1" sz="1400" kern="1200">
+                <a:solidFill>
+                  <a:schemeClr val="tx1">
+                    <a:lumMod val="75000"/>
+                    <a:lumOff val="25000"/>
+                  </a:schemeClr>
+                </a:solidFill>
+                <a:latin typeface="+mn-lt"/>
+                <a:ea typeface="+mn-ea"/>
+                <a:cs typeface="+mn-cs"/>
+              </a:defRPr>
+            </a:lvl9pPr>
+          </a:lstStyle>
+          <a:p>
+            <a:r>
+              <a:rPr lang="ja-JP" altLang="en-US" sz="2800" dirty="0"/>
+              <a:t>スケジュール</a:t>
+            </a:r>
+          </a:p>
+        </p:txBody>
+      </p:sp>
+      <p:pic>
+        <p:nvPicPr>
+          <p:cNvPr id="8" name="図 7">
+            <a:extLst>
+              <a:ext uri="{FF2B5EF4-FFF2-40B4-BE49-F238E27FC236}">
+                <a16:creationId xmlns:a16="http://schemas.microsoft.com/office/drawing/2014/main" id="{BEF68769-1F25-7964-414F-6C7ACF0DDB7A}"/>
+              </a:ext>
+            </a:extLst>
+          </p:cNvPr>
+          <p:cNvPicPr>
+            <a:picLocks noChangeAspect="1"/>
+          </p:cNvPicPr>
+          <p:nvPr/>
+        </p:nvPicPr>
+        <p:blipFill>
+          <a:blip r:embed="rId3"/>
+          <a:stretch>
+            <a:fillRect/>
+          </a:stretch>
+        </p:blipFill>
+        <p:spPr>
+          <a:xfrm>
+            <a:off x="222651" y="2584513"/>
+            <a:ext cx="7233693" cy="267914"/>
+          </a:xfrm>
+          <a:prstGeom prst="rect">
+            <a:avLst/>
+          </a:prstGeom>
+        </p:spPr>
+      </p:pic>
+      <p:pic>
+        <p:nvPicPr>
+          <p:cNvPr id="12" name="図 11">
+            <a:extLst>
+              <a:ext uri="{FF2B5EF4-FFF2-40B4-BE49-F238E27FC236}">
+                <a16:creationId xmlns:a16="http://schemas.microsoft.com/office/drawing/2014/main" id="{84649D27-ED8D-C8AA-06D4-3515EF809FC7}"/>
+              </a:ext>
+            </a:extLst>
+          </p:cNvPr>
+          <p:cNvPicPr>
+            <a:picLocks noChangeAspect="1"/>
+          </p:cNvPicPr>
+          <p:nvPr/>
+        </p:nvPicPr>
+        <p:blipFill>
+          <a:blip r:embed="rId4"/>
+          <a:stretch>
+            <a:fillRect/>
+          </a:stretch>
+        </p:blipFill>
+        <p:spPr>
+          <a:xfrm>
+            <a:off x="222651" y="4041469"/>
+            <a:ext cx="7277640" cy="1265317"/>
+          </a:xfrm>
+          <a:prstGeom prst="rect">
+            <a:avLst/>
+          </a:prstGeom>
+        </p:spPr>
+      </p:pic>
+      <p:pic>
+        <p:nvPicPr>
+          <p:cNvPr id="14" name="図 13">
+            <a:extLst>
+              <a:ext uri="{FF2B5EF4-FFF2-40B4-BE49-F238E27FC236}">
+                <a16:creationId xmlns:a16="http://schemas.microsoft.com/office/drawing/2014/main" id="{2A6D1605-4B87-65A0-D9FE-709B8D2F23A6}"/>
+              </a:ext>
+            </a:extLst>
+          </p:cNvPr>
+          <p:cNvPicPr>
+            <a:picLocks noChangeAspect="1"/>
+          </p:cNvPicPr>
+          <p:nvPr/>
+        </p:nvPicPr>
+        <p:blipFill>
+          <a:blip r:embed="rId5"/>
+          <a:stretch>
+            <a:fillRect/>
+          </a:stretch>
+        </p:blipFill>
+        <p:spPr>
+          <a:xfrm>
+            <a:off x="7643413" y="2523714"/>
+            <a:ext cx="4325936" cy="3649517"/>
+          </a:xfrm>
+          <a:prstGeom prst="rect">
+            <a:avLst/>
+          </a:prstGeom>
+        </p:spPr>
+      </p:pic>
+    </p:spTree>
+    <p:extLst>
+      <p:ext uri="{BB962C8B-B14F-4D97-AF65-F5344CB8AC3E}">
+        <p14:creationId xmlns:p14="http://schemas.microsoft.com/office/powerpoint/2010/main" val="3851980754"/>
+      </p:ext>
+    </p:extLst>
+  </p:cSld>
+  <p:clrMapOvr>
+    <a:masterClrMapping/>
+  </p:clrMapOvr>
+</p:sld>
+</file>
+
+<file path=ppt/slides/slide6.xml><?xml version="1.0" encoding="utf-8"?>
+<p:sld xmlns:a="http://schemas.openxmlformats.org/drawingml/2006/main" xmlns:r="http://schemas.openxmlformats.org/officeDocument/2006/relationships" xmlns:p="http://schemas.openxmlformats.org/presentationml/2006/main">
+  <p:cSld>
+    <p:spTree>
+      <p:nvGrpSpPr>
         <p:cNvPr id="1" name=""/>
         <p:cNvGrpSpPr/>
         <p:nvPr/>
@@ -7412,11 +7831,11 @@
           <a:p>
             <a:r>
               <a:rPr lang="ja-JP" altLang="en-US" sz="3200" dirty="0"/>
-              <a:t>・日本語の対話に特化した</a:t>
-            </a:r>
-            <a:r>
-              <a:rPr lang="en-US" altLang="ja-JP" sz="3200" dirty="0" err="1"/>
-              <a:t>rinna-gpt</a:t>
+              <a:t>・より高精度な</a:t>
+            </a:r>
+            <a:r>
+              <a:rPr lang="en-US" altLang="ja-JP" sz="3200" dirty="0"/>
+              <a:t>LLM</a:t>
             </a:r>
             <a:r>
               <a:rPr lang="ja-JP" altLang="en-US" sz="3200" dirty="0"/>

--- a/最終課題.pptx
+++ b/最終課題.pptx
@@ -629,7 +629,10 @@
           <a:bodyPr/>
           <a:lstStyle/>
           <a:p>
-            <a:endParaRPr kumimoji="1" lang="ja-JP" altLang="en-US" dirty="0"/>
+            <a:r>
+              <a:rPr kumimoji="1" lang="ja-JP" altLang="en-US" dirty="0"/>
+              <a:t>対話を通してスケジュールを管理するアプリを想定して作成</a:t>
+            </a:r>
           </a:p>
         </p:txBody>
       </p:sp>
@@ -713,6 +716,94 @@
           <a:bodyPr/>
           <a:lstStyle/>
           <a:p>
+            <a:r>
+              <a:rPr kumimoji="1" lang="en-US" altLang="ja-JP" dirty="0"/>
+              <a:t>Elyza 2.7b</a:t>
+            </a:r>
+            <a:endParaRPr kumimoji="1" lang="ja-JP" altLang="en-US" dirty="0"/>
+          </a:p>
+        </p:txBody>
+      </p:sp>
+      <p:sp>
+        <p:nvSpPr>
+          <p:cNvPr id="4" name="スライド番号プレースホルダー 3"/>
+          <p:cNvSpPr>
+            <a:spLocks noGrp="1"/>
+          </p:cNvSpPr>
+          <p:nvPr>
+            <p:ph type="sldNum" sz="quarter" idx="5"/>
+          </p:nvPr>
+        </p:nvSpPr>
+        <p:spPr/>
+        <p:txBody>
+          <a:bodyPr/>
+          <a:lstStyle/>
+          <a:p>
+            <a:fld id="{5015635C-5080-408E-969F-D633DFBBC582}" type="slidenum">
+              <a:rPr kumimoji="1" lang="ja-JP" altLang="en-US" smtClean="0"/>
+              <a:t>3</a:t>
+            </a:fld>
+            <a:endParaRPr kumimoji="1" lang="ja-JP" altLang="en-US"/>
+          </a:p>
+        </p:txBody>
+      </p:sp>
+    </p:spTree>
+    <p:extLst>
+      <p:ext uri="{BB962C8B-B14F-4D97-AF65-F5344CB8AC3E}">
+        <p14:creationId xmlns:p14="http://schemas.microsoft.com/office/powerpoint/2010/main" val="2235900648"/>
+      </p:ext>
+    </p:extLst>
+  </p:cSld>
+  <p:clrMapOvr>
+    <a:masterClrMapping/>
+  </p:clrMapOvr>
+</p:notes>
+</file>
+
+<file path=ppt/notesSlides/notesSlide4.xml><?xml version="1.0" encoding="utf-8"?>
+<p:notes xmlns:a="http://schemas.openxmlformats.org/drawingml/2006/main" xmlns:r="http://schemas.openxmlformats.org/officeDocument/2006/relationships" xmlns:p="http://schemas.openxmlformats.org/presentationml/2006/main">
+  <p:cSld>
+    <p:spTree>
+      <p:nvGrpSpPr>
+        <p:cNvPr id="1" name=""/>
+        <p:cNvGrpSpPr/>
+        <p:nvPr/>
+      </p:nvGrpSpPr>
+      <p:grpSpPr>
+        <a:xfrm>
+          <a:off x="0" y="0"/>
+          <a:ext cx="0" cy="0"/>
+          <a:chOff x="0" y="0"/>
+          <a:chExt cx="0" cy="0"/>
+        </a:xfrm>
+      </p:grpSpPr>
+      <p:sp>
+        <p:nvSpPr>
+          <p:cNvPr id="2" name="スライド イメージ プレースホルダー 1"/>
+          <p:cNvSpPr>
+            <a:spLocks noGrp="1" noRot="1" noChangeAspect="1"/>
+          </p:cNvSpPr>
+          <p:nvPr>
+            <p:ph type="sldImg"/>
+          </p:nvPr>
+        </p:nvSpPr>
+        <p:spPr/>
+      </p:sp>
+      <p:sp>
+        <p:nvSpPr>
+          <p:cNvPr id="3" name="ノート プレースホルダー 2"/>
+          <p:cNvSpPr>
+            <a:spLocks noGrp="1"/>
+          </p:cNvSpPr>
+          <p:nvPr>
+            <p:ph type="body" idx="1"/>
+          </p:nvPr>
+        </p:nvSpPr>
+        <p:spPr/>
+        <p:txBody>
+          <a:bodyPr/>
+          <a:lstStyle/>
+          <a:p>
             <a:endParaRPr kumimoji="1" lang="ja-JP" altLang="en-US" dirty="0"/>
           </a:p>
         </p:txBody>
@@ -753,7 +844,7 @@
 </p:notes>
 </file>
 
-<file path=ppt/notesSlides/notesSlide4.xml><?xml version="1.0" encoding="utf-8"?>
+<file path=ppt/notesSlides/notesSlide5.xml><?xml version="1.0" encoding="utf-8"?>
 <p:notes xmlns:a="http://schemas.openxmlformats.org/drawingml/2006/main" xmlns:r="http://schemas.openxmlformats.org/officeDocument/2006/relationships" xmlns:p="http://schemas.openxmlformats.org/presentationml/2006/main">
   <p:cSld>
     <p:spTree>
@@ -815,7 +906,10 @@
           <a:bodyPr/>
           <a:lstStyle/>
           <a:p>
-            <a:endParaRPr kumimoji="1" lang="ja-JP" altLang="en-US" dirty="0"/>
+            <a:r>
+              <a:rPr kumimoji="1" lang="ja-JP" altLang="en-US" dirty="0"/>
+              <a:t>パラメータの調整やプロンプトの調整が必要</a:t>
+            </a:r>
           </a:p>
         </p:txBody>
       </p:sp>
@@ -861,7 +955,7 @@
 </p:notes>
 </file>
 
-<file path=ppt/notesSlides/notesSlide5.xml><?xml version="1.0" encoding="utf-8"?>
+<file path=ppt/notesSlides/notesSlide6.xml><?xml version="1.0" encoding="utf-8"?>
 <p:notes xmlns:a="http://schemas.openxmlformats.org/drawingml/2006/main" xmlns:r="http://schemas.openxmlformats.org/officeDocument/2006/relationships" xmlns:p="http://schemas.openxmlformats.org/presentationml/2006/main">
   <p:cSld>
     <p:spTree>
@@ -908,6 +1002,69 @@
             <a:r>
               <a:rPr kumimoji="1" lang="ja-JP" altLang="en-US" dirty="0"/>
               <a:t>実用性を高める</a:t>
+            </a:r>
+            <a:endParaRPr kumimoji="1" lang="en-US" altLang="ja-JP" dirty="0"/>
+          </a:p>
+          <a:p>
+            <a:r>
+              <a:rPr kumimoji="1" lang="ja-JP" altLang="en-US" dirty="0"/>
+              <a:t>・</a:t>
+            </a:r>
+            <a:r>
+              <a:rPr kumimoji="1" lang="en-US" altLang="ja-JP" dirty="0"/>
+              <a:t>RAG</a:t>
+            </a:r>
+            <a:r>
+              <a:rPr kumimoji="1" lang="ja-JP" altLang="en-US" dirty="0"/>
+              <a:t>を利用して外部サイトから天気やお店などの情報を得られるようにする</a:t>
+            </a:r>
+            <a:endParaRPr kumimoji="1" lang="en-US" altLang="ja-JP" dirty="0"/>
+          </a:p>
+          <a:p>
+            <a:endParaRPr kumimoji="1" lang="en-US" altLang="ja-JP" dirty="0"/>
+          </a:p>
+          <a:p>
+            <a:r>
+              <a:rPr kumimoji="1" lang="ja-JP" altLang="en-US" dirty="0"/>
+              <a:t>最後に、</a:t>
+            </a:r>
+            <a:r>
+              <a:rPr kumimoji="1" lang="en-US" altLang="ja-JP" dirty="0"/>
+              <a:t>AI</a:t>
+            </a:r>
+            <a:r>
+              <a:rPr kumimoji="1" lang="ja-JP" altLang="en-US" dirty="0"/>
+              <a:t>エンジニアについて</a:t>
+            </a:r>
+            <a:endParaRPr kumimoji="1" lang="en-US" altLang="ja-JP" dirty="0"/>
+          </a:p>
+          <a:p>
+            <a:r>
+              <a:rPr kumimoji="1" lang="ja-JP" altLang="en-US" dirty="0"/>
+              <a:t>実際に生成</a:t>
+            </a:r>
+            <a:r>
+              <a:rPr kumimoji="1" lang="en-US" altLang="ja-JP" dirty="0"/>
+              <a:t>AI</a:t>
+            </a:r>
+            <a:r>
+              <a:rPr kumimoji="1" lang="ja-JP" altLang="en-US" dirty="0"/>
+              <a:t>を活用したコーディングを体感することで、</a:t>
+            </a:r>
+            <a:r>
+              <a:rPr kumimoji="1" lang="en-US" altLang="ja-JP" dirty="0"/>
+              <a:t>AI</a:t>
+            </a:r>
+            <a:r>
+              <a:rPr kumimoji="1" lang="ja-JP" altLang="en-US" dirty="0"/>
+              <a:t>エンジニアの面白さを感じることができました。</a:t>
+            </a:r>
+            <a:endParaRPr kumimoji="1" lang="en-US" altLang="ja-JP" dirty="0"/>
+          </a:p>
+          <a:p>
+            <a:r>
+              <a:rPr kumimoji="1" lang="ja-JP" altLang="en-US" dirty="0"/>
+              <a:t>そのため、今後も選択肢の一つとして考えていきたい</a:t>
             </a:r>
           </a:p>
         </p:txBody>
@@ -4920,10 +5077,64 @@
             </a:lvl1pPr>
           </a:lstStyle>
           <a:p>
-            <a:r>
-              <a:rPr lang="ja-JP" altLang="en-US" dirty="0"/>
-              <a:t>最終課題</a:t>
-            </a:r>
+            <a:endParaRPr lang="en-US" altLang="ja-JP" sz="3600" dirty="0"/>
+          </a:p>
+          <a:p>
+            <a:r>
+              <a:rPr lang="ja-JP" altLang="en-US" sz="4400" dirty="0"/>
+              <a:t>対話を通した</a:t>
+            </a:r>
+            <a:r>
+              <a:rPr lang="ja-JP" altLang="en-US" sz="4400" dirty="0">
+                <a:latin typeface="+mj-ea"/>
+              </a:rPr>
+              <a:t>スケジュール管理ツール</a:t>
+            </a:r>
+            <a:endParaRPr lang="ja-JP" altLang="en-US" sz="4400" dirty="0"/>
+          </a:p>
+        </p:txBody>
+      </p:sp>
+      <p:sp>
+        <p:nvSpPr>
+          <p:cNvPr id="2" name="テキスト ボックス 1">
+            <a:extLst>
+              <a:ext uri="{FF2B5EF4-FFF2-40B4-BE49-F238E27FC236}">
+                <a16:creationId xmlns:a16="http://schemas.microsoft.com/office/drawing/2014/main" id="{EF878485-CE09-833D-8675-C372DCE803B1}"/>
+              </a:ext>
+            </a:extLst>
+          </p:cNvPr>
+          <p:cNvSpPr txBox="1"/>
+          <p:nvPr/>
+        </p:nvSpPr>
+        <p:spPr>
+          <a:xfrm>
+            <a:off x="1524000" y="1912183"/>
+            <a:ext cx="5065810" cy="461665"/>
+          </a:xfrm>
+          <a:prstGeom prst="rect">
+            <a:avLst/>
+          </a:prstGeom>
+          <a:noFill/>
+        </p:spPr>
+        <p:txBody>
+          <a:bodyPr wrap="none" rtlCol="0">
+            <a:spAutoFit/>
+          </a:bodyPr>
+          <a:lstStyle/>
+          <a:p>
+            <a:r>
+              <a:rPr lang="ja-JP" altLang="en-US" sz="2400" dirty="0"/>
+              <a:t>生成</a:t>
+            </a:r>
+            <a:r>
+              <a:rPr lang="en-US" altLang="ja-JP" sz="2400" dirty="0"/>
+              <a:t>AI</a:t>
+            </a:r>
+            <a:r>
+              <a:rPr lang="ja-JP" altLang="en-US" sz="2400" dirty="0"/>
+              <a:t>基礎とビジネス応用　最終課題</a:t>
+            </a:r>
+            <a:endParaRPr lang="en-US" altLang="ja-JP" sz="2400" dirty="0"/>
           </a:p>
         </p:txBody>
       </p:sp>
@@ -5008,7 +5219,7 @@
           <a:p>
             <a:r>
               <a:rPr kumimoji="1" lang="ja-JP" altLang="en-US" sz="3600" dirty="0"/>
-              <a:t>「</a:t>
+              <a:t>「対話を通した</a:t>
             </a:r>
             <a:r>
               <a:rPr kumimoji="1" lang="ja-JP" altLang="en-US" sz="3600" dirty="0">
